--- a/behavior_detection.pptx
+++ b/behavior_detection.pptx
@@ -5,7 +5,7 @@
     <p:sldMasterId id="2147483648" r:id="rId1"/>
   </p:sldMasterIdLst>
   <p:notesMasterIdLst>
-    <p:notesMasterId r:id="rId19"/>
+    <p:notesMasterId r:id="rId23"/>
   </p:notesMasterIdLst>
   <p:sldIdLst>
     <p:sldId id="256" r:id="rId2"/>
@@ -25,6 +25,10 @@
     <p:sldId id="287" r:id="rId16"/>
     <p:sldId id="288" r:id="rId17"/>
     <p:sldId id="289" r:id="rId18"/>
+    <p:sldId id="290" r:id="rId19"/>
+    <p:sldId id="291" r:id="rId20"/>
+    <p:sldId id="292" r:id="rId21"/>
+    <p:sldId id="293" r:id="rId22"/>
   </p:sldIdLst>
   <p:sldSz cx="9144000" cy="6858000" type="screen4x3"/>
   <p:notesSz cx="6858000" cy="9144000"/>
@@ -9502,7 +9506,7 @@
               <a:pPr>
                 <a:defRPr/>
               </a:pPr>
-              <a:t>2020/10/8</a:t>
+              <a:t>2020/11/5</a:t>
             </a:fld>
             <a:endParaRPr lang="ja-JP" altLang="en-US"/>
           </a:p>
@@ -9897,7 +9901,7 @@
               </a14:hiddenFill>
             </a:ext>
             <a:ext uri="{FAA26D3D-D897-4be2-8F04-BA451C77F1D7}">
-              <ma14:placeholderFlag xmlns:ma14="http://schemas.microsoft.com/office/mac/drawingml/2011/main" xmlns="" val="1"/>
+              <ma14:placeholderFlag xmlns="" xmlns:ma14="http://schemas.microsoft.com/office/mac/drawingml/2011/main" val="1"/>
             </a:ext>
           </a:extLst>
         </p:spPr>
@@ -9933,7 +9937,7 @@
               </a14:hiddenLine>
             </a:ext>
             <a:ext uri="{FAA26D3D-D897-4be2-8F04-BA451C77F1D7}">
-              <ma14:placeholderFlag xmlns:ma14="http://schemas.microsoft.com/office/mac/drawingml/2011/main" xmlns="" val="1"/>
+              <ma14:placeholderFlag xmlns="" xmlns:ma14="http://schemas.microsoft.com/office/mac/drawingml/2011/main" val="1"/>
             </a:ext>
           </a:extLst>
         </p:spPr>
@@ -15003,8 +15007,8 @@
           </a:fontRef>
         </p:style>
       </p:cxnSp>
-      <mc:AlternateContent xmlns:mc="http://schemas.openxmlformats.org/markup-compatibility/2006">
-        <mc:Choice xmlns:a14="http://schemas.microsoft.com/office/drawing/2010/main" Requires="a14">
+      <mc:AlternateContent xmlns:mc="http://schemas.openxmlformats.org/markup-compatibility/2006" xmlns:a14="http://schemas.microsoft.com/office/drawing/2010/main">
+        <mc:Choice Requires="a14">
           <p:sp>
             <p:nvSpPr>
               <p:cNvPr id="13" name="正方形/長方形 12"/>
@@ -15093,7 +15097,7 @@
             </p:txBody>
           </p:sp>
         </mc:Choice>
-        <mc:Fallback>
+        <mc:Fallback xmlns="">
           <p:sp>
             <p:nvSpPr>
               <p:cNvPr id="13" name="正方形/長方形 12"/>
@@ -15137,8 +15141,8 @@
           </p:sp>
         </mc:Fallback>
       </mc:AlternateContent>
-      <mc:AlternateContent xmlns:mc="http://schemas.openxmlformats.org/markup-compatibility/2006">
-        <mc:Choice xmlns:a14="http://schemas.microsoft.com/office/drawing/2010/main" Requires="a14">
+      <mc:AlternateContent xmlns:mc="http://schemas.openxmlformats.org/markup-compatibility/2006" xmlns:a14="http://schemas.microsoft.com/office/drawing/2010/main">
+        <mc:Choice Requires="a14">
           <p:sp>
             <p:nvSpPr>
               <p:cNvPr id="14" name="正方形/長方形 13"/>
@@ -15229,7 +15233,7 @@
             </p:txBody>
           </p:sp>
         </mc:Choice>
-        <mc:Fallback>
+        <mc:Fallback xmlns="">
           <p:sp>
             <p:nvSpPr>
               <p:cNvPr id="14" name="正方形/長方形 13"/>
@@ -15271,8 +15275,8 @@
           </p:sp>
         </mc:Fallback>
       </mc:AlternateContent>
-      <mc:AlternateContent xmlns:mc="http://schemas.openxmlformats.org/markup-compatibility/2006">
-        <mc:Choice xmlns:a14="http://schemas.microsoft.com/office/drawing/2010/main" Requires="a14">
+      <mc:AlternateContent xmlns:mc="http://schemas.openxmlformats.org/markup-compatibility/2006" xmlns:a14="http://schemas.microsoft.com/office/drawing/2010/main">
+        <mc:Choice Requires="a14">
           <p:sp>
             <p:nvSpPr>
               <p:cNvPr id="15" name="正方形/長方形 14"/>
@@ -15363,7 +15367,7 @@
             </p:txBody>
           </p:sp>
         </mc:Choice>
-        <mc:Fallback>
+        <mc:Fallback xmlns="">
           <p:sp>
             <p:nvSpPr>
               <p:cNvPr id="15" name="正方形/長方形 14"/>
@@ -16348,8 +16352,8 @@
           </a:p>
         </p:txBody>
       </p:sp>
-      <mc:AlternateContent xmlns:mc="http://schemas.openxmlformats.org/markup-compatibility/2006">
-        <mc:Choice xmlns:a14="http://schemas.microsoft.com/office/drawing/2010/main" Requires="a14">
+      <mc:AlternateContent xmlns:mc="http://schemas.openxmlformats.org/markup-compatibility/2006" xmlns:a14="http://schemas.microsoft.com/office/drawing/2010/main">
+        <mc:Choice Requires="a14">
           <p:sp>
             <p:nvSpPr>
               <p:cNvPr id="5" name="テキスト ボックス 4"/>
@@ -16455,7 +16459,7 @@
             </p:txBody>
           </p:sp>
         </mc:Choice>
-        <mc:Fallback>
+        <mc:Fallback xmlns="">
           <p:sp>
             <p:nvSpPr>
               <p:cNvPr id="5" name="テキスト ボックス 4"/>
@@ -17581,8 +17585,8 @@
           </a:p>
         </p:txBody>
       </p:sp>
-      <mc:AlternateContent xmlns:mc="http://schemas.openxmlformats.org/markup-compatibility/2006">
-        <mc:Choice xmlns:a14="http://schemas.microsoft.com/office/drawing/2010/main" Requires="a14">
+      <mc:AlternateContent xmlns:mc="http://schemas.openxmlformats.org/markup-compatibility/2006" xmlns:a14="http://schemas.microsoft.com/office/drawing/2010/main">
+        <mc:Choice Requires="a14">
           <p:sp>
             <p:nvSpPr>
               <p:cNvPr id="33" name="正方形/長方形 32"/>
@@ -17604,6 +17608,7 @@
               </a:bodyPr>
               <a:lstStyle/>
               <a:p>
+                <a:pPr/>
                 <a14:m>
                   <m:oMathPara xmlns:m="http://schemas.openxmlformats.org/officeDocument/2006/math">
                     <m:oMathParaPr>
@@ -17643,7 +17648,7 @@
             </p:txBody>
           </p:sp>
         </mc:Choice>
-        <mc:Fallback>
+        <mc:Fallback xmlns="">
           <p:sp>
             <p:nvSpPr>
               <p:cNvPr id="33" name="正方形/長方形 32"/>
@@ -17682,8 +17687,8 @@
           </p:sp>
         </mc:Fallback>
       </mc:AlternateContent>
-      <mc:AlternateContent xmlns:mc="http://schemas.openxmlformats.org/markup-compatibility/2006">
-        <mc:Choice xmlns:a14="http://schemas.microsoft.com/office/drawing/2010/main" Requires="a14">
+      <mc:AlternateContent xmlns:mc="http://schemas.openxmlformats.org/markup-compatibility/2006" xmlns:a14="http://schemas.microsoft.com/office/drawing/2010/main">
+        <mc:Choice Requires="a14">
           <p:sp>
             <p:nvSpPr>
               <p:cNvPr id="34" name="正方形/長方形 33"/>
@@ -17705,6 +17710,7 @@
               </a:bodyPr>
               <a:lstStyle/>
               <a:p>
+                <a:pPr/>
                 <a14:m>
                   <m:oMathPara xmlns:m="http://schemas.openxmlformats.org/officeDocument/2006/math">
                     <m:oMathParaPr>
@@ -17744,7 +17750,7 @@
             </p:txBody>
           </p:sp>
         </mc:Choice>
-        <mc:Fallback>
+        <mc:Fallback xmlns="">
           <p:sp>
             <p:nvSpPr>
               <p:cNvPr id="34" name="正方形/長方形 33"/>
@@ -17783,8 +17789,8 @@
           </p:sp>
         </mc:Fallback>
       </mc:AlternateContent>
-      <mc:AlternateContent xmlns:mc="http://schemas.openxmlformats.org/markup-compatibility/2006">
-        <mc:Choice xmlns:a14="http://schemas.microsoft.com/office/drawing/2010/main" Requires="a14">
+      <mc:AlternateContent xmlns:mc="http://schemas.openxmlformats.org/markup-compatibility/2006" xmlns:a14="http://schemas.microsoft.com/office/drawing/2010/main">
+        <mc:Choice Requires="a14">
           <p:sp>
             <p:nvSpPr>
               <p:cNvPr id="35" name="正方形/長方形 34"/>
@@ -17806,6 +17812,7 @@
               </a:bodyPr>
               <a:lstStyle/>
               <a:p>
+                <a:pPr/>
                 <a14:m>
                   <m:oMathPara xmlns:m="http://schemas.openxmlformats.org/officeDocument/2006/math">
                     <m:oMathParaPr>
@@ -17845,7 +17852,7 @@
             </p:txBody>
           </p:sp>
         </mc:Choice>
-        <mc:Fallback>
+        <mc:Fallback xmlns="">
           <p:sp>
             <p:nvSpPr>
               <p:cNvPr id="35" name="正方形/長方形 34"/>
@@ -17884,8 +17891,8 @@
           </p:sp>
         </mc:Fallback>
       </mc:AlternateContent>
-      <mc:AlternateContent xmlns:mc="http://schemas.openxmlformats.org/markup-compatibility/2006">
-        <mc:Choice xmlns:a14="http://schemas.microsoft.com/office/drawing/2010/main" Requires="a14">
+      <mc:AlternateContent xmlns:mc="http://schemas.openxmlformats.org/markup-compatibility/2006" xmlns:a14="http://schemas.microsoft.com/office/drawing/2010/main">
+        <mc:Choice Requires="a14">
           <p:sp>
             <p:nvSpPr>
               <p:cNvPr id="36" name="正方形/長方形 35"/>
@@ -17907,6 +17914,7 @@
               </a:bodyPr>
               <a:lstStyle/>
               <a:p>
+                <a:pPr/>
                 <a14:m>
                   <m:oMathPara xmlns:m="http://schemas.openxmlformats.org/officeDocument/2006/math">
                     <m:oMathParaPr>
@@ -17946,7 +17954,7 @@
             </p:txBody>
           </p:sp>
         </mc:Choice>
-        <mc:Fallback>
+        <mc:Fallback xmlns="">
           <p:sp>
             <p:nvSpPr>
               <p:cNvPr id="36" name="正方形/長方形 35"/>
@@ -17985,8 +17993,8 @@
           </p:sp>
         </mc:Fallback>
       </mc:AlternateContent>
-      <mc:AlternateContent xmlns:mc="http://schemas.openxmlformats.org/markup-compatibility/2006">
-        <mc:Choice xmlns:a14="http://schemas.microsoft.com/office/drawing/2010/main" Requires="a14">
+      <mc:AlternateContent xmlns:mc="http://schemas.openxmlformats.org/markup-compatibility/2006" xmlns:a14="http://schemas.microsoft.com/office/drawing/2010/main">
+        <mc:Choice Requires="a14">
           <p:sp>
             <p:nvSpPr>
               <p:cNvPr id="37" name="正方形/長方形 36"/>
@@ -18008,6 +18016,7 @@
               </a:bodyPr>
               <a:lstStyle/>
               <a:p>
+                <a:pPr/>
                 <a14:m>
                   <m:oMathPara xmlns:m="http://schemas.openxmlformats.org/officeDocument/2006/math">
                     <m:oMathParaPr>
@@ -18047,7 +18056,7 @@
             </p:txBody>
           </p:sp>
         </mc:Choice>
-        <mc:Fallback>
+        <mc:Fallback xmlns="">
           <p:sp>
             <p:nvSpPr>
               <p:cNvPr id="37" name="正方形/長方形 36"/>
@@ -18255,8 +18264,8 @@
           </a:fontRef>
         </p:style>
       </p:cxnSp>
-      <mc:AlternateContent xmlns:mc="http://schemas.openxmlformats.org/markup-compatibility/2006">
-        <mc:Choice xmlns:a14="http://schemas.microsoft.com/office/drawing/2010/main" Requires="a14">
+      <mc:AlternateContent xmlns:mc="http://schemas.openxmlformats.org/markup-compatibility/2006" xmlns:a14="http://schemas.microsoft.com/office/drawing/2010/main">
+        <mc:Choice Requires="a14">
           <p:sp>
             <p:nvSpPr>
               <p:cNvPr id="46" name="テキスト ボックス 45"/>
@@ -18317,7 +18326,7 @@
             </p:txBody>
           </p:sp>
         </mc:Choice>
-        <mc:Fallback>
+        <mc:Fallback xmlns="">
           <p:sp>
             <p:nvSpPr>
               <p:cNvPr id="46" name="テキスト ボックス 45"/>
@@ -18440,7 +18449,6 @@
               <a:rPr lang="ja-JP" altLang="en-US" dirty="0"/>
               <a:t>が起きている枠組みを構築</a:t>
             </a:r>
-            <a:endParaRPr lang="ja-JP" altLang="en-US" dirty="0"/>
           </a:p>
         </p:txBody>
       </p:sp>
@@ -18594,8 +18602,8 @@
           </a:p>
         </p:txBody>
       </p:sp>
-      <mc:AlternateContent xmlns:mc="http://schemas.openxmlformats.org/markup-compatibility/2006">
-        <mc:Choice xmlns:a14="http://schemas.microsoft.com/office/drawing/2010/main" Requires="a14">
+      <mc:AlternateContent xmlns:mc="http://schemas.openxmlformats.org/markup-compatibility/2006" xmlns:a14="http://schemas.microsoft.com/office/drawing/2010/main">
+        <mc:Choice Requires="a14">
           <p:sp>
             <p:nvSpPr>
               <p:cNvPr id="3" name="コンテンツ プレースホルダー 2"/>
@@ -19220,13 +19228,7 @@
                       <a:rPr lang="en-US" altLang="ja-JP" sz="2000" i="1">
                         <a:latin typeface="Cambria Math" panose="02040503050406030204" pitchFamily="18" charset="0"/>
                       </a:rPr>
-                      <m:t> </m:t>
-                    </m:r>
-                    <m:r>
-                      <a:rPr lang="en-US" altLang="ja-JP" sz="2000" i="1">
-                        <a:latin typeface="Cambria Math" panose="02040503050406030204" pitchFamily="18" charset="0"/>
-                      </a:rPr>
-                      <m:t>(</m:t>
+                      <m:t> (</m:t>
                     </m:r>
                     <m:sSub>
                       <m:sSubPr>
@@ -19424,7 +19426,7 @@
             </p:txBody>
           </p:sp>
         </mc:Choice>
-        <mc:Fallback>
+        <mc:Fallback xmlns="">
           <p:sp>
             <p:nvSpPr>
               <p:cNvPr id="3" name="コンテンツ プレースホルダー 2"/>
@@ -19599,8 +19601,8 @@
           </a:p>
         </p:txBody>
       </p:sp>
-      <mc:AlternateContent xmlns:mc="http://schemas.openxmlformats.org/markup-compatibility/2006">
-        <mc:Choice xmlns:a14="http://schemas.microsoft.com/office/drawing/2010/main" Requires="a14">
+      <mc:AlternateContent xmlns:mc="http://schemas.openxmlformats.org/markup-compatibility/2006" xmlns:a14="http://schemas.microsoft.com/office/drawing/2010/main">
+        <mc:Choice Requires="a14">
           <p:sp>
             <p:nvSpPr>
               <p:cNvPr id="8" name="テキスト ボックス 7"/>
@@ -19623,6 +19625,7 @@
               </a:bodyPr>
               <a:lstStyle/>
               <a:p>
+                <a:pPr/>
                 <a14:m>
                   <m:oMathPara xmlns:m="http://schemas.openxmlformats.org/officeDocument/2006/math">
                     <m:oMathParaPr>
@@ -19643,7 +19646,7 @@
             </p:txBody>
           </p:sp>
         </mc:Choice>
-        <mc:Fallback>
+        <mc:Fallback xmlns="">
           <p:sp>
             <p:nvSpPr>
               <p:cNvPr id="8" name="テキスト ボックス 7"/>
@@ -19682,8 +19685,8 @@
           </p:sp>
         </mc:Fallback>
       </mc:AlternateContent>
-      <mc:AlternateContent xmlns:mc="http://schemas.openxmlformats.org/markup-compatibility/2006">
-        <mc:Choice xmlns:a14="http://schemas.microsoft.com/office/drawing/2010/main" Requires="a14">
+      <mc:AlternateContent xmlns:mc="http://schemas.openxmlformats.org/markup-compatibility/2006" xmlns:a14="http://schemas.microsoft.com/office/drawing/2010/main">
+        <mc:Choice Requires="a14">
           <p:sp>
             <p:nvSpPr>
               <p:cNvPr id="9" name="テキスト ボックス 8"/>
@@ -19706,6 +19709,7 @@
               </a:bodyPr>
               <a:lstStyle/>
               <a:p>
+                <a:pPr/>
                 <a14:m>
                   <m:oMathPara xmlns:m="http://schemas.openxmlformats.org/officeDocument/2006/math">
                     <m:oMathParaPr>
@@ -19726,7 +19730,7 @@
             </p:txBody>
           </p:sp>
         </mc:Choice>
-        <mc:Fallback>
+        <mc:Fallback xmlns="">
           <p:sp>
             <p:nvSpPr>
               <p:cNvPr id="9" name="テキスト ボックス 8"/>
@@ -19765,8 +19769,8 @@
           </p:sp>
         </mc:Fallback>
       </mc:AlternateContent>
-      <mc:AlternateContent xmlns:mc="http://schemas.openxmlformats.org/markup-compatibility/2006">
-        <mc:Choice xmlns:a14="http://schemas.microsoft.com/office/drawing/2010/main" Requires="a14">
+      <mc:AlternateContent xmlns:mc="http://schemas.openxmlformats.org/markup-compatibility/2006" xmlns:a14="http://schemas.microsoft.com/office/drawing/2010/main">
+        <mc:Choice Requires="a14">
           <p:sp>
             <p:nvSpPr>
               <p:cNvPr id="10" name="テキスト ボックス 9"/>
@@ -19789,6 +19793,7 @@
               </a:bodyPr>
               <a:lstStyle/>
               <a:p>
+                <a:pPr/>
                 <a14:m>
                   <m:oMathPara xmlns:m="http://schemas.openxmlformats.org/officeDocument/2006/math">
                     <m:oMathParaPr>
@@ -19809,7 +19814,7 @@
             </p:txBody>
           </p:sp>
         </mc:Choice>
-        <mc:Fallback>
+        <mc:Fallback xmlns="">
           <p:sp>
             <p:nvSpPr>
               <p:cNvPr id="10" name="テキスト ボックス 9"/>
@@ -19848,8 +19853,8 @@
           </p:sp>
         </mc:Fallback>
       </mc:AlternateContent>
-      <mc:AlternateContent xmlns:mc="http://schemas.openxmlformats.org/markup-compatibility/2006">
-        <mc:Choice xmlns:a14="http://schemas.microsoft.com/office/drawing/2010/main" Requires="a14">
+      <mc:AlternateContent xmlns:mc="http://schemas.openxmlformats.org/markup-compatibility/2006" xmlns:a14="http://schemas.microsoft.com/office/drawing/2010/main">
+        <mc:Choice Requires="a14">
           <p:sp>
             <p:nvSpPr>
               <p:cNvPr id="11" name="楕円 10"/>
@@ -19960,7 +19965,7 @@
             </p:txBody>
           </p:sp>
         </mc:Choice>
-        <mc:Fallback>
+        <mc:Fallback xmlns="">
           <p:sp>
             <p:nvSpPr>
               <p:cNvPr id="11" name="楕円 10"/>
@@ -20004,8 +20009,8 @@
           </p:sp>
         </mc:Fallback>
       </mc:AlternateContent>
-      <mc:AlternateContent xmlns:mc="http://schemas.openxmlformats.org/markup-compatibility/2006">
-        <mc:Choice xmlns:a14="http://schemas.microsoft.com/office/drawing/2010/main" Requires="a14">
+      <mc:AlternateContent xmlns:mc="http://schemas.openxmlformats.org/markup-compatibility/2006" xmlns:a14="http://schemas.microsoft.com/office/drawing/2010/main">
+        <mc:Choice Requires="a14">
           <p:sp>
             <p:nvSpPr>
               <p:cNvPr id="12" name="楕円 11"/>
@@ -20116,7 +20121,7 @@
             </p:txBody>
           </p:sp>
         </mc:Choice>
-        <mc:Fallback>
+        <mc:Fallback xmlns="">
           <p:sp>
             <p:nvSpPr>
               <p:cNvPr id="12" name="楕円 11"/>
@@ -20160,8 +20165,8 @@
           </p:sp>
         </mc:Fallback>
       </mc:AlternateContent>
-      <mc:AlternateContent xmlns:mc="http://schemas.openxmlformats.org/markup-compatibility/2006">
-        <mc:Choice xmlns:a14="http://schemas.microsoft.com/office/drawing/2010/main" Requires="a14">
+      <mc:AlternateContent xmlns:mc="http://schemas.openxmlformats.org/markup-compatibility/2006" xmlns:a14="http://schemas.microsoft.com/office/drawing/2010/main">
+        <mc:Choice Requires="a14">
           <p:sp>
             <p:nvSpPr>
               <p:cNvPr id="13" name="楕円 12"/>
@@ -20254,7 +20259,7 @@
             </p:txBody>
           </p:sp>
         </mc:Choice>
-        <mc:Fallback>
+        <mc:Fallback xmlns="">
           <p:sp>
             <p:nvSpPr>
               <p:cNvPr id="13" name="楕円 12"/>
@@ -20298,8 +20303,8 @@
           </p:sp>
         </mc:Fallback>
       </mc:AlternateContent>
-      <mc:AlternateContent xmlns:mc="http://schemas.openxmlformats.org/markup-compatibility/2006">
-        <mc:Choice xmlns:a14="http://schemas.microsoft.com/office/drawing/2010/main" Requires="a14">
+      <mc:AlternateContent xmlns:mc="http://schemas.openxmlformats.org/markup-compatibility/2006" xmlns:a14="http://schemas.microsoft.com/office/drawing/2010/main">
+        <mc:Choice Requires="a14">
           <p:sp>
             <p:nvSpPr>
               <p:cNvPr id="14" name="楕円 13"/>
@@ -20393,7 +20398,7 @@
             </p:txBody>
           </p:sp>
         </mc:Choice>
-        <mc:Fallback>
+        <mc:Fallback xmlns="">
           <p:sp>
             <p:nvSpPr>
               <p:cNvPr id="14" name="楕円 13"/>
@@ -20437,8 +20442,8 @@
           </p:sp>
         </mc:Fallback>
       </mc:AlternateContent>
-      <mc:AlternateContent xmlns:mc="http://schemas.openxmlformats.org/markup-compatibility/2006">
-        <mc:Choice xmlns:a14="http://schemas.microsoft.com/office/drawing/2010/main" Requires="a14">
+      <mc:AlternateContent xmlns:mc="http://schemas.openxmlformats.org/markup-compatibility/2006" xmlns:a14="http://schemas.microsoft.com/office/drawing/2010/main">
+        <mc:Choice Requires="a14">
           <p:sp>
             <p:nvSpPr>
               <p:cNvPr id="15" name="楕円 14"/>
@@ -20532,7 +20537,7 @@
             </p:txBody>
           </p:sp>
         </mc:Choice>
-        <mc:Fallback>
+        <mc:Fallback xmlns="">
           <p:sp>
             <p:nvSpPr>
               <p:cNvPr id="15" name="楕円 14"/>
@@ -20776,8 +20781,8 @@
           </a:fontRef>
         </p:style>
       </p:cxnSp>
-      <mc:AlternateContent xmlns:mc="http://schemas.openxmlformats.org/markup-compatibility/2006">
-        <mc:Choice xmlns:a14="http://schemas.microsoft.com/office/drawing/2010/main" Requires="a14">
+      <mc:AlternateContent xmlns:mc="http://schemas.openxmlformats.org/markup-compatibility/2006" xmlns:a14="http://schemas.microsoft.com/office/drawing/2010/main">
+        <mc:Choice Requires="a14">
           <p:sp>
             <p:nvSpPr>
               <p:cNvPr id="48" name="楕円 47"/>
@@ -20845,7 +20850,7 @@
             </p:txBody>
           </p:sp>
         </mc:Choice>
-        <mc:Fallback>
+        <mc:Fallback xmlns="">
           <p:sp>
             <p:nvSpPr>
               <p:cNvPr id="48" name="楕円 47"/>
@@ -20929,8 +20934,8 @@
           </a:fontRef>
         </p:style>
       </p:cxnSp>
-      <mc:AlternateContent xmlns:mc="http://schemas.openxmlformats.org/markup-compatibility/2006">
-        <mc:Choice xmlns:a14="http://schemas.microsoft.com/office/drawing/2010/main" Requires="a14">
+      <mc:AlternateContent xmlns:mc="http://schemas.openxmlformats.org/markup-compatibility/2006" xmlns:a14="http://schemas.microsoft.com/office/drawing/2010/main">
+        <mc:Choice Requires="a14">
           <p:sp>
             <p:nvSpPr>
               <p:cNvPr id="52" name="楕円 51"/>
@@ -21016,7 +21021,7 @@
             </p:txBody>
           </p:sp>
         </mc:Choice>
-        <mc:Fallback>
+        <mc:Fallback xmlns="">
           <p:sp>
             <p:nvSpPr>
               <p:cNvPr id="52" name="楕円 51"/>
@@ -21100,8 +21105,8 @@
           </a:fontRef>
         </p:style>
       </p:cxnSp>
-      <mc:AlternateContent xmlns:mc="http://schemas.openxmlformats.org/markup-compatibility/2006">
-        <mc:Choice xmlns:a14="http://schemas.microsoft.com/office/drawing/2010/main" Requires="a14">
+      <mc:AlternateContent xmlns:mc="http://schemas.openxmlformats.org/markup-compatibility/2006" xmlns:a14="http://schemas.microsoft.com/office/drawing/2010/main">
+        <mc:Choice Requires="a14">
           <p:sp>
             <p:nvSpPr>
               <p:cNvPr id="64" name="楕円 63"/>
@@ -21185,7 +21190,7 @@
             </p:txBody>
           </p:sp>
         </mc:Choice>
-        <mc:Fallback>
+        <mc:Fallback xmlns="">
           <p:sp>
             <p:nvSpPr>
               <p:cNvPr id="64" name="楕円 63"/>
@@ -22466,8 +22471,8 @@
           </a:fontRef>
         </p:style>
       </p:cxnSp>
-      <mc:AlternateContent xmlns:mc="http://schemas.openxmlformats.org/markup-compatibility/2006">
-        <mc:Choice xmlns:a14="http://schemas.microsoft.com/office/drawing/2010/main" Requires="a14">
+      <mc:AlternateContent xmlns:mc="http://schemas.openxmlformats.org/markup-compatibility/2006" xmlns:a14="http://schemas.microsoft.com/office/drawing/2010/main">
+        <mc:Choice Requires="a14">
           <p:sp>
             <p:nvSpPr>
               <p:cNvPr id="83" name="テキスト ボックス 82"/>
@@ -22528,7 +22533,7 @@
             </p:txBody>
           </p:sp>
         </mc:Choice>
-        <mc:Fallback>
+        <mc:Fallback xmlns="">
           <p:sp>
             <p:nvSpPr>
               <p:cNvPr id="83" name="テキスト ボックス 82"/>
@@ -22862,6 +22867,13 @@
   <p:clrMapOvr>
     <a:masterClrMapping/>
   </p:clrMapOvr>
+  <p:timing>
+    <p:tnLst>
+      <p:par>
+        <p:cTn id="1" dur="indefinite" restart="never" nodeType="tmRoot"/>
+      </p:par>
+    </p:tnLst>
+  </p:timing>
 </p:sld>
 </file>
 
@@ -23000,8 +23012,8 @@
           </a:p>
         </p:txBody>
       </p:sp>
-      <mc:AlternateContent xmlns:mc="http://schemas.openxmlformats.org/markup-compatibility/2006">
-        <mc:Choice xmlns:a14="http://schemas.microsoft.com/office/drawing/2010/main" Requires="a14">
+      <mc:AlternateContent xmlns:mc="http://schemas.openxmlformats.org/markup-compatibility/2006" xmlns:a14="http://schemas.microsoft.com/office/drawing/2010/main">
+        <mc:Choice Requires="a14">
           <p:sp>
             <p:nvSpPr>
               <p:cNvPr id="45" name="コンテンツ プレースホルダー 2"/>
@@ -23480,16 +23492,7 @@
                         </a:solidFill>
                         <a:latin typeface="Cambria Math" panose="02040503050406030204" pitchFamily="18" charset="0"/>
                       </a:rPr>
-                      <m:t> </m:t>
-                    </m:r>
-                    <m:r>
-                      <a:rPr lang="en-US" altLang="ja-JP" sz="2000" i="1">
-                        <a:solidFill>
-                          <a:srgbClr val="FF0000"/>
-                        </a:solidFill>
-                        <a:latin typeface="Cambria Math" panose="02040503050406030204" pitchFamily="18" charset="0"/>
-                      </a:rPr>
-                      <m:t>(</m:t>
+                      <m:t> (</m:t>
                     </m:r>
                     <m:sSub>
                       <m:sSubPr>
@@ -23760,7 +23763,7 @@
             </p:txBody>
           </p:sp>
         </mc:Choice>
-        <mc:Fallback>
+        <mc:Fallback xmlns="">
           <p:sp>
             <p:nvSpPr>
               <p:cNvPr id="45" name="コンテンツ プレースホルダー 2"/>
@@ -24756,8 +24759,8 @@
           </a:fontRef>
         </p:style>
       </p:cxnSp>
-      <mc:AlternateContent xmlns:mc="http://schemas.openxmlformats.org/markup-compatibility/2006">
-        <mc:Choice xmlns:a14="http://schemas.microsoft.com/office/drawing/2010/main" Requires="a14">
+      <mc:AlternateContent xmlns:mc="http://schemas.openxmlformats.org/markup-compatibility/2006" xmlns:a14="http://schemas.microsoft.com/office/drawing/2010/main">
+        <mc:Choice Requires="a14">
           <p:sp>
             <p:nvSpPr>
               <p:cNvPr id="83" name="テキスト ボックス 82"/>
@@ -24818,7 +24821,7 @@
             </p:txBody>
           </p:sp>
         </mc:Choice>
-        <mc:Fallback>
+        <mc:Fallback xmlns="">
           <p:sp>
             <p:nvSpPr>
               <p:cNvPr id="83" name="テキスト ボックス 82"/>
@@ -25257,6 +25260,1500 @@
   <p:clrMapOvr>
     <a:masterClrMapping/>
   </p:clrMapOvr>
+  <p:timing>
+    <p:tnLst>
+      <p:par>
+        <p:cTn id="1" dur="indefinite" restart="never" nodeType="tmRoot"/>
+      </p:par>
+    </p:tnLst>
+  </p:timing>
+</p:sld>
+</file>
+
+<file path=ppt/slides/slide18.xml><?xml version="1.0" encoding="utf-8"?>
+<p:sld xmlns:a="http://schemas.openxmlformats.org/drawingml/2006/main" xmlns:r="http://schemas.openxmlformats.org/officeDocument/2006/relationships" xmlns:p="http://schemas.openxmlformats.org/presentationml/2006/main">
+  <p:cSld>
+    <p:spTree>
+      <p:nvGrpSpPr>
+        <p:cNvPr id="1" name=""/>
+        <p:cNvGrpSpPr/>
+        <p:nvPr/>
+      </p:nvGrpSpPr>
+      <p:grpSpPr>
+        <a:xfrm>
+          <a:off x="0" y="0"/>
+          <a:ext cx="0" cy="0"/>
+          <a:chOff x="0" y="0"/>
+          <a:chExt cx="0" cy="0"/>
+        </a:xfrm>
+      </p:grpSpPr>
+      <p:sp>
+        <p:nvSpPr>
+          <p:cNvPr id="2" name="タイトル 1"/>
+          <p:cNvSpPr>
+            <a:spLocks noGrp="1"/>
+          </p:cNvSpPr>
+          <p:nvPr>
+            <p:ph type="title"/>
+          </p:nvPr>
+        </p:nvSpPr>
+        <p:spPr/>
+        <p:txBody>
+          <a:bodyPr/>
+          <a:lstStyle/>
+          <a:p>
+            <a:r>
+              <a:rPr kumimoji="1" lang="ja-JP" altLang="en-US" dirty="0" smtClean="0"/>
+              <a:t>実験設定</a:t>
+            </a:r>
+            <a:endParaRPr kumimoji="1" lang="ja-JP" altLang="en-US" dirty="0"/>
+          </a:p>
+        </p:txBody>
+      </p:sp>
+      <p:sp>
+        <p:nvSpPr>
+          <p:cNvPr id="3" name="コンテンツ プレースホルダー 2"/>
+          <p:cNvSpPr>
+            <a:spLocks noGrp="1"/>
+          </p:cNvSpPr>
+          <p:nvPr>
+            <p:ph idx="1"/>
+          </p:nvPr>
+        </p:nvSpPr>
+        <p:spPr/>
+        <p:txBody>
+          <a:bodyPr/>
+          <a:lstStyle/>
+          <a:p>
+            <a:r>
+              <a:rPr lang="ja-JP" altLang="en-US" dirty="0" smtClean="0"/>
+              <a:t>期間</a:t>
+            </a:r>
+            <a:r>
+              <a:rPr lang="en-US" altLang="ja-JP" dirty="0" smtClean="0"/>
+              <a:t>: </a:t>
+            </a:r>
+          </a:p>
+          <a:p>
+            <a:pPr lvl="1"/>
+            <a:r>
+              <a:rPr lang="ja-JP" altLang="en-US" dirty="0" smtClean="0"/>
+              <a:t>学習</a:t>
+            </a:r>
+            <a:r>
+              <a:rPr lang="en-US" altLang="ja-JP" dirty="0" smtClean="0"/>
+              <a:t>: 10/10 – 10/25, </a:t>
+            </a:r>
+            <a:r>
+              <a:rPr lang="ja-JP" altLang="en-US" dirty="0" smtClean="0"/>
+              <a:t>予測</a:t>
+            </a:r>
+            <a:r>
+              <a:rPr lang="en-US" altLang="ja-JP" dirty="0" smtClean="0"/>
+              <a:t>10/1 – 10/29 (2018</a:t>
+            </a:r>
+            <a:r>
+              <a:rPr lang="ja-JP" altLang="en-US" dirty="0" smtClean="0"/>
+              <a:t>年</a:t>
+            </a:r>
+            <a:r>
+              <a:rPr lang="en-US" altLang="ja-JP" dirty="0" smtClean="0"/>
+              <a:t>)</a:t>
+            </a:r>
+          </a:p>
+          <a:p>
+            <a:r>
+              <a:rPr lang="ja-JP" altLang="en-US" dirty="0" smtClean="0"/>
+              <a:t>対象</a:t>
+            </a:r>
+            <a:r>
+              <a:rPr lang="en-US" altLang="ja-JP" dirty="0" smtClean="0"/>
+              <a:t>: </a:t>
+            </a:r>
+          </a:p>
+          <a:p>
+            <a:pPr lvl="1"/>
+            <a:r>
+              <a:rPr lang="ja-JP" altLang="en-US" dirty="0" smtClean="0"/>
+              <a:t>学習</a:t>
+            </a:r>
+            <a:r>
+              <a:rPr lang="en-US" altLang="ja-JP" dirty="0" smtClean="0"/>
+              <a:t>: 20113, 20170, 20295, 20299</a:t>
+            </a:r>
+            <a:r>
+              <a:rPr lang="ja-JP" altLang="en-US" dirty="0" smtClean="0"/>
+              <a:t>の属するコミュニティ</a:t>
+            </a:r>
+            <a:endParaRPr lang="en-US" altLang="ja-JP" dirty="0" smtClean="0"/>
+          </a:p>
+          <a:p>
+            <a:pPr lvl="1"/>
+            <a:r>
+              <a:rPr lang="ja-JP" altLang="en-US" dirty="0" smtClean="0"/>
+              <a:t>予測</a:t>
+            </a:r>
+            <a:r>
+              <a:rPr lang="en-US" altLang="ja-JP" dirty="0" smtClean="0"/>
+              <a:t>: </a:t>
+            </a:r>
+            <a:r>
+              <a:rPr lang="ja-JP" altLang="en-US" dirty="0" smtClean="0"/>
+              <a:t>学習と同じ</a:t>
+            </a:r>
+            <a:endParaRPr lang="en-US" altLang="ja-JP" dirty="0" smtClean="0"/>
+          </a:p>
+          <a:p>
+            <a:r>
+              <a:rPr lang="ja-JP" altLang="en-US" dirty="0" smtClean="0"/>
+              <a:t>トピック数</a:t>
+            </a:r>
+            <a:r>
+              <a:rPr lang="en-US" altLang="ja-JP" dirty="0" smtClean="0"/>
+              <a:t>: 5</a:t>
+            </a:r>
+          </a:p>
+          <a:p>
+            <a:r>
+              <a:rPr lang="ja-JP" altLang="en-US" dirty="0" smtClean="0"/>
+              <a:t>制約</a:t>
+            </a:r>
+            <a:r>
+              <a:rPr lang="en-US" altLang="ja-JP" dirty="0" smtClean="0"/>
+              <a:t>: </a:t>
+            </a:r>
+            <a:r>
+              <a:rPr lang="ja-JP" altLang="en-US" dirty="0" smtClean="0"/>
+              <a:t>事前情報なし，最大反復回数は</a:t>
+            </a:r>
+            <a:r>
+              <a:rPr lang="en-US" altLang="ja-JP" dirty="0" smtClean="0"/>
+              <a:t>10000</a:t>
+            </a:r>
+            <a:r>
+              <a:rPr lang="ja-JP" altLang="en-US" dirty="0" smtClean="0"/>
+              <a:t>回</a:t>
+            </a:r>
+            <a:endParaRPr lang="en-US" altLang="ja-JP" dirty="0" smtClean="0"/>
+          </a:p>
+          <a:p>
+            <a:pPr lvl="1"/>
+            <a:endParaRPr lang="en-US" altLang="ja-JP" dirty="0" smtClean="0"/>
+          </a:p>
+        </p:txBody>
+      </p:sp>
+      <p:sp>
+        <p:nvSpPr>
+          <p:cNvPr id="4" name="スライド番号プレースホルダー 3"/>
+          <p:cNvSpPr>
+            <a:spLocks noGrp="1"/>
+          </p:cNvSpPr>
+          <p:nvPr>
+            <p:ph type="sldNum" sz="quarter" idx="10"/>
+          </p:nvPr>
+        </p:nvSpPr>
+        <p:spPr/>
+        <p:txBody>
+          <a:bodyPr/>
+          <a:lstStyle/>
+          <a:p>
+            <a:fld id="{B5523FDF-1079-0C47-BA65-E35310DA8E0F}" type="slidenum">
+              <a:rPr kumimoji="1" lang="ja-JP" altLang="en-US" smtClean="0"/>
+              <a:t>18</a:t>
+            </a:fld>
+            <a:endParaRPr kumimoji="1" lang="ja-JP" altLang="en-US"/>
+          </a:p>
+        </p:txBody>
+      </p:sp>
+    </p:spTree>
+    <p:extLst>
+      <p:ext uri="{BB962C8B-B14F-4D97-AF65-F5344CB8AC3E}">
+        <p14:creationId xmlns:p14="http://schemas.microsoft.com/office/powerpoint/2010/main" val="114365708"/>
+      </p:ext>
+    </p:extLst>
+  </p:cSld>
+  <p:clrMapOvr>
+    <a:masterClrMapping/>
+  </p:clrMapOvr>
+  <p:timing>
+    <p:tnLst>
+      <p:par>
+        <p:cTn id="1" dur="indefinite" restart="never" nodeType="tmRoot"/>
+      </p:par>
+    </p:tnLst>
+  </p:timing>
+</p:sld>
+</file>
+
+<file path=ppt/slides/slide19.xml><?xml version="1.0" encoding="utf-8"?>
+<p:sld xmlns:a="http://schemas.openxmlformats.org/drawingml/2006/main" xmlns:r="http://schemas.openxmlformats.org/officeDocument/2006/relationships" xmlns:p="http://schemas.openxmlformats.org/presentationml/2006/main">
+  <p:cSld>
+    <p:spTree>
+      <p:nvGrpSpPr>
+        <p:cNvPr id="1" name=""/>
+        <p:cNvGrpSpPr/>
+        <p:nvPr/>
+      </p:nvGrpSpPr>
+      <p:grpSpPr>
+        <a:xfrm>
+          <a:off x="0" y="0"/>
+          <a:ext cx="0" cy="0"/>
+          <a:chOff x="0" y="0"/>
+          <a:chExt cx="0" cy="0"/>
+        </a:xfrm>
+      </p:grpSpPr>
+      <p:sp>
+        <p:nvSpPr>
+          <p:cNvPr id="2" name="タイトル 1"/>
+          <p:cNvSpPr>
+            <a:spLocks noGrp="1"/>
+          </p:cNvSpPr>
+          <p:nvPr>
+            <p:ph type="title"/>
+          </p:nvPr>
+        </p:nvSpPr>
+        <p:spPr/>
+        <p:txBody>
+          <a:bodyPr/>
+          <a:lstStyle/>
+          <a:p>
+            <a:r>
+              <a:rPr kumimoji="1" lang="ja-JP" altLang="en-US" dirty="0" smtClean="0"/>
+              <a:t>各トピックの分布</a:t>
+            </a:r>
+            <a:endParaRPr kumimoji="1" lang="ja-JP" altLang="en-US" dirty="0"/>
+          </a:p>
+        </p:txBody>
+      </p:sp>
+      <p:pic>
+        <p:nvPicPr>
+          <p:cNvPr id="5" name="コンテンツ プレースホルダー 4"/>
+          <p:cNvPicPr>
+            <a:picLocks noGrp="1" noChangeAspect="1"/>
+          </p:cNvPicPr>
+          <p:nvPr>
+            <p:ph idx="1"/>
+          </p:nvPr>
+        </p:nvPicPr>
+        <p:blipFill rotWithShape="1">
+          <a:blip r:embed="rId2">
+            <a:extLst>
+              <a:ext uri="{28A0092B-C50C-407E-A947-70E740481C1C}">
+                <a14:useLocalDpi xmlns:a14="http://schemas.microsoft.com/office/drawing/2010/main" val="0"/>
+              </a:ext>
+            </a:extLst>
+          </a:blip>
+          <a:srcRect l="25308" r="23421"/>
+          <a:stretch/>
+        </p:blipFill>
+        <p:spPr>
+          <a:xfrm>
+            <a:off x="1068947" y="-67783"/>
+            <a:ext cx="6915956" cy="6877666"/>
+          </a:xfrm>
+        </p:spPr>
+      </p:pic>
+      <p:sp>
+        <p:nvSpPr>
+          <p:cNvPr id="4" name="スライド番号プレースホルダー 3"/>
+          <p:cNvSpPr>
+            <a:spLocks noGrp="1"/>
+          </p:cNvSpPr>
+          <p:nvPr>
+            <p:ph type="sldNum" sz="quarter" idx="10"/>
+          </p:nvPr>
+        </p:nvSpPr>
+        <p:spPr/>
+        <p:txBody>
+          <a:bodyPr/>
+          <a:lstStyle/>
+          <a:p>
+            <a:fld id="{B5523FDF-1079-0C47-BA65-E35310DA8E0F}" type="slidenum">
+              <a:rPr kumimoji="1" lang="ja-JP" altLang="en-US" smtClean="0"/>
+              <a:t>19</a:t>
+            </a:fld>
+            <a:endParaRPr kumimoji="1" lang="ja-JP" altLang="en-US"/>
+          </a:p>
+        </p:txBody>
+      </p:sp>
+      <p:grpSp>
+        <p:nvGrpSpPr>
+          <p:cNvPr id="12" name="グループ化 11"/>
+          <p:cNvGrpSpPr/>
+          <p:nvPr/>
+        </p:nvGrpSpPr>
+        <p:grpSpPr>
+          <a:xfrm>
+            <a:off x="0" y="1012876"/>
+            <a:ext cx="9094765" cy="4265396"/>
+            <a:chOff x="163132" y="1012876"/>
+            <a:chExt cx="9094765" cy="4265396"/>
+          </a:xfrm>
+        </p:grpSpPr>
+        <mc:AlternateContent xmlns:mc="http://schemas.openxmlformats.org/markup-compatibility/2006">
+          <mc:Choice xmlns:a14="http://schemas.microsoft.com/office/drawing/2010/main" Requires="a14">
+            <p:sp>
+              <p:nvSpPr>
+                <p:cNvPr id="6" name="テキスト ボックス 5"/>
+                <p:cNvSpPr txBox="1"/>
+                <p:nvPr/>
+              </p:nvSpPr>
+              <p:spPr>
+                <a:xfrm>
+                  <a:off x="163132" y="1758336"/>
+                  <a:ext cx="2936386" cy="745460"/>
+                </a:xfrm>
+                <a:prstGeom prst="rect">
+                  <a:avLst/>
+                </a:prstGeom>
+                <a:solidFill>
+                  <a:schemeClr val="bg2">
+                    <a:lumMod val="90000"/>
+                  </a:schemeClr>
+                </a:solidFill>
+              </p:spPr>
+              <p:txBody>
+                <a:bodyPr wrap="square" rtlCol="0">
+                  <a:spAutoFit/>
+                </a:bodyPr>
+                <a:lstStyle/>
+                <a:p>
+                  <a:r>
+                    <a:rPr lang="en-US" altLang="ja-JP" sz="2000" dirty="0" smtClean="0">
+                      <a:ea typeface="Cambria Math" panose="02040503050406030204" pitchFamily="18" charset="0"/>
+                    </a:rPr>
+                    <a:t>1. </a:t>
+                  </a:r>
+                  <a14:m>
+                    <m:oMath xmlns:m="http://schemas.openxmlformats.org/officeDocument/2006/math">
+                      <m:r>
+                        <a:rPr lang="ja-JP" altLang="en-US" sz="2000" i="1" smtClean="0">
+                          <a:latin typeface="Cambria Math" panose="02040503050406030204" pitchFamily="18" charset="0"/>
+                          <a:ea typeface="Cambria Math" panose="02040503050406030204" pitchFamily="18" charset="0"/>
+                        </a:rPr>
+                        <m:t>𝜃</m:t>
+                      </m:r>
+                      <m:r>
+                        <a:rPr lang="en-US" altLang="ja-JP" sz="2000" b="0" i="1" smtClean="0">
+                          <a:latin typeface="Cambria Math" panose="02040503050406030204" pitchFamily="18" charset="0"/>
+                          <a:ea typeface="Cambria Math" panose="02040503050406030204" pitchFamily="18" charset="0"/>
+                        </a:rPr>
+                        <m:t>=0.45</m:t>
+                      </m:r>
+                    </m:oMath>
+                  </a14:m>
+                  <a:endParaRPr lang="en-US" altLang="ja-JP" sz="2000" b="0" i="1" dirty="0" smtClean="0">
+                    <a:latin typeface="Cambria Math" panose="02040503050406030204" pitchFamily="18" charset="0"/>
+                    <a:ea typeface="Cambria Math" panose="02040503050406030204" pitchFamily="18" charset="0"/>
+                  </a:endParaRPr>
+                </a:p>
+                <a:p>
+                  <a14:m>
+                    <m:oMathPara xmlns:m="http://schemas.openxmlformats.org/officeDocument/2006/math">
+                      <m:oMathParaPr>
+                        <m:jc m:val="centerGroup"/>
+                      </m:oMathParaPr>
+                      <m:oMath xmlns:m="http://schemas.openxmlformats.org/officeDocument/2006/math">
+                        <m:r>
+                          <a:rPr lang="ja-JP" altLang="en-US" sz="2000" i="1" smtClean="0">
+                            <a:latin typeface="Cambria Math" panose="02040503050406030204" pitchFamily="18" charset="0"/>
+                            <a:ea typeface="Cambria Math" panose="02040503050406030204" pitchFamily="18" charset="0"/>
+                          </a:rPr>
+                          <m:t>𝜇</m:t>
+                        </m:r>
+                        <m:r>
+                          <a:rPr lang="en-US" altLang="ja-JP" sz="2000" i="1" smtClean="0">
+                            <a:latin typeface="Cambria Math" panose="02040503050406030204" pitchFamily="18" charset="0"/>
+                            <a:ea typeface="Cambria Math" panose="02040503050406030204" pitchFamily="18" charset="0"/>
+                          </a:rPr>
+                          <m:t>=</m:t>
+                        </m:r>
+                        <m:r>
+                          <a:rPr lang="en-US" altLang="ja-JP" sz="2000" b="0" i="0" smtClean="0">
+                            <a:latin typeface="Cambria Math" panose="02040503050406030204" pitchFamily="18" charset="0"/>
+                            <a:ea typeface="Cambria Math" panose="02040503050406030204" pitchFamily="18" charset="0"/>
+                          </a:rPr>
+                          <m:t>[</m:t>
+                        </m:r>
+                        <m:r>
+                          <m:rPr>
+                            <m:nor/>
+                          </m:rPr>
+                          <a:rPr lang="en-US" altLang="ja-JP" sz="2000" dirty="0"/>
+                          <m:t>0.017, 0.495</m:t>
+                        </m:r>
+                        <m:r>
+                          <m:rPr>
+                            <m:nor/>
+                          </m:rPr>
+                          <a:rPr lang="en-US" altLang="ja-JP" sz="2000" b="0" i="0" dirty="0" smtClean="0"/>
+                          <m:t>,0.488</m:t>
+                        </m:r>
+                        <m:r>
+                          <m:rPr>
+                            <m:nor/>
+                          </m:rPr>
+                          <a:rPr lang="en-US" altLang="ja-JP" sz="2000" dirty="0"/>
+                          <m:t>]</m:t>
+                        </m:r>
+                      </m:oMath>
+                    </m:oMathPara>
+                  </a14:m>
+                  <a:endParaRPr lang="en-US" altLang="ja-JP" sz="2000" dirty="0"/>
+                </a:p>
+              </p:txBody>
+            </p:sp>
+          </mc:Choice>
+          <mc:Fallback>
+            <p:sp>
+              <p:nvSpPr>
+                <p:cNvPr id="6" name="テキスト ボックス 5"/>
+                <p:cNvSpPr txBox="1">
+                  <a:spLocks noRot="1" noChangeAspect="1" noMove="1" noResize="1" noEditPoints="1" noAdjustHandles="1" noChangeArrowheads="1" noChangeShapeType="1" noTextEdit="1"/>
+                </p:cNvSpPr>
+                <p:nvPr/>
+              </p:nvSpPr>
+              <p:spPr>
+                <a:xfrm>
+                  <a:off x="163132" y="1758336"/>
+                  <a:ext cx="2936386" cy="745460"/>
+                </a:xfrm>
+                <a:prstGeom prst="rect">
+                  <a:avLst/>
+                </a:prstGeom>
+                <a:blipFill>
+                  <a:blip r:embed="rId3"/>
+                  <a:stretch>
+                    <a:fillRect l="-2075" t="-3252" r="-830" b="-8943"/>
+                  </a:stretch>
+                </a:blipFill>
+              </p:spPr>
+              <p:txBody>
+                <a:bodyPr/>
+                <a:lstStyle/>
+                <a:p>
+                  <a:r>
+                    <a:rPr lang="ja-JP" altLang="en-US">
+                      <a:noFill/>
+                    </a:rPr>
+                    <a:t> </a:t>
+                  </a:r>
+                </a:p>
+              </p:txBody>
+            </p:sp>
+          </mc:Fallback>
+        </mc:AlternateContent>
+        <mc:AlternateContent xmlns:mc="http://schemas.openxmlformats.org/markup-compatibility/2006">
+          <mc:Choice xmlns:a14="http://schemas.microsoft.com/office/drawing/2010/main" Requires="a14">
+            <p:sp>
+              <p:nvSpPr>
+                <p:cNvPr id="7" name="テキスト ボックス 6"/>
+                <p:cNvSpPr txBox="1"/>
+                <p:nvPr/>
+              </p:nvSpPr>
+              <p:spPr>
+                <a:xfrm>
+                  <a:off x="6323526" y="4532812"/>
+                  <a:ext cx="2934371" cy="745460"/>
+                </a:xfrm>
+                <a:prstGeom prst="rect">
+                  <a:avLst/>
+                </a:prstGeom>
+                <a:solidFill>
+                  <a:schemeClr val="bg2">
+                    <a:lumMod val="90000"/>
+                  </a:schemeClr>
+                </a:solidFill>
+              </p:spPr>
+              <p:txBody>
+                <a:bodyPr wrap="square" rtlCol="0">
+                  <a:spAutoFit/>
+                </a:bodyPr>
+                <a:lstStyle/>
+                <a:p>
+                  <a:r>
+                    <a:rPr lang="en-US" altLang="ja-JP" sz="2000" b="0" dirty="0" smtClean="0">
+                      <a:ea typeface="Cambria Math" panose="02040503050406030204" pitchFamily="18" charset="0"/>
+                    </a:rPr>
+                    <a:t>2. </a:t>
+                  </a:r>
+                  <a14:m>
+                    <m:oMath xmlns:m="http://schemas.openxmlformats.org/officeDocument/2006/math">
+                      <m:r>
+                        <a:rPr lang="ja-JP" altLang="en-US" sz="2000" i="1" smtClean="0">
+                          <a:latin typeface="Cambria Math" panose="02040503050406030204" pitchFamily="18" charset="0"/>
+                          <a:ea typeface="Cambria Math" panose="02040503050406030204" pitchFamily="18" charset="0"/>
+                        </a:rPr>
+                        <m:t>𝜃</m:t>
+                      </m:r>
+                      <m:r>
+                        <a:rPr lang="en-US" altLang="ja-JP" sz="2000" b="0" i="1" smtClean="0">
+                          <a:latin typeface="Cambria Math" panose="02040503050406030204" pitchFamily="18" charset="0"/>
+                          <a:ea typeface="Cambria Math" panose="02040503050406030204" pitchFamily="18" charset="0"/>
+                        </a:rPr>
+                        <m:t>=0.31</m:t>
+                      </m:r>
+                    </m:oMath>
+                  </a14:m>
+                  <a:endParaRPr lang="en-US" altLang="ja-JP" sz="2000" i="1" dirty="0" smtClean="0">
+                    <a:latin typeface="Cambria Math" panose="02040503050406030204" pitchFamily="18" charset="0"/>
+                    <a:ea typeface="Cambria Math" panose="02040503050406030204" pitchFamily="18" charset="0"/>
+                  </a:endParaRPr>
+                </a:p>
+                <a:p>
+                  <a14:m>
+                    <m:oMathPara xmlns:m="http://schemas.openxmlformats.org/officeDocument/2006/math">
+                      <m:oMathParaPr>
+                        <m:jc m:val="centerGroup"/>
+                      </m:oMathParaPr>
+                      <m:oMath xmlns:m="http://schemas.openxmlformats.org/officeDocument/2006/math">
+                        <m:r>
+                          <a:rPr lang="ja-JP" altLang="en-US" sz="2000" i="1" smtClean="0">
+                            <a:latin typeface="Cambria Math" panose="02040503050406030204" pitchFamily="18" charset="0"/>
+                            <a:ea typeface="Cambria Math" panose="02040503050406030204" pitchFamily="18" charset="0"/>
+                          </a:rPr>
+                          <m:t>𝜇</m:t>
+                        </m:r>
+                        <m:r>
+                          <a:rPr lang="en-US" altLang="ja-JP" sz="2000" b="0" i="1" smtClean="0">
+                            <a:latin typeface="Cambria Math" panose="02040503050406030204" pitchFamily="18" charset="0"/>
+                            <a:ea typeface="Cambria Math" panose="02040503050406030204" pitchFamily="18" charset="0"/>
+                          </a:rPr>
+                          <m:t>=</m:t>
+                        </m:r>
+                        <m:r>
+                          <m:rPr>
+                            <m:nor/>
+                          </m:rPr>
+                          <a:rPr lang="en-US" altLang="ja-JP" sz="2000"/>
+                          <m:t>[0.979, 0.01</m:t>
+                        </m:r>
+                        <m:r>
+                          <m:rPr>
+                            <m:nor/>
+                          </m:rPr>
+                          <a:rPr lang="en-US" altLang="ja-JP" sz="2000" b="0" i="0" smtClean="0"/>
+                          <m:t>9,0.002</m:t>
+                        </m:r>
+                        <m:r>
+                          <m:rPr>
+                            <m:nor/>
+                          </m:rPr>
+                          <a:rPr lang="en-US" altLang="ja-JP" sz="2000"/>
+                          <m:t>]</m:t>
+                        </m:r>
+                      </m:oMath>
+                    </m:oMathPara>
+                  </a14:m>
+                  <a:endParaRPr lang="ja-JP" altLang="en-US" sz="2000" dirty="0"/>
+                </a:p>
+              </p:txBody>
+            </p:sp>
+          </mc:Choice>
+          <mc:Fallback>
+            <p:sp>
+              <p:nvSpPr>
+                <p:cNvPr id="7" name="テキスト ボックス 6"/>
+                <p:cNvSpPr txBox="1">
+                  <a:spLocks noRot="1" noChangeAspect="1" noMove="1" noResize="1" noEditPoints="1" noAdjustHandles="1" noChangeArrowheads="1" noChangeShapeType="1" noTextEdit="1"/>
+                </p:cNvSpPr>
+                <p:nvPr/>
+              </p:nvSpPr>
+              <p:spPr>
+                <a:xfrm>
+                  <a:off x="6323526" y="4532812"/>
+                  <a:ext cx="2934371" cy="745460"/>
+                </a:xfrm>
+                <a:prstGeom prst="rect">
+                  <a:avLst/>
+                </a:prstGeom>
+                <a:blipFill>
+                  <a:blip r:embed="rId4"/>
+                  <a:stretch>
+                    <a:fillRect l="-2287" t="-4098" r="-832" b="-8197"/>
+                  </a:stretch>
+                </a:blipFill>
+              </p:spPr>
+              <p:txBody>
+                <a:bodyPr/>
+                <a:lstStyle/>
+                <a:p>
+                  <a:r>
+                    <a:rPr lang="ja-JP" altLang="en-US">
+                      <a:noFill/>
+                    </a:rPr>
+                    <a:t> </a:t>
+                  </a:r>
+                </a:p>
+              </p:txBody>
+            </p:sp>
+          </mc:Fallback>
+        </mc:AlternateContent>
+        <mc:AlternateContent xmlns:mc="http://schemas.openxmlformats.org/markup-compatibility/2006">
+          <mc:Choice xmlns:a14="http://schemas.microsoft.com/office/drawing/2010/main" Requires="a14">
+            <p:sp>
+              <p:nvSpPr>
+                <p:cNvPr id="8" name="テキスト ボックス 7"/>
+                <p:cNvSpPr txBox="1"/>
+                <p:nvPr/>
+              </p:nvSpPr>
+              <p:spPr>
+                <a:xfrm>
+                  <a:off x="3252049" y="1012876"/>
+                  <a:ext cx="3028547" cy="745460"/>
+                </a:xfrm>
+                <a:prstGeom prst="rect">
+                  <a:avLst/>
+                </a:prstGeom>
+                <a:solidFill>
+                  <a:schemeClr val="bg2">
+                    <a:lumMod val="90000"/>
+                  </a:schemeClr>
+                </a:solidFill>
+              </p:spPr>
+              <p:txBody>
+                <a:bodyPr wrap="square" rtlCol="0">
+                  <a:spAutoFit/>
+                </a:bodyPr>
+                <a:lstStyle/>
+                <a:p>
+                  <a:r>
+                    <a:rPr lang="en-US" altLang="ja-JP" sz="2000" dirty="0">
+                      <a:ea typeface="Cambria Math" panose="02040503050406030204" pitchFamily="18" charset="0"/>
+                    </a:rPr>
+                    <a:t>3</a:t>
+                  </a:r>
+                  <a:r>
+                    <a:rPr lang="en-US" altLang="ja-JP" sz="2000" dirty="0" smtClean="0">
+                      <a:ea typeface="Cambria Math" panose="02040503050406030204" pitchFamily="18" charset="0"/>
+                    </a:rPr>
+                    <a:t>. </a:t>
+                  </a:r>
+                  <a14:m>
+                    <m:oMath xmlns:m="http://schemas.openxmlformats.org/officeDocument/2006/math">
+                      <m:r>
+                        <a:rPr lang="ja-JP" altLang="en-US" sz="2000" i="1" smtClean="0">
+                          <a:latin typeface="Cambria Math" panose="02040503050406030204" pitchFamily="18" charset="0"/>
+                          <a:ea typeface="Cambria Math" panose="02040503050406030204" pitchFamily="18" charset="0"/>
+                        </a:rPr>
+                        <m:t>𝜃</m:t>
+                      </m:r>
+                      <m:r>
+                        <a:rPr lang="en-US" altLang="ja-JP" sz="2000" b="0" i="1" smtClean="0">
+                          <a:latin typeface="Cambria Math" panose="02040503050406030204" pitchFamily="18" charset="0"/>
+                          <a:ea typeface="Cambria Math" panose="02040503050406030204" pitchFamily="18" charset="0"/>
+                        </a:rPr>
+                        <m:t>=0.09</m:t>
+                      </m:r>
+                    </m:oMath>
+                  </a14:m>
+                  <a:endParaRPr lang="en-US" altLang="ja-JP" sz="2000" i="1" dirty="0" smtClean="0">
+                    <a:latin typeface="Cambria Math" panose="02040503050406030204" pitchFamily="18" charset="0"/>
+                    <a:ea typeface="Cambria Math" panose="02040503050406030204" pitchFamily="18" charset="0"/>
+                  </a:endParaRPr>
+                </a:p>
+                <a:p>
+                  <a14:m>
+                    <m:oMathPara xmlns:m="http://schemas.openxmlformats.org/officeDocument/2006/math">
+                      <m:oMathParaPr>
+                        <m:jc m:val="centerGroup"/>
+                      </m:oMathParaPr>
+                      <m:oMath xmlns:m="http://schemas.openxmlformats.org/officeDocument/2006/math">
+                        <m:r>
+                          <a:rPr lang="ja-JP" altLang="en-US" sz="2000" i="1" smtClean="0">
+                            <a:latin typeface="Cambria Math" panose="02040503050406030204" pitchFamily="18" charset="0"/>
+                            <a:ea typeface="Cambria Math" panose="02040503050406030204" pitchFamily="18" charset="0"/>
+                          </a:rPr>
+                          <m:t>𝜇</m:t>
+                        </m:r>
+                        <m:r>
+                          <a:rPr lang="en-US" altLang="ja-JP" sz="2000" b="0" i="1" smtClean="0">
+                            <a:latin typeface="Cambria Math" panose="02040503050406030204" pitchFamily="18" charset="0"/>
+                            <a:ea typeface="Cambria Math" panose="02040503050406030204" pitchFamily="18" charset="0"/>
+                          </a:rPr>
+                          <m:t>=</m:t>
+                        </m:r>
+                        <m:r>
+                          <m:rPr>
+                            <m:nor/>
+                          </m:rPr>
+                          <a:rPr lang="en-US" altLang="ja-JP" sz="2000"/>
+                          <m:t>[0.28</m:t>
+                        </m:r>
+                        <m:r>
+                          <m:rPr>
+                            <m:nor/>
+                          </m:rPr>
+                          <a:rPr lang="en-US" altLang="ja-JP" sz="2000" b="0" i="0" smtClean="0"/>
+                          <m:t>9</m:t>
+                        </m:r>
+                        <m:r>
+                          <m:rPr>
+                            <m:nor/>
+                          </m:rPr>
+                          <a:rPr lang="en-US" altLang="ja-JP" sz="2000"/>
+                          <m:t>, 0.596</m:t>
+                        </m:r>
+                        <m:r>
+                          <m:rPr>
+                            <m:nor/>
+                          </m:rPr>
+                          <a:rPr lang="en-US" altLang="ja-JP" sz="2000" b="0" i="0" smtClean="0"/>
+                          <m:t>,0.115</m:t>
+                        </m:r>
+                        <m:r>
+                          <m:rPr>
+                            <m:nor/>
+                          </m:rPr>
+                          <a:rPr lang="en-US" altLang="ja-JP" sz="2000"/>
+                          <m:t>]</m:t>
+                        </m:r>
+                      </m:oMath>
+                    </m:oMathPara>
+                  </a14:m>
+                  <a:endParaRPr lang="ja-JP" altLang="en-US" sz="2000" dirty="0"/>
+                </a:p>
+              </p:txBody>
+            </p:sp>
+          </mc:Choice>
+          <mc:Fallback>
+            <p:sp>
+              <p:nvSpPr>
+                <p:cNvPr id="8" name="テキスト ボックス 7"/>
+                <p:cNvSpPr txBox="1">
+                  <a:spLocks noRot="1" noChangeAspect="1" noMove="1" noResize="1" noEditPoints="1" noAdjustHandles="1" noChangeArrowheads="1" noChangeShapeType="1" noTextEdit="1"/>
+                </p:cNvSpPr>
+                <p:nvPr/>
+              </p:nvSpPr>
+              <p:spPr>
+                <a:xfrm>
+                  <a:off x="3252049" y="1012876"/>
+                  <a:ext cx="3028547" cy="745460"/>
+                </a:xfrm>
+                <a:prstGeom prst="rect">
+                  <a:avLst/>
+                </a:prstGeom>
+                <a:blipFill>
+                  <a:blip r:embed="rId5"/>
+                  <a:stretch>
+                    <a:fillRect l="-2213" t="-3279" b="-8197"/>
+                  </a:stretch>
+                </a:blipFill>
+              </p:spPr>
+              <p:txBody>
+                <a:bodyPr/>
+                <a:lstStyle/>
+                <a:p>
+                  <a:r>
+                    <a:rPr lang="ja-JP" altLang="en-US">
+                      <a:noFill/>
+                    </a:rPr>
+                    <a:t> </a:t>
+                  </a:r>
+                </a:p>
+              </p:txBody>
+            </p:sp>
+          </mc:Fallback>
+        </mc:AlternateContent>
+        <mc:AlternateContent xmlns:mc="http://schemas.openxmlformats.org/markup-compatibility/2006">
+          <mc:Choice xmlns:a14="http://schemas.microsoft.com/office/drawing/2010/main" Requires="a14">
+            <p:sp>
+              <p:nvSpPr>
+                <p:cNvPr id="10" name="テキスト ボックス 9"/>
+                <p:cNvSpPr txBox="1"/>
+                <p:nvPr/>
+              </p:nvSpPr>
+              <p:spPr>
+                <a:xfrm>
+                  <a:off x="4376805" y="2421101"/>
+                  <a:ext cx="2916929" cy="745460"/>
+                </a:xfrm>
+                <a:prstGeom prst="rect">
+                  <a:avLst/>
+                </a:prstGeom>
+                <a:solidFill>
+                  <a:schemeClr val="bg2">
+                    <a:lumMod val="90000"/>
+                  </a:schemeClr>
+                </a:solidFill>
+              </p:spPr>
+              <p:txBody>
+                <a:bodyPr wrap="square" rtlCol="0">
+                  <a:spAutoFit/>
+                </a:bodyPr>
+                <a:lstStyle/>
+                <a:p>
+                  <a:r>
+                    <a:rPr lang="en-US" altLang="ja-JP" sz="2000" dirty="0" smtClean="0">
+                      <a:ea typeface="Cambria Math" panose="02040503050406030204" pitchFamily="18" charset="0"/>
+                    </a:rPr>
+                    <a:t>4. </a:t>
+                  </a:r>
+                  <a14:m>
+                    <m:oMath xmlns:m="http://schemas.openxmlformats.org/officeDocument/2006/math">
+                      <m:r>
+                        <a:rPr lang="ja-JP" altLang="en-US" sz="2000" i="1" smtClean="0">
+                          <a:latin typeface="Cambria Math" panose="02040503050406030204" pitchFamily="18" charset="0"/>
+                          <a:ea typeface="Cambria Math" panose="02040503050406030204" pitchFamily="18" charset="0"/>
+                        </a:rPr>
+                        <m:t>𝜃</m:t>
+                      </m:r>
+                      <m:r>
+                        <a:rPr lang="en-US" altLang="ja-JP" sz="2000" b="0" i="1" smtClean="0">
+                          <a:latin typeface="Cambria Math" panose="02040503050406030204" pitchFamily="18" charset="0"/>
+                          <a:ea typeface="Cambria Math" panose="02040503050406030204" pitchFamily="18" charset="0"/>
+                        </a:rPr>
+                        <m:t>=0.09</m:t>
+                      </m:r>
+                    </m:oMath>
+                  </a14:m>
+                  <a:endParaRPr lang="en-US" altLang="ja-JP" sz="2000" i="1" dirty="0" smtClean="0">
+                    <a:latin typeface="Cambria Math" panose="02040503050406030204" pitchFamily="18" charset="0"/>
+                    <a:ea typeface="Cambria Math" panose="02040503050406030204" pitchFamily="18" charset="0"/>
+                  </a:endParaRPr>
+                </a:p>
+                <a:p>
+                  <a14:m>
+                    <m:oMathPara xmlns:m="http://schemas.openxmlformats.org/officeDocument/2006/math">
+                      <m:oMathParaPr>
+                        <m:jc m:val="centerGroup"/>
+                      </m:oMathParaPr>
+                      <m:oMath xmlns:m="http://schemas.openxmlformats.org/officeDocument/2006/math">
+                        <m:r>
+                          <a:rPr lang="ja-JP" altLang="en-US" sz="2000" i="1" smtClean="0">
+                            <a:latin typeface="Cambria Math" panose="02040503050406030204" pitchFamily="18" charset="0"/>
+                            <a:ea typeface="Cambria Math" panose="02040503050406030204" pitchFamily="18" charset="0"/>
+                          </a:rPr>
+                          <m:t>𝜇</m:t>
+                        </m:r>
+                        <m:r>
+                          <a:rPr lang="en-US" altLang="ja-JP" sz="2000" b="0" i="1" smtClean="0">
+                            <a:latin typeface="Cambria Math" panose="02040503050406030204" pitchFamily="18" charset="0"/>
+                            <a:ea typeface="Cambria Math" panose="02040503050406030204" pitchFamily="18" charset="0"/>
+                          </a:rPr>
+                          <m:t>=</m:t>
+                        </m:r>
+                        <m:r>
+                          <m:rPr>
+                            <m:nor/>
+                          </m:rPr>
+                          <a:rPr lang="en-US" altLang="ja-JP" sz="2000"/>
+                          <m:t>[0.299, 0.39</m:t>
+                        </m:r>
+                        <m:r>
+                          <m:rPr>
+                            <m:nor/>
+                          </m:rPr>
+                          <a:rPr lang="en-US" altLang="ja-JP" sz="2000" b="0" i="0" smtClean="0"/>
+                          <m:t>,0.311</m:t>
+                        </m:r>
+                        <m:r>
+                          <m:rPr>
+                            <m:nor/>
+                          </m:rPr>
+                          <a:rPr lang="en-US" altLang="ja-JP" sz="2000"/>
+                          <m:t>]</m:t>
+                        </m:r>
+                      </m:oMath>
+                    </m:oMathPara>
+                  </a14:m>
+                  <a:endParaRPr lang="ja-JP" altLang="en-US" sz="2000" dirty="0"/>
+                </a:p>
+              </p:txBody>
+            </p:sp>
+          </mc:Choice>
+          <mc:Fallback>
+            <p:sp>
+              <p:nvSpPr>
+                <p:cNvPr id="10" name="テキスト ボックス 9"/>
+                <p:cNvSpPr txBox="1">
+                  <a:spLocks noRot="1" noChangeAspect="1" noMove="1" noResize="1" noEditPoints="1" noAdjustHandles="1" noChangeArrowheads="1" noChangeShapeType="1" noTextEdit="1"/>
+                </p:cNvSpPr>
+                <p:nvPr/>
+              </p:nvSpPr>
+              <p:spPr>
+                <a:xfrm>
+                  <a:off x="4376805" y="2421101"/>
+                  <a:ext cx="2916929" cy="745460"/>
+                </a:xfrm>
+                <a:prstGeom prst="rect">
+                  <a:avLst/>
+                </a:prstGeom>
+                <a:blipFill>
+                  <a:blip r:embed="rId6"/>
+                  <a:stretch>
+                    <a:fillRect l="-2088" t="-3279" b="-8197"/>
+                  </a:stretch>
+                </a:blipFill>
+              </p:spPr>
+              <p:txBody>
+                <a:bodyPr/>
+                <a:lstStyle/>
+                <a:p>
+                  <a:r>
+                    <a:rPr lang="ja-JP" altLang="en-US">
+                      <a:noFill/>
+                    </a:rPr>
+                    <a:t> </a:t>
+                  </a:r>
+                </a:p>
+              </p:txBody>
+            </p:sp>
+          </mc:Fallback>
+        </mc:AlternateContent>
+        <mc:AlternateContent xmlns:mc="http://schemas.openxmlformats.org/markup-compatibility/2006">
+          <mc:Choice xmlns:a14="http://schemas.microsoft.com/office/drawing/2010/main" Requires="a14">
+            <p:sp>
+              <p:nvSpPr>
+                <p:cNvPr id="11" name="テキスト ボックス 10"/>
+                <p:cNvSpPr txBox="1"/>
+                <p:nvPr/>
+              </p:nvSpPr>
+              <p:spPr>
+                <a:xfrm>
+                  <a:off x="5699907" y="3499179"/>
+                  <a:ext cx="2852803" cy="745460"/>
+                </a:xfrm>
+                <a:prstGeom prst="rect">
+                  <a:avLst/>
+                </a:prstGeom>
+                <a:solidFill>
+                  <a:schemeClr val="bg2">
+                    <a:lumMod val="90000"/>
+                  </a:schemeClr>
+                </a:solidFill>
+              </p:spPr>
+              <p:txBody>
+                <a:bodyPr wrap="square" rtlCol="0">
+                  <a:spAutoFit/>
+                </a:bodyPr>
+                <a:lstStyle/>
+                <a:p>
+                  <a:r>
+                    <a:rPr lang="en-US" altLang="ja-JP" sz="2000" dirty="0" smtClean="0">
+                      <a:ea typeface="Cambria Math" panose="02040503050406030204" pitchFamily="18" charset="0"/>
+                    </a:rPr>
+                    <a:t>5. </a:t>
+                  </a:r>
+                  <a14:m>
+                    <m:oMath xmlns:m="http://schemas.openxmlformats.org/officeDocument/2006/math">
+                      <m:r>
+                        <a:rPr lang="ja-JP" altLang="en-US" sz="2000" i="1" smtClean="0">
+                          <a:latin typeface="Cambria Math" panose="02040503050406030204" pitchFamily="18" charset="0"/>
+                          <a:ea typeface="Cambria Math" panose="02040503050406030204" pitchFamily="18" charset="0"/>
+                        </a:rPr>
+                        <m:t>𝜃</m:t>
+                      </m:r>
+                      <m:r>
+                        <a:rPr lang="en-US" altLang="ja-JP" sz="2000" b="0" i="1" smtClean="0">
+                          <a:latin typeface="Cambria Math" panose="02040503050406030204" pitchFamily="18" charset="0"/>
+                          <a:ea typeface="Cambria Math" panose="02040503050406030204" pitchFamily="18" charset="0"/>
+                        </a:rPr>
+                        <m:t>=0.06</m:t>
+                      </m:r>
+                    </m:oMath>
+                  </a14:m>
+                  <a:endParaRPr lang="en-US" altLang="ja-JP" sz="2000" i="1" dirty="0" smtClean="0">
+                    <a:latin typeface="Cambria Math" panose="02040503050406030204" pitchFamily="18" charset="0"/>
+                    <a:ea typeface="Cambria Math" panose="02040503050406030204" pitchFamily="18" charset="0"/>
+                  </a:endParaRPr>
+                </a:p>
+                <a:p>
+                  <a14:m>
+                    <m:oMathPara xmlns:m="http://schemas.openxmlformats.org/officeDocument/2006/math">
+                      <m:oMathParaPr>
+                        <m:jc m:val="centerGroup"/>
+                      </m:oMathParaPr>
+                      <m:oMath xmlns:m="http://schemas.openxmlformats.org/officeDocument/2006/math">
+                        <m:r>
+                          <a:rPr lang="ja-JP" altLang="en-US" sz="2000" i="1" smtClean="0">
+                            <a:latin typeface="Cambria Math" panose="02040503050406030204" pitchFamily="18" charset="0"/>
+                            <a:ea typeface="Cambria Math" panose="02040503050406030204" pitchFamily="18" charset="0"/>
+                          </a:rPr>
+                          <m:t>𝜇</m:t>
+                        </m:r>
+                        <m:r>
+                          <a:rPr lang="en-US" altLang="ja-JP" sz="2000" b="0" i="1" smtClean="0">
+                            <a:latin typeface="Cambria Math" panose="02040503050406030204" pitchFamily="18" charset="0"/>
+                            <a:ea typeface="Cambria Math" panose="02040503050406030204" pitchFamily="18" charset="0"/>
+                          </a:rPr>
+                          <m:t>=</m:t>
+                        </m:r>
+                        <m:r>
+                          <m:rPr>
+                            <m:nor/>
+                          </m:rPr>
+                          <a:rPr lang="en-US" altLang="ja-JP" sz="2000"/>
+                          <m:t>[0.678, 0.24</m:t>
+                        </m:r>
+                        <m:r>
+                          <m:rPr>
+                            <m:nor/>
+                          </m:rPr>
+                          <a:rPr lang="en-US" altLang="ja-JP" sz="2000" b="0" i="0" smtClean="0"/>
+                          <m:t>2,0.08</m:t>
+                        </m:r>
+                        <m:r>
+                          <m:rPr>
+                            <m:nor/>
+                          </m:rPr>
+                          <a:rPr lang="en-US" altLang="ja-JP" sz="2000"/>
+                          <m:t>]</m:t>
+                        </m:r>
+                      </m:oMath>
+                    </m:oMathPara>
+                  </a14:m>
+                  <a:endParaRPr lang="ja-JP" altLang="en-US" sz="2000" dirty="0"/>
+                </a:p>
+              </p:txBody>
+            </p:sp>
+          </mc:Choice>
+          <mc:Fallback>
+            <p:sp>
+              <p:nvSpPr>
+                <p:cNvPr id="11" name="テキスト ボックス 10"/>
+                <p:cNvSpPr txBox="1">
+                  <a:spLocks noRot="1" noChangeAspect="1" noMove="1" noResize="1" noEditPoints="1" noAdjustHandles="1" noChangeArrowheads="1" noChangeShapeType="1" noTextEdit="1"/>
+                </p:cNvSpPr>
+                <p:nvPr/>
+              </p:nvSpPr>
+              <p:spPr>
+                <a:xfrm>
+                  <a:off x="5699907" y="3499179"/>
+                  <a:ext cx="2852803" cy="745460"/>
+                </a:xfrm>
+                <a:prstGeom prst="rect">
+                  <a:avLst/>
+                </a:prstGeom>
+                <a:blipFill>
+                  <a:blip r:embed="rId7"/>
+                  <a:stretch>
+                    <a:fillRect l="-2137" t="-3279" b="-8197"/>
+                  </a:stretch>
+                </a:blipFill>
+              </p:spPr>
+              <p:txBody>
+                <a:bodyPr/>
+                <a:lstStyle/>
+                <a:p>
+                  <a:r>
+                    <a:rPr lang="ja-JP" altLang="en-US">
+                      <a:noFill/>
+                    </a:rPr>
+                    <a:t> </a:t>
+                  </a:r>
+                </a:p>
+              </p:txBody>
+            </p:sp>
+          </mc:Fallback>
+        </mc:AlternateContent>
+      </p:grpSp>
+      <p:sp>
+        <p:nvSpPr>
+          <p:cNvPr id="13" name="テキスト ボックス 12"/>
+          <p:cNvSpPr txBox="1"/>
+          <p:nvPr/>
+        </p:nvSpPr>
+        <p:spPr>
+          <a:xfrm>
+            <a:off x="844639" y="1265231"/>
+            <a:ext cx="1077532" cy="369332"/>
+          </a:xfrm>
+          <a:prstGeom prst="rect">
+            <a:avLst/>
+          </a:prstGeom>
+          <a:noFill/>
+        </p:spPr>
+        <p:txBody>
+          <a:bodyPr wrap="square" rtlCol="0">
+            <a:spAutoFit/>
+          </a:bodyPr>
+          <a:lstStyle/>
+          <a:p>
+            <a:pPr algn="ctr"/>
+            <a:r>
+              <a:rPr kumimoji="1" lang="ja-JP" altLang="en-US" dirty="0" smtClean="0"/>
+              <a:t>採食</a:t>
+            </a:r>
+            <a:endParaRPr kumimoji="1" lang="ja-JP" altLang="en-US" dirty="0"/>
+          </a:p>
+        </p:txBody>
+      </p:sp>
+      <p:sp>
+        <p:nvSpPr>
+          <p:cNvPr id="14" name="テキスト ボックス 13"/>
+          <p:cNvSpPr txBox="1"/>
+          <p:nvPr/>
+        </p:nvSpPr>
+        <p:spPr>
+          <a:xfrm>
+            <a:off x="6903211" y="6211681"/>
+            <a:ext cx="1077532" cy="369332"/>
+          </a:xfrm>
+          <a:prstGeom prst="rect">
+            <a:avLst/>
+          </a:prstGeom>
+          <a:noFill/>
+        </p:spPr>
+        <p:txBody>
+          <a:bodyPr wrap="square" rtlCol="0">
+            <a:spAutoFit/>
+          </a:bodyPr>
+          <a:lstStyle/>
+          <a:p>
+            <a:pPr algn="ctr"/>
+            <a:r>
+              <a:rPr lang="ja-JP" altLang="en-US" dirty="0" smtClean="0"/>
+              <a:t>休息</a:t>
+            </a:r>
+            <a:endParaRPr kumimoji="1" lang="ja-JP" altLang="en-US" dirty="0"/>
+          </a:p>
+        </p:txBody>
+      </p:sp>
+      <p:cxnSp>
+        <p:nvCxnSpPr>
+          <p:cNvPr id="16" name="直線コネクタ 15"/>
+          <p:cNvCxnSpPr/>
+          <p:nvPr/>
+        </p:nvCxnSpPr>
+        <p:spPr>
+          <a:xfrm flipV="1">
+            <a:off x="626772" y="2562896"/>
+            <a:ext cx="2215166" cy="25758"/>
+          </a:xfrm>
+          <a:prstGeom prst="line">
+            <a:avLst/>
+          </a:prstGeom>
+        </p:spPr>
+        <p:style>
+          <a:lnRef idx="2">
+            <a:schemeClr val="accent1"/>
+          </a:lnRef>
+          <a:fillRef idx="0">
+            <a:schemeClr val="accent1"/>
+          </a:fillRef>
+          <a:effectRef idx="1">
+            <a:schemeClr val="accent1"/>
+          </a:effectRef>
+          <a:fontRef idx="minor">
+            <a:schemeClr val="tx1"/>
+          </a:fontRef>
+        </p:style>
+      </p:cxnSp>
+      <p:cxnSp>
+        <p:nvCxnSpPr>
+          <p:cNvPr id="17" name="直線コネクタ 16"/>
+          <p:cNvCxnSpPr/>
+          <p:nvPr/>
+        </p:nvCxnSpPr>
+        <p:spPr>
+          <a:xfrm flipV="1">
+            <a:off x="970208" y="2575775"/>
+            <a:ext cx="807077" cy="525888"/>
+          </a:xfrm>
+          <a:prstGeom prst="line">
+            <a:avLst/>
+          </a:prstGeom>
+        </p:spPr>
+        <p:style>
+          <a:lnRef idx="2">
+            <a:schemeClr val="accent1"/>
+          </a:lnRef>
+          <a:fillRef idx="0">
+            <a:schemeClr val="accent1"/>
+          </a:fillRef>
+          <a:effectRef idx="1">
+            <a:schemeClr val="accent1"/>
+          </a:effectRef>
+          <a:fontRef idx="minor">
+            <a:schemeClr val="tx1"/>
+          </a:fontRef>
+        </p:style>
+      </p:cxnSp>
+      <mc:AlternateContent xmlns:mc="http://schemas.openxmlformats.org/markup-compatibility/2006">
+        <mc:Choice xmlns:a14="http://schemas.microsoft.com/office/drawing/2010/main" Requires="a14">
+          <p:sp>
+            <p:nvSpPr>
+              <p:cNvPr id="20" name="正方形/長方形 19"/>
+              <p:cNvSpPr/>
+              <p:nvPr/>
+            </p:nvSpPr>
+            <p:spPr>
+              <a:xfrm>
+                <a:off x="391735" y="3053512"/>
+                <a:ext cx="1213794" cy="646331"/>
+              </a:xfrm>
+              <a:prstGeom prst="rect">
+                <a:avLst/>
+              </a:prstGeom>
+            </p:spPr>
+            <p:txBody>
+              <a:bodyPr wrap="none">
+                <a:spAutoFit/>
+              </a:bodyPr>
+              <a:lstStyle/>
+              <a:p>
+                <a:pPr algn="ctr"/>
+                <a:r>
+                  <a:rPr lang="ja-JP" altLang="en-US" i="0" dirty="0" smtClean="0">
+                    <a:latin typeface="Cambria Math" panose="02040503050406030204" pitchFamily="18" charset="0"/>
+                    <a:ea typeface="Cambria Math" panose="02040503050406030204" pitchFamily="18" charset="0"/>
+                  </a:rPr>
+                  <a:t>生起確率</a:t>
+                </a:r>
+                <a:endParaRPr lang="en-US" altLang="ja-JP" i="0" dirty="0" smtClean="0">
+                  <a:latin typeface="Cambria Math" panose="02040503050406030204" pitchFamily="18" charset="0"/>
+                  <a:ea typeface="Cambria Math" panose="02040503050406030204" pitchFamily="18" charset="0"/>
+                </a:endParaRPr>
+              </a:p>
+              <a:p>
+                <a:pPr/>
+                <a14:m>
+                  <m:oMathPara xmlns:m="http://schemas.openxmlformats.org/officeDocument/2006/math">
+                    <m:oMathParaPr>
+                      <m:jc m:val="centerGroup"/>
+                    </m:oMathParaPr>
+                    <m:oMath xmlns:m="http://schemas.openxmlformats.org/officeDocument/2006/math">
+                      <m:r>
+                        <a:rPr lang="en-US" altLang="ja-JP" i="0">
+                          <a:latin typeface="Cambria Math" panose="02040503050406030204" pitchFamily="18" charset="0"/>
+                          <a:ea typeface="Cambria Math" panose="02040503050406030204" pitchFamily="18" charset="0"/>
+                        </a:rPr>
+                        <m:t>[</m:t>
+                      </m:r>
+                      <m:r>
+                        <a:rPr lang="ja-JP" altLang="en-US" i="0" smtClean="0">
+                          <a:latin typeface="Cambria Math" panose="02040503050406030204" pitchFamily="18" charset="0"/>
+                          <a:ea typeface="Cambria Math" panose="02040503050406030204" pitchFamily="18" charset="0"/>
+                        </a:rPr>
+                        <m:t>休</m:t>
+                      </m:r>
+                      <m:r>
+                        <m:rPr>
+                          <m:nor/>
+                        </m:rPr>
+                        <a:rPr lang="en-US" altLang="ja-JP" dirty="0"/>
+                        <m:t>,</m:t>
+                      </m:r>
+                      <m:r>
+                        <a:rPr lang="ja-JP" altLang="en-US" i="1" dirty="0">
+                          <a:latin typeface="Cambria Math" panose="02040503050406030204" pitchFamily="18" charset="0"/>
+                        </a:rPr>
+                        <m:t>採</m:t>
+                      </m:r>
+                      <m:r>
+                        <m:rPr>
+                          <m:nor/>
+                        </m:rPr>
+                        <a:rPr lang="en-US" altLang="ja-JP" dirty="0"/>
+                        <m:t>,</m:t>
+                      </m:r>
+                      <m:r>
+                        <a:rPr lang="ja-JP" altLang="en-US" i="1" dirty="0" smtClean="0">
+                          <a:latin typeface="Cambria Math" panose="02040503050406030204" pitchFamily="18" charset="0"/>
+                        </a:rPr>
+                        <m:t>歩</m:t>
+                      </m:r>
+                      <m:r>
+                        <m:rPr>
+                          <m:nor/>
+                        </m:rPr>
+                        <a:rPr lang="en-US" altLang="ja-JP" dirty="0"/>
+                        <m:t>]</m:t>
+                      </m:r>
+                    </m:oMath>
+                  </m:oMathPara>
+                </a14:m>
+                <a:endParaRPr lang="en-US" altLang="ja-JP" dirty="0"/>
+              </a:p>
+            </p:txBody>
+          </p:sp>
+        </mc:Choice>
+        <mc:Fallback>
+          <p:sp>
+            <p:nvSpPr>
+              <p:cNvPr id="20" name="正方形/長方形 19"/>
+              <p:cNvSpPr>
+                <a:spLocks noRot="1" noChangeAspect="1" noMove="1" noResize="1" noEditPoints="1" noAdjustHandles="1" noChangeArrowheads="1" noChangeShapeType="1" noTextEdit="1"/>
+              </p:cNvSpPr>
+              <p:nvPr/>
+            </p:nvSpPr>
+            <p:spPr>
+              <a:xfrm>
+                <a:off x="391735" y="3053512"/>
+                <a:ext cx="1213794" cy="646331"/>
+              </a:xfrm>
+              <a:prstGeom prst="rect">
+                <a:avLst/>
+              </a:prstGeom>
+              <a:blipFill>
+                <a:blip r:embed="rId8"/>
+                <a:stretch>
+                  <a:fillRect t="-7547" b="-9434"/>
+                </a:stretch>
+              </a:blipFill>
+            </p:spPr>
+            <p:txBody>
+              <a:bodyPr/>
+              <a:lstStyle/>
+              <a:p>
+                <a:r>
+                  <a:rPr lang="ja-JP" altLang="en-US">
+                    <a:noFill/>
+                  </a:rPr>
+                  <a:t> </a:t>
+                </a:r>
+              </a:p>
+            </p:txBody>
+          </p:sp>
+        </mc:Fallback>
+      </mc:AlternateContent>
+    </p:spTree>
+    <p:extLst>
+      <p:ext uri="{BB962C8B-B14F-4D97-AF65-F5344CB8AC3E}">
+        <p14:creationId xmlns:p14="http://schemas.microsoft.com/office/powerpoint/2010/main" val="895605432"/>
+      </p:ext>
+    </p:extLst>
+  </p:cSld>
+  <p:clrMapOvr>
+    <a:masterClrMapping/>
+  </p:clrMapOvr>
+  <p:timing>
+    <p:tnLst>
+      <p:par>
+        <p:cTn id="1" dur="indefinite" restart="never" nodeType="tmRoot">
+          <p:childTnLst>
+            <p:seq concurrent="1" nextAc="seek">
+              <p:cTn id="2" dur="indefinite" nodeType="mainSeq">
+                <p:childTnLst>
+                  <p:par>
+                    <p:cTn id="3" fill="hold">
+                      <p:stCondLst>
+                        <p:cond delay="indefinite"/>
+                      </p:stCondLst>
+                      <p:childTnLst>
+                        <p:par>
+                          <p:cTn id="4" fill="hold">
+                            <p:stCondLst>
+                              <p:cond delay="0"/>
+                            </p:stCondLst>
+                            <p:childTnLst>
+                              <p:par>
+                                <p:cTn id="5" presetID="10" presetClass="entr" presetSubtype="0" fill="hold" nodeType="clickEffect">
+                                  <p:stCondLst>
+                                    <p:cond delay="0"/>
+                                  </p:stCondLst>
+                                  <p:childTnLst>
+                                    <p:set>
+                                      <p:cBhvr>
+                                        <p:cTn id="6" dur="1" fill="hold">
+                                          <p:stCondLst>
+                                            <p:cond delay="0"/>
+                                          </p:stCondLst>
+                                        </p:cTn>
+                                        <p:tgtEl>
+                                          <p:spTgt spid="5"/>
+                                        </p:tgtEl>
+                                        <p:attrNameLst>
+                                          <p:attrName>style.visibility</p:attrName>
+                                        </p:attrNameLst>
+                                      </p:cBhvr>
+                                      <p:to>
+                                        <p:strVal val="visible"/>
+                                      </p:to>
+                                    </p:set>
+                                    <p:animEffect transition="in" filter="fade">
+                                      <p:cBhvr>
+                                        <p:cTn id="7" dur="500"/>
+                                        <p:tgtEl>
+                                          <p:spTgt spid="5"/>
+                                        </p:tgtEl>
+                                      </p:cBhvr>
+                                    </p:animEffect>
+                                  </p:childTnLst>
+                                </p:cTn>
+                              </p:par>
+                            </p:childTnLst>
+                          </p:cTn>
+                        </p:par>
+                      </p:childTnLst>
+                    </p:cTn>
+                  </p:par>
+                  <p:par>
+                    <p:cTn id="8" fill="hold">
+                      <p:stCondLst>
+                        <p:cond delay="indefinite"/>
+                      </p:stCondLst>
+                      <p:childTnLst>
+                        <p:par>
+                          <p:cTn id="9" fill="hold">
+                            <p:stCondLst>
+                              <p:cond delay="0"/>
+                            </p:stCondLst>
+                            <p:childTnLst>
+                              <p:par>
+                                <p:cTn id="10" presetID="10" presetClass="entr" presetSubtype="0" fill="hold" nodeType="clickEffect">
+                                  <p:stCondLst>
+                                    <p:cond delay="0"/>
+                                  </p:stCondLst>
+                                  <p:childTnLst>
+                                    <p:set>
+                                      <p:cBhvr>
+                                        <p:cTn id="11" dur="1" fill="hold">
+                                          <p:stCondLst>
+                                            <p:cond delay="0"/>
+                                          </p:stCondLst>
+                                        </p:cTn>
+                                        <p:tgtEl>
+                                          <p:spTgt spid="12"/>
+                                        </p:tgtEl>
+                                        <p:attrNameLst>
+                                          <p:attrName>style.visibility</p:attrName>
+                                        </p:attrNameLst>
+                                      </p:cBhvr>
+                                      <p:to>
+                                        <p:strVal val="visible"/>
+                                      </p:to>
+                                    </p:set>
+                                    <p:animEffect transition="in" filter="fade">
+                                      <p:cBhvr>
+                                        <p:cTn id="12" dur="500"/>
+                                        <p:tgtEl>
+                                          <p:spTgt spid="12"/>
+                                        </p:tgtEl>
+                                      </p:cBhvr>
+                                    </p:animEffect>
+                                  </p:childTnLst>
+                                </p:cTn>
+                              </p:par>
+                            </p:childTnLst>
+                          </p:cTn>
+                        </p:par>
+                      </p:childTnLst>
+                    </p:cTn>
+                  </p:par>
+                </p:childTnLst>
+              </p:cTn>
+              <p:prevCondLst>
+                <p:cond evt="onPrev" delay="0">
+                  <p:tgtEl>
+                    <p:sldTgt/>
+                  </p:tgtEl>
+                </p:cond>
+              </p:prevCondLst>
+              <p:nextCondLst>
+                <p:cond evt="onNext" delay="0">
+                  <p:tgtEl>
+                    <p:sldTgt/>
+                  </p:tgtEl>
+                </p:cond>
+              </p:nextCondLst>
+            </p:seq>
+          </p:childTnLst>
+        </p:cTn>
+      </p:par>
+    </p:tnLst>
+  </p:timing>
 </p:sld>
 </file>
 
@@ -25927,6 +27424,752 @@
     <p:extLst>
       <p:ext uri="{BB962C8B-B14F-4D97-AF65-F5344CB8AC3E}">
         <p14:creationId xmlns:p14="http://schemas.microsoft.com/office/powerpoint/2010/main" val="3604506278"/>
+      </p:ext>
+    </p:extLst>
+  </p:cSld>
+  <p:clrMapOvr>
+    <a:masterClrMapping/>
+  </p:clrMapOvr>
+  <p:timing>
+    <p:tnLst>
+      <p:par>
+        <p:cTn id="1" dur="indefinite" restart="never" nodeType="tmRoot"/>
+      </p:par>
+    </p:tnLst>
+  </p:timing>
+</p:sld>
+</file>
+
+<file path=ppt/slides/slide20.xml><?xml version="1.0" encoding="utf-8"?>
+<p:sld xmlns:a="http://schemas.openxmlformats.org/drawingml/2006/main" xmlns:r="http://schemas.openxmlformats.org/officeDocument/2006/relationships" xmlns:p="http://schemas.openxmlformats.org/presentationml/2006/main">
+  <p:cSld>
+    <p:spTree>
+      <p:nvGrpSpPr>
+        <p:cNvPr id="1" name=""/>
+        <p:cNvGrpSpPr/>
+        <p:nvPr/>
+      </p:nvGrpSpPr>
+      <p:grpSpPr>
+        <a:xfrm>
+          <a:off x="0" y="0"/>
+          <a:ext cx="0" cy="0"/>
+          <a:chOff x="0" y="0"/>
+          <a:chExt cx="0" cy="0"/>
+        </a:xfrm>
+      </p:grpSpPr>
+      <p:sp>
+        <p:nvSpPr>
+          <p:cNvPr id="2" name="タイトル 1"/>
+          <p:cNvSpPr>
+            <a:spLocks noGrp="1"/>
+          </p:cNvSpPr>
+          <p:nvPr>
+            <p:ph type="title"/>
+          </p:nvPr>
+        </p:nvSpPr>
+        <p:spPr/>
+        <p:txBody>
+          <a:bodyPr/>
+          <a:lstStyle/>
+          <a:p>
+            <a:r>
+              <a:rPr lang="ja-JP" altLang="en-US" dirty="0" smtClean="0"/>
+              <a:t>時系列でのトピックプロット</a:t>
+            </a:r>
+            <a:endParaRPr kumimoji="1" lang="ja-JP" altLang="en-US" dirty="0"/>
+          </a:p>
+        </p:txBody>
+      </p:sp>
+      <p:pic>
+        <p:nvPicPr>
+          <p:cNvPr id="5" name="コンテンツ プレースホルダー 4"/>
+          <p:cNvPicPr>
+            <a:picLocks noGrp="1" noChangeAspect="1"/>
+          </p:cNvPicPr>
+          <p:nvPr>
+            <p:ph idx="1"/>
+          </p:nvPr>
+        </p:nvPicPr>
+        <p:blipFill>
+          <a:blip r:embed="rId2">
+            <a:extLst>
+              <a:ext uri="{28A0092B-C50C-407E-A947-70E740481C1C}">
+                <a14:useLocalDpi xmlns:a14="http://schemas.microsoft.com/office/drawing/2010/main" val="0"/>
+              </a:ext>
+            </a:extLst>
+          </a:blip>
+          <a:stretch>
+            <a:fillRect/>
+          </a:stretch>
+        </p:blipFill>
+        <p:spPr>
+          <a:xfrm>
+            <a:off x="116068" y="1771461"/>
+            <a:ext cx="8793968" cy="4429045"/>
+          </a:xfrm>
+        </p:spPr>
+      </p:pic>
+      <p:sp>
+        <p:nvSpPr>
+          <p:cNvPr id="4" name="スライド番号プレースホルダー 3"/>
+          <p:cNvSpPr>
+            <a:spLocks noGrp="1"/>
+          </p:cNvSpPr>
+          <p:nvPr>
+            <p:ph type="sldNum" sz="quarter" idx="10"/>
+          </p:nvPr>
+        </p:nvSpPr>
+        <p:spPr/>
+        <p:txBody>
+          <a:bodyPr/>
+          <a:lstStyle/>
+          <a:p>
+            <a:fld id="{B5523FDF-1079-0C47-BA65-E35310DA8E0F}" type="slidenum">
+              <a:rPr kumimoji="1" lang="ja-JP" altLang="en-US" smtClean="0"/>
+              <a:t>20</a:t>
+            </a:fld>
+            <a:endParaRPr kumimoji="1" lang="ja-JP" altLang="en-US"/>
+          </a:p>
+        </p:txBody>
+      </p:sp>
+      <p:sp>
+        <p:nvSpPr>
+          <p:cNvPr id="6" name="テキスト ボックス 5"/>
+          <p:cNvSpPr txBox="1"/>
+          <p:nvPr/>
+        </p:nvSpPr>
+        <p:spPr>
+          <a:xfrm>
+            <a:off x="356318" y="6252454"/>
+            <a:ext cx="1390918" cy="400110"/>
+          </a:xfrm>
+          <a:prstGeom prst="rect">
+            <a:avLst/>
+          </a:prstGeom>
+          <a:noFill/>
+        </p:spPr>
+        <p:txBody>
+          <a:bodyPr wrap="square" rtlCol="0">
+            <a:spAutoFit/>
+          </a:bodyPr>
+          <a:lstStyle/>
+          <a:p>
+            <a:r>
+              <a:rPr lang="ja-JP" altLang="en-US" sz="2000" dirty="0"/>
+              <a:t>正午</a:t>
+            </a:r>
+            <a:r>
+              <a:rPr kumimoji="1" lang="en-US" altLang="ja-JP" sz="2000" dirty="0" smtClean="0"/>
+              <a:t>12</a:t>
+            </a:r>
+            <a:r>
+              <a:rPr kumimoji="1" lang="ja-JP" altLang="en-US" sz="2000" dirty="0" smtClean="0"/>
+              <a:t>時</a:t>
+            </a:r>
+            <a:endParaRPr kumimoji="1" lang="ja-JP" altLang="en-US" sz="2000" dirty="0"/>
+          </a:p>
+        </p:txBody>
+      </p:sp>
+      <p:sp>
+        <p:nvSpPr>
+          <p:cNvPr id="7" name="テキスト ボックス 6"/>
+          <p:cNvSpPr txBox="1"/>
+          <p:nvPr/>
+        </p:nvSpPr>
+        <p:spPr>
+          <a:xfrm>
+            <a:off x="7124434" y="6252454"/>
+            <a:ext cx="1390918" cy="400110"/>
+          </a:xfrm>
+          <a:prstGeom prst="rect">
+            <a:avLst/>
+          </a:prstGeom>
+          <a:noFill/>
+        </p:spPr>
+        <p:txBody>
+          <a:bodyPr wrap="square" rtlCol="0">
+            <a:spAutoFit/>
+          </a:bodyPr>
+          <a:lstStyle/>
+          <a:p>
+            <a:r>
+              <a:rPr lang="ja-JP" altLang="en-US" sz="2000" dirty="0" smtClean="0"/>
+              <a:t>午前</a:t>
+            </a:r>
+            <a:r>
+              <a:rPr lang="en-US" altLang="ja-JP" sz="2000" dirty="0" smtClean="0"/>
+              <a:t>9</a:t>
+            </a:r>
+            <a:r>
+              <a:rPr kumimoji="1" lang="ja-JP" altLang="en-US" sz="2000" dirty="0" smtClean="0"/>
+              <a:t>時</a:t>
+            </a:r>
+            <a:endParaRPr kumimoji="1" lang="ja-JP" altLang="en-US" sz="2000" dirty="0"/>
+          </a:p>
+        </p:txBody>
+      </p:sp>
+      <p:sp>
+        <p:nvSpPr>
+          <p:cNvPr id="8" name="テキスト ボックス 7"/>
+          <p:cNvSpPr txBox="1"/>
+          <p:nvPr/>
+        </p:nvSpPr>
+        <p:spPr>
+          <a:xfrm>
+            <a:off x="116068" y="1614152"/>
+            <a:ext cx="1090255" cy="369332"/>
+          </a:xfrm>
+          <a:prstGeom prst="rect">
+            <a:avLst/>
+          </a:prstGeom>
+          <a:noFill/>
+        </p:spPr>
+        <p:txBody>
+          <a:bodyPr wrap="square" rtlCol="0">
+            <a:spAutoFit/>
+          </a:bodyPr>
+          <a:lstStyle/>
+          <a:p>
+            <a:r>
+              <a:rPr kumimoji="1" lang="ja-JP" altLang="en-US" dirty="0" smtClean="0"/>
+              <a:t>トピック</a:t>
+            </a:r>
+            <a:r>
+              <a:rPr kumimoji="1" lang="en-US" altLang="ja-JP" dirty="0" smtClean="0"/>
+              <a:t>1</a:t>
+            </a:r>
+            <a:endParaRPr kumimoji="1" lang="ja-JP" altLang="en-US" dirty="0"/>
+          </a:p>
+        </p:txBody>
+      </p:sp>
+      <p:sp>
+        <p:nvSpPr>
+          <p:cNvPr id="9" name="テキスト ボックス 8"/>
+          <p:cNvSpPr txBox="1"/>
+          <p:nvPr/>
+        </p:nvSpPr>
+        <p:spPr>
+          <a:xfrm>
+            <a:off x="116067" y="2402845"/>
+            <a:ext cx="1090255" cy="369332"/>
+          </a:xfrm>
+          <a:prstGeom prst="rect">
+            <a:avLst/>
+          </a:prstGeom>
+          <a:noFill/>
+        </p:spPr>
+        <p:txBody>
+          <a:bodyPr wrap="square" rtlCol="0">
+            <a:spAutoFit/>
+          </a:bodyPr>
+          <a:lstStyle/>
+          <a:p>
+            <a:r>
+              <a:rPr kumimoji="1" lang="ja-JP" altLang="en-US" dirty="0" smtClean="0"/>
+              <a:t>トピック</a:t>
+            </a:r>
+            <a:r>
+              <a:rPr lang="en-US" altLang="ja-JP" dirty="0"/>
+              <a:t>2</a:t>
+            </a:r>
+            <a:endParaRPr kumimoji="1" lang="ja-JP" altLang="en-US" dirty="0"/>
+          </a:p>
+        </p:txBody>
+      </p:sp>
+      <p:sp>
+        <p:nvSpPr>
+          <p:cNvPr id="10" name="テキスト ボックス 9"/>
+          <p:cNvSpPr txBox="1"/>
+          <p:nvPr/>
+        </p:nvSpPr>
+        <p:spPr>
+          <a:xfrm>
+            <a:off x="116068" y="3197291"/>
+            <a:ext cx="1090255" cy="369332"/>
+          </a:xfrm>
+          <a:prstGeom prst="rect">
+            <a:avLst/>
+          </a:prstGeom>
+          <a:noFill/>
+        </p:spPr>
+        <p:txBody>
+          <a:bodyPr wrap="square" rtlCol="0">
+            <a:spAutoFit/>
+          </a:bodyPr>
+          <a:lstStyle/>
+          <a:p>
+            <a:r>
+              <a:rPr kumimoji="1" lang="ja-JP" altLang="en-US" dirty="0" smtClean="0"/>
+              <a:t>トピック</a:t>
+            </a:r>
+            <a:r>
+              <a:rPr lang="en-US" altLang="ja-JP" dirty="0" smtClean="0"/>
+              <a:t>3</a:t>
+            </a:r>
+            <a:endParaRPr kumimoji="1" lang="ja-JP" altLang="en-US" dirty="0"/>
+          </a:p>
+        </p:txBody>
+      </p:sp>
+      <p:sp>
+        <p:nvSpPr>
+          <p:cNvPr id="12" name="テキスト ボックス 11"/>
+          <p:cNvSpPr txBox="1"/>
+          <p:nvPr/>
+        </p:nvSpPr>
+        <p:spPr>
+          <a:xfrm>
+            <a:off x="116068" y="3868671"/>
+            <a:ext cx="1090255" cy="369332"/>
+          </a:xfrm>
+          <a:prstGeom prst="rect">
+            <a:avLst/>
+          </a:prstGeom>
+          <a:noFill/>
+        </p:spPr>
+        <p:txBody>
+          <a:bodyPr wrap="square" rtlCol="0">
+            <a:spAutoFit/>
+          </a:bodyPr>
+          <a:lstStyle/>
+          <a:p>
+            <a:r>
+              <a:rPr kumimoji="1" lang="ja-JP" altLang="en-US" dirty="0" smtClean="0"/>
+              <a:t>トピック</a:t>
+            </a:r>
+            <a:r>
+              <a:rPr lang="en-US" altLang="ja-JP" dirty="0"/>
+              <a:t>4</a:t>
+            </a:r>
+            <a:endParaRPr kumimoji="1" lang="ja-JP" altLang="en-US" dirty="0"/>
+          </a:p>
+        </p:txBody>
+      </p:sp>
+      <p:sp>
+        <p:nvSpPr>
+          <p:cNvPr id="13" name="テキスト ボックス 12"/>
+          <p:cNvSpPr txBox="1"/>
+          <p:nvPr/>
+        </p:nvSpPr>
+        <p:spPr>
+          <a:xfrm>
+            <a:off x="116068" y="4666213"/>
+            <a:ext cx="1090255" cy="369332"/>
+          </a:xfrm>
+          <a:prstGeom prst="rect">
+            <a:avLst/>
+          </a:prstGeom>
+          <a:noFill/>
+        </p:spPr>
+        <p:txBody>
+          <a:bodyPr wrap="square" rtlCol="0">
+            <a:spAutoFit/>
+          </a:bodyPr>
+          <a:lstStyle/>
+          <a:p>
+            <a:r>
+              <a:rPr kumimoji="1" lang="ja-JP" altLang="en-US" dirty="0" smtClean="0"/>
+              <a:t>トピック</a:t>
+            </a:r>
+            <a:r>
+              <a:rPr lang="en-US" altLang="ja-JP" dirty="0" smtClean="0"/>
+              <a:t>5</a:t>
+            </a:r>
+            <a:endParaRPr kumimoji="1" lang="ja-JP" altLang="en-US" dirty="0"/>
+          </a:p>
+        </p:txBody>
+      </p:sp>
+      <p:sp>
+        <p:nvSpPr>
+          <p:cNvPr id="14" name="テキスト ボックス 13"/>
+          <p:cNvSpPr txBox="1"/>
+          <p:nvPr/>
+        </p:nvSpPr>
+        <p:spPr>
+          <a:xfrm>
+            <a:off x="116066" y="5260208"/>
+            <a:ext cx="2961987" cy="369332"/>
+          </a:xfrm>
+          <a:prstGeom prst="rect">
+            <a:avLst/>
+          </a:prstGeom>
+          <a:noFill/>
+        </p:spPr>
+        <p:txBody>
+          <a:bodyPr wrap="square" rtlCol="0">
+            <a:spAutoFit/>
+          </a:bodyPr>
+          <a:lstStyle/>
+          <a:p>
+            <a:r>
+              <a:rPr kumimoji="1" lang="ja-JP" altLang="en-US" dirty="0" smtClean="0"/>
+              <a:t>最も高い確率の色をプロット</a:t>
+            </a:r>
+            <a:endParaRPr kumimoji="1" lang="ja-JP" altLang="en-US" dirty="0"/>
+          </a:p>
+        </p:txBody>
+      </p:sp>
+      <p:sp>
+        <p:nvSpPr>
+          <p:cNvPr id="15" name="テキスト ボックス 14"/>
+          <p:cNvSpPr txBox="1"/>
+          <p:nvPr/>
+        </p:nvSpPr>
+        <p:spPr>
+          <a:xfrm>
+            <a:off x="1067952" y="1314408"/>
+            <a:ext cx="6890199" cy="461665"/>
+          </a:xfrm>
+          <a:prstGeom prst="rect">
+            <a:avLst/>
+          </a:prstGeom>
+          <a:noFill/>
+        </p:spPr>
+        <p:txBody>
+          <a:bodyPr wrap="square" rtlCol="0">
+            <a:spAutoFit/>
+          </a:bodyPr>
+          <a:lstStyle/>
+          <a:p>
+            <a:pPr algn="ctr"/>
+            <a:r>
+              <a:rPr lang="en-US" altLang="ja-JP" sz="2400" dirty="0" smtClean="0"/>
+              <a:t>1</a:t>
+            </a:r>
+            <a:r>
+              <a:rPr lang="ja-JP" altLang="en-US" sz="2400" dirty="0" smtClean="0"/>
+              <a:t>日の行動を予測し，色の濃淡でトピック確率を表現</a:t>
+            </a:r>
+            <a:endParaRPr kumimoji="1" lang="ja-JP" altLang="en-US" sz="2400" dirty="0"/>
+          </a:p>
+        </p:txBody>
+      </p:sp>
+    </p:spTree>
+    <p:extLst>
+      <p:ext uri="{BB962C8B-B14F-4D97-AF65-F5344CB8AC3E}">
+        <p14:creationId xmlns:p14="http://schemas.microsoft.com/office/powerpoint/2010/main" val="3782445157"/>
+      </p:ext>
+    </p:extLst>
+  </p:cSld>
+  <p:clrMapOvr>
+    <a:masterClrMapping/>
+  </p:clrMapOvr>
+  <p:timing>
+    <p:tnLst>
+      <p:par>
+        <p:cTn id="1" dur="indefinite" restart="never" nodeType="tmRoot"/>
+      </p:par>
+    </p:tnLst>
+  </p:timing>
+</p:sld>
+</file>
+
+<file path=ppt/slides/slide21.xml><?xml version="1.0" encoding="utf-8"?>
+<p:sld xmlns:a="http://schemas.openxmlformats.org/drawingml/2006/main" xmlns:r="http://schemas.openxmlformats.org/officeDocument/2006/relationships" xmlns:p="http://schemas.openxmlformats.org/presentationml/2006/main">
+  <p:cSld>
+    <p:spTree>
+      <p:nvGrpSpPr>
+        <p:cNvPr id="1" name=""/>
+        <p:cNvGrpSpPr/>
+        <p:nvPr/>
+      </p:nvGrpSpPr>
+      <p:grpSpPr>
+        <a:xfrm>
+          <a:off x="0" y="0"/>
+          <a:ext cx="0" cy="0"/>
+          <a:chOff x="0" y="0"/>
+          <a:chExt cx="0" cy="0"/>
+        </a:xfrm>
+      </p:grpSpPr>
+      <p:sp>
+        <p:nvSpPr>
+          <p:cNvPr id="2" name="タイトル 1"/>
+          <p:cNvSpPr>
+            <a:spLocks noGrp="1"/>
+          </p:cNvSpPr>
+          <p:nvPr>
+            <p:ph type="title"/>
+          </p:nvPr>
+        </p:nvSpPr>
+        <p:spPr/>
+        <p:txBody>
+          <a:bodyPr/>
+          <a:lstStyle/>
+          <a:p>
+            <a:r>
+              <a:rPr lang="en-US" altLang="ja-JP" dirty="0" smtClean="0"/>
+              <a:t>Future Tasks</a:t>
+            </a:r>
+            <a:endParaRPr kumimoji="1" lang="ja-JP" altLang="en-US" dirty="0"/>
+          </a:p>
+        </p:txBody>
+      </p:sp>
+      <mc:AlternateContent xmlns:mc="http://schemas.openxmlformats.org/markup-compatibility/2006">
+        <mc:Choice xmlns:a14="http://schemas.microsoft.com/office/drawing/2010/main" Requires="a14">
+          <p:sp>
+            <p:nvSpPr>
+              <p:cNvPr id="3" name="コンテンツ プレースホルダー 2"/>
+              <p:cNvSpPr>
+                <a:spLocks noGrp="1"/>
+              </p:cNvSpPr>
+              <p:nvPr>
+                <p:ph idx="1"/>
+              </p:nvPr>
+            </p:nvSpPr>
+            <p:spPr>
+              <a:xfrm>
+                <a:off x="214648" y="1345396"/>
+                <a:ext cx="8472151" cy="5010954"/>
+              </a:xfrm>
+            </p:spPr>
+            <p:txBody>
+              <a:bodyPr/>
+              <a:lstStyle/>
+              <a:p>
+                <a:r>
+                  <a:rPr lang="ja-JP" altLang="en-US" dirty="0" smtClean="0"/>
+                  <a:t>コミュニティ</a:t>
+                </a:r>
+                <a:r>
+                  <a:rPr lang="ja-JP" altLang="en-US" dirty="0"/>
+                  <a:t>生成</a:t>
+                </a:r>
+                <a:endParaRPr kumimoji="1" lang="en-US" altLang="ja-JP" dirty="0" smtClean="0"/>
+              </a:p>
+              <a:p>
+                <a:pPr lvl="1"/>
+                <a:r>
+                  <a:rPr lang="ja-JP" altLang="en-US" dirty="0" smtClean="0"/>
+                  <a:t>周りの牛の行動から対象牛の行動を推定したいが、今は行動分類によるコミュニティ生成のため、同一コミュニティの牛も対象牛と同じような行動をしている（距離による閾値があるので遠いところの牛とは同じにならない）→距離によるコミュニティに変更</a:t>
+                </a:r>
+                <a:endParaRPr lang="en-US" altLang="ja-JP" dirty="0" smtClean="0"/>
+              </a:p>
+              <a:p>
+                <a:r>
+                  <a:rPr lang="ja-JP" altLang="en-US" dirty="0" smtClean="0"/>
+                  <a:t>グラフ変化点検知</a:t>
+                </a:r>
+                <a:endParaRPr lang="en-US" altLang="ja-JP" dirty="0" smtClean="0"/>
+              </a:p>
+              <a:p>
+                <a:pPr lvl="1"/>
+                <a:r>
+                  <a:rPr lang="ja-JP" altLang="en-US" dirty="0" smtClean="0"/>
+                  <a:t>最新の手法を試みる（論文</a:t>
+                </a:r>
+                <a:r>
+                  <a:rPr lang="en-US" altLang="ja-JP" baseline="30000" dirty="0"/>
+                  <a:t>1</a:t>
+                </a:r>
+                <a:r>
+                  <a:rPr lang="ja-JP" altLang="en-US" dirty="0" smtClean="0"/>
+                  <a:t>を読んでいます）</a:t>
+                </a:r>
+                <a:endParaRPr lang="en-US" altLang="ja-JP" dirty="0" smtClean="0"/>
+              </a:p>
+              <a:p>
+                <a:r>
+                  <a:rPr lang="ja-JP" altLang="en-US" dirty="0" smtClean="0"/>
+                  <a:t>トピック数の推定</a:t>
+                </a:r>
+                <a:endParaRPr lang="en-US" altLang="ja-JP" dirty="0" smtClean="0"/>
+              </a:p>
+              <a:p>
+                <a:pPr lvl="1"/>
+                <a14:m>
+                  <m:oMath xmlns:m="http://schemas.openxmlformats.org/officeDocument/2006/math">
+                    <m:r>
+                      <a:rPr lang="en-US" altLang="ja-JP" i="1" dirty="0" smtClean="0">
+                        <a:latin typeface="Cambria Math" panose="02040503050406030204" pitchFamily="18" charset="0"/>
+                      </a:rPr>
+                      <m:t>𝐾</m:t>
+                    </m:r>
+                    <m:r>
+                      <a:rPr lang="en-US" altLang="ja-JP" i="1" dirty="0" smtClean="0">
+                        <a:latin typeface="Cambria Math" panose="02040503050406030204" pitchFamily="18" charset="0"/>
+                      </a:rPr>
+                      <m:t>=4</m:t>
+                    </m:r>
+                  </m:oMath>
+                </a14:m>
+                <a:r>
+                  <a:rPr lang="ja-JP" altLang="en-US" dirty="0" smtClean="0"/>
+                  <a:t>などでも行う</a:t>
+                </a:r>
+                <a:endParaRPr lang="en-US" altLang="ja-JP" dirty="0" smtClean="0"/>
+              </a:p>
+              <a:p>
+                <a:pPr marL="385762" indent="-342900"/>
+                <a:r>
+                  <a:rPr lang="ja-JP" altLang="en-US" dirty="0" smtClean="0"/>
+                  <a:t>実験設定の変更</a:t>
+                </a:r>
+                <a:endParaRPr lang="en-US" altLang="ja-JP" dirty="0" smtClean="0"/>
+              </a:p>
+              <a:p>
+                <a:pPr marL="685800" lvl="1" indent="-342900"/>
+                <a:r>
+                  <a:rPr lang="ja-JP" altLang="en-US" dirty="0" smtClean="0"/>
+                  <a:t>幅広い期間・牛を対象に事前分布を学習</a:t>
+                </a:r>
+                <a:r>
+                  <a:rPr lang="en-US" altLang="ja-JP" dirty="0"/>
+                  <a:t> </a:t>
+                </a:r>
+                <a:r>
+                  <a:rPr lang="en-US" altLang="ja-JP" dirty="0" smtClean="0"/>
+                  <a:t>(</a:t>
+                </a:r>
+                <a:r>
+                  <a:rPr lang="ja-JP" altLang="en-US" dirty="0" smtClean="0"/>
+                  <a:t>汎化性能向上のため</a:t>
+                </a:r>
+                <a:r>
+                  <a:rPr lang="en-US" altLang="ja-JP" dirty="0" smtClean="0"/>
+                  <a:t>)</a:t>
+                </a:r>
+              </a:p>
+              <a:p>
+                <a:pPr marL="685800" lvl="1" indent="-342900"/>
+                <a:r>
+                  <a:rPr lang="ja-JP" altLang="en-US" dirty="0" smtClean="0"/>
+                  <a:t>事前分布を使用して直近のデータから事後分布を求め新たな予測に活かす</a:t>
+                </a:r>
+                <a:endParaRPr lang="en-US" altLang="ja-JP" dirty="0" smtClean="0"/>
+              </a:p>
+              <a:p>
+                <a:pPr marL="385762" indent="-342900"/>
+                <a:r>
+                  <a:rPr lang="ja-JP" altLang="en-US" dirty="0" smtClean="0"/>
+                  <a:t>検証方法の検討 </a:t>
+                </a:r>
+                <a:r>
+                  <a:rPr lang="en-US" altLang="ja-JP" dirty="0" smtClean="0"/>
+                  <a:t>(</a:t>
+                </a:r>
+                <a:r>
+                  <a:rPr lang="ja-JP" altLang="en-US" dirty="0" smtClean="0"/>
+                  <a:t>当分のターゲットは発情中の歩き回り</a:t>
+                </a:r>
+                <a:r>
+                  <a:rPr lang="en-US" altLang="ja-JP" dirty="0" smtClean="0"/>
+                  <a:t>)</a:t>
+                </a:r>
+              </a:p>
+            </p:txBody>
+          </p:sp>
+        </mc:Choice>
+        <mc:Fallback>
+          <p:sp>
+            <p:nvSpPr>
+              <p:cNvPr id="3" name="コンテンツ プレースホルダー 2"/>
+              <p:cNvSpPr>
+                <a:spLocks noGrp="1" noRot="1" noChangeAspect="1" noMove="1" noResize="1" noEditPoints="1" noAdjustHandles="1" noChangeArrowheads="1" noChangeShapeType="1" noTextEdit="1"/>
+              </p:cNvSpPr>
+              <p:nvPr>
+                <p:ph idx="1"/>
+              </p:nvPr>
+            </p:nvSpPr>
+            <p:spPr>
+              <a:xfrm>
+                <a:off x="214648" y="1345396"/>
+                <a:ext cx="8472151" cy="5010954"/>
+              </a:xfrm>
+              <a:blipFill>
+                <a:blip r:embed="rId2"/>
+                <a:stretch>
+                  <a:fillRect l="-935" t="-1460" b="-10949"/>
+                </a:stretch>
+              </a:blipFill>
+            </p:spPr>
+            <p:txBody>
+              <a:bodyPr/>
+              <a:lstStyle/>
+              <a:p>
+                <a:r>
+                  <a:rPr lang="ja-JP" altLang="en-US">
+                    <a:noFill/>
+                  </a:rPr>
+                  <a:t> </a:t>
+                </a:r>
+              </a:p>
+            </p:txBody>
+          </p:sp>
+        </mc:Fallback>
+      </mc:AlternateContent>
+      <p:sp>
+        <p:nvSpPr>
+          <p:cNvPr id="4" name="スライド番号プレースホルダー 3"/>
+          <p:cNvSpPr>
+            <a:spLocks noGrp="1"/>
+          </p:cNvSpPr>
+          <p:nvPr>
+            <p:ph type="sldNum" sz="quarter" idx="10"/>
+          </p:nvPr>
+        </p:nvSpPr>
+        <p:spPr/>
+        <p:txBody>
+          <a:bodyPr/>
+          <a:lstStyle/>
+          <a:p>
+            <a:fld id="{B5523FDF-1079-0C47-BA65-E35310DA8E0F}" type="slidenum">
+              <a:rPr kumimoji="1" lang="ja-JP" altLang="en-US" smtClean="0"/>
+              <a:t>21</a:t>
+            </a:fld>
+            <a:endParaRPr kumimoji="1" lang="ja-JP" altLang="en-US"/>
+          </a:p>
+        </p:txBody>
+      </p:sp>
+      <p:sp>
+        <p:nvSpPr>
+          <p:cNvPr id="5" name="テキスト ボックス 4"/>
+          <p:cNvSpPr txBox="1"/>
+          <p:nvPr/>
+        </p:nvSpPr>
+        <p:spPr>
+          <a:xfrm>
+            <a:off x="2429554" y="6643043"/>
+            <a:ext cx="6770256" cy="230832"/>
+          </a:xfrm>
+          <a:prstGeom prst="rect">
+            <a:avLst/>
+          </a:prstGeom>
+          <a:noFill/>
+        </p:spPr>
+        <p:txBody>
+          <a:bodyPr wrap="square" rtlCol="0">
+            <a:spAutoFit/>
+          </a:bodyPr>
+          <a:lstStyle/>
+          <a:p>
+            <a:pPr algn="r"/>
+            <a:r>
+              <a:rPr lang="en-US" altLang="ja-JP" sz="900" baseline="30000" dirty="0"/>
+              <a:t>* </a:t>
+            </a:r>
+            <a:r>
+              <a:rPr lang="en-US" altLang="ja-JP" sz="900" dirty="0" smtClean="0"/>
+              <a:t>Hierarchical Change Point Detection on Dynamic Networks, WebSci’17</a:t>
+            </a:r>
+            <a:r>
+              <a:rPr lang="en-US" altLang="ja-JP" sz="900" dirty="0" smtClean="0"/>
+              <a:t>, p</a:t>
+            </a:r>
+            <a:r>
+              <a:rPr lang="en-US" altLang="ja-JP" sz="900" dirty="0" smtClean="0"/>
+              <a:t>171</a:t>
+            </a:r>
+            <a:r>
+              <a:rPr lang="en-US" altLang="ja-JP" sz="900" dirty="0" smtClean="0"/>
+              <a:t>–p180, 2017</a:t>
+            </a:r>
+            <a:endParaRPr kumimoji="1" lang="ja-JP" altLang="en-US" sz="900" dirty="0"/>
+          </a:p>
+        </p:txBody>
+      </p:sp>
+    </p:spTree>
+    <p:extLst>
+      <p:ext uri="{BB962C8B-B14F-4D97-AF65-F5344CB8AC3E}">
+        <p14:creationId xmlns:p14="http://schemas.microsoft.com/office/powerpoint/2010/main" val="1165229953"/>
       </p:ext>
     </p:extLst>
   </p:cSld>

--- a/behavior_detection.pptx
+++ b/behavior_detection.pptx
@@ -5,7 +5,7 @@
     <p:sldMasterId id="2147483648" r:id="rId1"/>
   </p:sldMasterIdLst>
   <p:notesMasterIdLst>
-    <p:notesMasterId r:id="rId23"/>
+    <p:notesMasterId r:id="rId25"/>
   </p:notesMasterIdLst>
   <p:sldIdLst>
     <p:sldId id="256" r:id="rId2"/>
@@ -29,6 +29,8 @@
     <p:sldId id="291" r:id="rId20"/>
     <p:sldId id="292" r:id="rId21"/>
     <p:sldId id="293" r:id="rId22"/>
+    <p:sldId id="294" r:id="rId23"/>
+    <p:sldId id="295" r:id="rId24"/>
   </p:sldIdLst>
   <p:sldSz cx="9144000" cy="6858000" type="screen4x3"/>
   <p:notesSz cx="6858000" cy="9144000"/>
@@ -9506,7 +9508,7 @@
               <a:pPr>
                 <a:defRPr/>
               </a:pPr>
-              <a:t>2020/11/5</a:t>
+              <a:t>2020/12/3</a:t>
             </a:fld>
             <a:endParaRPr lang="ja-JP" altLang="en-US"/>
           </a:p>
@@ -9901,7 +9903,7 @@
               </a14:hiddenFill>
             </a:ext>
             <a:ext uri="{FAA26D3D-D897-4be2-8F04-BA451C77F1D7}">
-              <ma14:placeholderFlag xmlns="" xmlns:ma14="http://schemas.microsoft.com/office/mac/drawingml/2011/main" val="1"/>
+              <ma14:placeholderFlag xmlns:ma14="http://schemas.microsoft.com/office/mac/drawingml/2011/main" xmlns="" val="1"/>
             </a:ext>
           </a:extLst>
         </p:spPr>
@@ -9937,7 +9939,7 @@
               </a14:hiddenLine>
             </a:ext>
             <a:ext uri="{FAA26D3D-D897-4be2-8F04-BA451C77F1D7}">
-              <ma14:placeholderFlag xmlns="" xmlns:ma14="http://schemas.microsoft.com/office/mac/drawingml/2011/main" val="1"/>
+              <ma14:placeholderFlag xmlns:ma14="http://schemas.microsoft.com/office/mac/drawingml/2011/main" xmlns="" val="1"/>
             </a:ext>
           </a:extLst>
         </p:spPr>
@@ -25590,8 +25592,8 @@
             <a:chExt cx="9094765" cy="4265396"/>
           </a:xfrm>
         </p:grpSpPr>
-        <mc:AlternateContent xmlns:mc="http://schemas.openxmlformats.org/markup-compatibility/2006">
-          <mc:Choice xmlns:a14="http://schemas.microsoft.com/office/drawing/2010/main" Requires="a14">
+        <mc:AlternateContent xmlns:mc="http://schemas.openxmlformats.org/markup-compatibility/2006" xmlns:a14="http://schemas.microsoft.com/office/drawing/2010/main">
+          <mc:Choice Requires="a14">
             <p:sp>
               <p:nvSpPr>
                 <p:cNvPr id="6" name="テキスト ボックス 5"/>
@@ -25648,6 +25650,7 @@
                   </a:endParaRPr>
                 </a:p>
                 <a:p>
+                  <a:pPr/>
                   <a14:m>
                     <m:oMathPara xmlns:m="http://schemas.openxmlformats.org/officeDocument/2006/math">
                       <m:oMathParaPr>
@@ -25704,7 +25707,7 @@
               </p:txBody>
             </p:sp>
           </mc:Choice>
-          <mc:Fallback>
+          <mc:Fallback xmlns="">
             <p:sp>
               <p:nvSpPr>
                 <p:cNvPr id="6" name="テキスト ボックス 5"/>
@@ -25743,8 +25746,8 @@
             </p:sp>
           </mc:Fallback>
         </mc:AlternateContent>
-        <mc:AlternateContent xmlns:mc="http://schemas.openxmlformats.org/markup-compatibility/2006">
-          <mc:Choice xmlns:a14="http://schemas.microsoft.com/office/drawing/2010/main" Requires="a14">
+        <mc:AlternateContent xmlns:mc="http://schemas.openxmlformats.org/markup-compatibility/2006" xmlns:a14="http://schemas.microsoft.com/office/drawing/2010/main">
+          <mc:Choice Requires="a14">
             <p:sp>
               <p:nvSpPr>
                 <p:cNvPr id="7" name="テキスト ボックス 6"/>
@@ -25801,6 +25804,7 @@
                   </a:endParaRPr>
                 </a:p>
                 <a:p>
+                  <a:pPr/>
                   <a14:m>
                     <m:oMathPara xmlns:m="http://schemas.openxmlformats.org/officeDocument/2006/math">
                       <m:oMathParaPr>
@@ -25850,7 +25854,7 @@
               </p:txBody>
             </p:sp>
           </mc:Choice>
-          <mc:Fallback>
+          <mc:Fallback xmlns="">
             <p:sp>
               <p:nvSpPr>
                 <p:cNvPr id="7" name="テキスト ボックス 6"/>
@@ -25889,8 +25893,8 @@
             </p:sp>
           </mc:Fallback>
         </mc:AlternateContent>
-        <mc:AlternateContent xmlns:mc="http://schemas.openxmlformats.org/markup-compatibility/2006">
-          <mc:Choice xmlns:a14="http://schemas.microsoft.com/office/drawing/2010/main" Requires="a14">
+        <mc:AlternateContent xmlns:mc="http://schemas.openxmlformats.org/markup-compatibility/2006" xmlns:a14="http://schemas.microsoft.com/office/drawing/2010/main">
+          <mc:Choice Requires="a14">
             <p:sp>
               <p:nvSpPr>
                 <p:cNvPr id="8" name="テキスト ボックス 7"/>
@@ -25953,6 +25957,7 @@
                   </a:endParaRPr>
                 </a:p>
                 <a:p>
+                  <a:pPr/>
                   <a14:m>
                     <m:oMathPara xmlns:m="http://schemas.openxmlformats.org/officeDocument/2006/math">
                       <m:oMathParaPr>
@@ -26016,7 +26021,7 @@
               </p:txBody>
             </p:sp>
           </mc:Choice>
-          <mc:Fallback>
+          <mc:Fallback xmlns="">
             <p:sp>
               <p:nvSpPr>
                 <p:cNvPr id="8" name="テキスト ボックス 7"/>
@@ -26055,8 +26060,8 @@
             </p:sp>
           </mc:Fallback>
         </mc:AlternateContent>
-        <mc:AlternateContent xmlns:mc="http://schemas.openxmlformats.org/markup-compatibility/2006">
-          <mc:Choice xmlns:a14="http://schemas.microsoft.com/office/drawing/2010/main" Requires="a14">
+        <mc:AlternateContent xmlns:mc="http://schemas.openxmlformats.org/markup-compatibility/2006" xmlns:a14="http://schemas.microsoft.com/office/drawing/2010/main">
+          <mc:Choice Requires="a14">
             <p:sp>
               <p:nvSpPr>
                 <p:cNvPr id="10" name="テキスト ボックス 9"/>
@@ -26113,6 +26118,7 @@
                   </a:endParaRPr>
                 </a:p>
                 <a:p>
+                  <a:pPr/>
                   <a14:m>
                     <m:oMathPara xmlns:m="http://schemas.openxmlformats.org/officeDocument/2006/math">
                       <m:oMathParaPr>
@@ -26162,7 +26168,7 @@
               </p:txBody>
             </p:sp>
           </mc:Choice>
-          <mc:Fallback>
+          <mc:Fallback xmlns="">
             <p:sp>
               <p:nvSpPr>
                 <p:cNvPr id="10" name="テキスト ボックス 9"/>
@@ -26201,8 +26207,8 @@
             </p:sp>
           </mc:Fallback>
         </mc:AlternateContent>
-        <mc:AlternateContent xmlns:mc="http://schemas.openxmlformats.org/markup-compatibility/2006">
-          <mc:Choice xmlns:a14="http://schemas.microsoft.com/office/drawing/2010/main" Requires="a14">
+        <mc:AlternateContent xmlns:mc="http://schemas.openxmlformats.org/markup-compatibility/2006" xmlns:a14="http://schemas.microsoft.com/office/drawing/2010/main">
+          <mc:Choice Requires="a14">
             <p:sp>
               <p:nvSpPr>
                 <p:cNvPr id="11" name="テキスト ボックス 10"/>
@@ -26259,6 +26265,7 @@
                   </a:endParaRPr>
                 </a:p>
                 <a:p>
+                  <a:pPr/>
                   <a14:m>
                     <m:oMathPara xmlns:m="http://schemas.openxmlformats.org/officeDocument/2006/math">
                       <m:oMathParaPr>
@@ -26308,7 +26315,7 @@
               </p:txBody>
             </p:sp>
           </mc:Choice>
-          <mc:Fallback>
+          <mc:Fallback xmlns="">
             <p:sp>
               <p:nvSpPr>
                 <p:cNvPr id="11" name="テキスト ボックス 10"/>
@@ -26470,8 +26477,8 @@
           </a:fontRef>
         </p:style>
       </p:cxnSp>
-      <mc:AlternateContent xmlns:mc="http://schemas.openxmlformats.org/markup-compatibility/2006">
-        <mc:Choice xmlns:a14="http://schemas.microsoft.com/office/drawing/2010/main" Requires="a14">
+      <mc:AlternateContent xmlns:mc="http://schemas.openxmlformats.org/markup-compatibility/2006" xmlns:a14="http://schemas.microsoft.com/office/drawing/2010/main">
+        <mc:Choice Requires="a14">
           <p:sp>
             <p:nvSpPr>
               <p:cNvPr id="20" name="正方形/長方形 19"/>
@@ -26569,7 +26576,7 @@
             </p:txBody>
           </p:sp>
         </mc:Choice>
-        <mc:Fallback>
+        <mc:Fallback xmlns="">
           <p:sp>
             <p:nvSpPr>
               <p:cNvPr id="20" name="正方形/長方形 19"/>
@@ -27903,8 +27910,8 @@
           </a:p>
         </p:txBody>
       </p:sp>
-      <mc:AlternateContent xmlns:mc="http://schemas.openxmlformats.org/markup-compatibility/2006">
-        <mc:Choice xmlns:a14="http://schemas.microsoft.com/office/drawing/2010/main" Requires="a14">
+      <mc:AlternateContent xmlns:mc="http://schemas.openxmlformats.org/markup-compatibility/2006" xmlns:a14="http://schemas.microsoft.com/office/drawing/2010/main">
+        <mc:Choice Requires="a14">
           <p:sp>
             <p:nvSpPr>
               <p:cNvPr id="3" name="コンテンツ プレースホルダー 2"/>
@@ -28058,7 +28065,7 @@
             </p:txBody>
           </p:sp>
         </mc:Choice>
-        <mc:Fallback>
+        <mc:Fallback xmlns="">
           <p:sp>
             <p:nvSpPr>
               <p:cNvPr id="3" name="コンテンツ プレースホルダー 2"/>
@@ -28148,19 +28155,7 @@
             </a:r>
             <a:r>
               <a:rPr lang="en-US" altLang="ja-JP" sz="900" dirty="0" smtClean="0"/>
-              <a:t>Hierarchical Change Point Detection on Dynamic Networks, WebSci’17</a:t>
-            </a:r>
-            <a:r>
-              <a:rPr lang="en-US" altLang="ja-JP" sz="900" dirty="0" smtClean="0"/>
-              <a:t>, p</a:t>
-            </a:r>
-            <a:r>
-              <a:rPr lang="en-US" altLang="ja-JP" sz="900" dirty="0" smtClean="0"/>
-              <a:t>171</a:t>
-            </a:r>
-            <a:r>
-              <a:rPr lang="en-US" altLang="ja-JP" sz="900" dirty="0" smtClean="0"/>
-              <a:t>–p180, 2017</a:t>
+              <a:t>Hierarchical Change Point Detection on Dynamic Networks, WebSci’17, p171–p180, 2017</a:t>
             </a:r>
             <a:endParaRPr kumimoji="1" lang="ja-JP" altLang="en-US" sz="900" dirty="0"/>
           </a:p>
@@ -28170,6 +28165,1550 @@
     <p:extLst>
       <p:ext uri="{BB962C8B-B14F-4D97-AF65-F5344CB8AC3E}">
         <p14:creationId xmlns:p14="http://schemas.microsoft.com/office/powerpoint/2010/main" val="1165229953"/>
+      </p:ext>
+    </p:extLst>
+  </p:cSld>
+  <p:clrMapOvr>
+    <a:masterClrMapping/>
+  </p:clrMapOvr>
+  <p:timing>
+    <p:tnLst>
+      <p:par>
+        <p:cTn id="1" dur="indefinite" restart="never" nodeType="tmRoot"/>
+      </p:par>
+    </p:tnLst>
+  </p:timing>
+</p:sld>
+</file>
+
+<file path=ppt/slides/slide22.xml><?xml version="1.0" encoding="utf-8"?>
+<p:sld xmlns:a="http://schemas.openxmlformats.org/drawingml/2006/main" xmlns:r="http://schemas.openxmlformats.org/officeDocument/2006/relationships" xmlns:p="http://schemas.openxmlformats.org/presentationml/2006/main">
+  <p:cSld>
+    <p:spTree>
+      <p:nvGrpSpPr>
+        <p:cNvPr id="1" name=""/>
+        <p:cNvGrpSpPr/>
+        <p:nvPr/>
+      </p:nvGrpSpPr>
+      <p:grpSpPr>
+        <a:xfrm>
+          <a:off x="0" y="0"/>
+          <a:ext cx="0" cy="0"/>
+          <a:chOff x="0" y="0"/>
+          <a:chExt cx="0" cy="0"/>
+        </a:xfrm>
+      </p:grpSpPr>
+      <p:sp>
+        <p:nvSpPr>
+          <p:cNvPr id="2" name="タイトル 1"/>
+          <p:cNvSpPr>
+            <a:spLocks noGrp="1"/>
+          </p:cNvSpPr>
+          <p:nvPr>
+            <p:ph type="title"/>
+          </p:nvPr>
+        </p:nvSpPr>
+        <p:spPr/>
+        <p:txBody>
+          <a:bodyPr/>
+          <a:lstStyle/>
+          <a:p>
+            <a:r>
+              <a:rPr lang="ja-JP" altLang="en-US" dirty="0" smtClean="0"/>
+              <a:t>方向性の確認</a:t>
+            </a:r>
+            <a:endParaRPr kumimoji="1" lang="ja-JP" altLang="en-US" dirty="0"/>
+          </a:p>
+        </p:txBody>
+      </p:sp>
+      <p:sp>
+        <p:nvSpPr>
+          <p:cNvPr id="3" name="コンテンツ プレースホルダー 2"/>
+          <p:cNvSpPr>
+            <a:spLocks noGrp="1"/>
+          </p:cNvSpPr>
+          <p:nvPr>
+            <p:ph idx="1"/>
+          </p:nvPr>
+        </p:nvSpPr>
+        <p:spPr>
+          <a:xfrm>
+            <a:off x="865682" y="1265382"/>
+            <a:ext cx="7821117" cy="5090967"/>
+          </a:xfrm>
+        </p:spPr>
+        <p:txBody>
+          <a:bodyPr/>
+          <a:lstStyle/>
+          <a:p>
+            <a:r>
+              <a:rPr kumimoji="1" lang="ja-JP" altLang="en-US" dirty="0" smtClean="0"/>
+              <a:t>現状の進捗</a:t>
+            </a:r>
+            <a:endParaRPr kumimoji="1" lang="ja-JP" altLang="en-US" dirty="0"/>
+          </a:p>
+        </p:txBody>
+      </p:sp>
+      <p:sp>
+        <p:nvSpPr>
+          <p:cNvPr id="4" name="スライド番号プレースホルダー 3"/>
+          <p:cNvSpPr>
+            <a:spLocks noGrp="1"/>
+          </p:cNvSpPr>
+          <p:nvPr>
+            <p:ph type="sldNum" sz="quarter" idx="10"/>
+          </p:nvPr>
+        </p:nvSpPr>
+        <p:spPr/>
+        <p:txBody>
+          <a:bodyPr/>
+          <a:lstStyle/>
+          <a:p>
+            <a:fld id="{B5523FDF-1079-0C47-BA65-E35310DA8E0F}" type="slidenum">
+              <a:rPr kumimoji="1" lang="ja-JP" altLang="en-US" smtClean="0"/>
+              <a:t>22</a:t>
+            </a:fld>
+            <a:endParaRPr kumimoji="1" lang="ja-JP" altLang="en-US"/>
+          </a:p>
+        </p:txBody>
+      </p:sp>
+      <p:sp>
+        <p:nvSpPr>
+          <p:cNvPr id="5" name="正方形/長方形 4"/>
+          <p:cNvSpPr/>
+          <p:nvPr/>
+        </p:nvSpPr>
+        <p:spPr>
+          <a:xfrm>
+            <a:off x="1071418" y="1810328"/>
+            <a:ext cx="7443932" cy="387928"/>
+          </a:xfrm>
+          <a:prstGeom prst="rect">
+            <a:avLst/>
+          </a:prstGeom>
+          <a:noFill/>
+          <a:ln w="38100">
+            <a:solidFill>
+              <a:srgbClr val="0070C0"/>
+            </a:solidFill>
+          </a:ln>
+          <a:effectLst/>
+        </p:spPr>
+        <p:style>
+          <a:lnRef idx="1">
+            <a:schemeClr val="accent1"/>
+          </a:lnRef>
+          <a:fillRef idx="3">
+            <a:schemeClr val="accent1"/>
+          </a:fillRef>
+          <a:effectRef idx="2">
+            <a:schemeClr val="accent1"/>
+          </a:effectRef>
+          <a:fontRef idx="minor">
+            <a:schemeClr val="lt1"/>
+          </a:fontRef>
+        </p:style>
+        <p:txBody>
+          <a:bodyPr rtlCol="0" anchor="ctr"/>
+          <a:lstStyle/>
+          <a:p>
+            <a:pPr algn="ctr"/>
+            <a:r>
+              <a:rPr kumimoji="1" lang="ja-JP" altLang="en-US" sz="2000" dirty="0" smtClean="0">
+                <a:solidFill>
+                  <a:schemeClr val="tx1"/>
+                </a:solidFill>
+              </a:rPr>
+              <a:t>コミュニティの決定（</a:t>
+            </a:r>
+            <a:r>
+              <a:rPr kumimoji="1" lang="en-US" altLang="ja-JP" sz="2000" dirty="0" smtClean="0">
+                <a:solidFill>
+                  <a:schemeClr val="tx1"/>
+                </a:solidFill>
+              </a:rPr>
+              <a:t>Louvain</a:t>
+            </a:r>
+            <a:r>
+              <a:rPr kumimoji="1" lang="ja-JP" altLang="en-US" sz="2000" dirty="0" smtClean="0">
+                <a:solidFill>
+                  <a:schemeClr val="tx1"/>
+                </a:solidFill>
+              </a:rPr>
+              <a:t>法、重みありグラフ、距離ベース）</a:t>
+            </a:r>
+            <a:endParaRPr kumimoji="1" lang="ja-JP" altLang="en-US" sz="2000" dirty="0">
+              <a:solidFill>
+                <a:schemeClr val="tx1"/>
+              </a:solidFill>
+            </a:endParaRPr>
+          </a:p>
+        </p:txBody>
+      </p:sp>
+      <p:sp>
+        <p:nvSpPr>
+          <p:cNvPr id="6" name="正方形/長方形 5"/>
+          <p:cNvSpPr/>
+          <p:nvPr/>
+        </p:nvSpPr>
+        <p:spPr>
+          <a:xfrm>
+            <a:off x="1071418" y="2709997"/>
+            <a:ext cx="7443932" cy="387928"/>
+          </a:xfrm>
+          <a:prstGeom prst="rect">
+            <a:avLst/>
+          </a:prstGeom>
+          <a:noFill/>
+          <a:ln w="38100">
+            <a:solidFill>
+              <a:srgbClr val="0070C0"/>
+            </a:solidFill>
+          </a:ln>
+          <a:effectLst/>
+        </p:spPr>
+        <p:style>
+          <a:lnRef idx="1">
+            <a:schemeClr val="accent1"/>
+          </a:lnRef>
+          <a:fillRef idx="3">
+            <a:schemeClr val="accent1"/>
+          </a:fillRef>
+          <a:effectRef idx="2">
+            <a:schemeClr val="accent1"/>
+          </a:effectRef>
+          <a:fontRef idx="minor">
+            <a:schemeClr val="lt1"/>
+          </a:fontRef>
+        </p:style>
+        <p:txBody>
+          <a:bodyPr rtlCol="0" anchor="ctr"/>
+          <a:lstStyle/>
+          <a:p>
+            <a:pPr algn="ctr"/>
+            <a:r>
+              <a:rPr kumimoji="1" lang="ja-JP" altLang="en-US" sz="2000" dirty="0" smtClean="0">
+                <a:solidFill>
+                  <a:schemeClr val="tx1"/>
+                </a:solidFill>
+              </a:rPr>
+              <a:t>コミュニティの変化点検出（</a:t>
+            </a:r>
+            <a:r>
+              <a:rPr lang="ja-JP" altLang="en-US" sz="2000" dirty="0" smtClean="0">
+                <a:solidFill>
+                  <a:schemeClr val="tx1"/>
+                </a:solidFill>
+              </a:rPr>
+              <a:t>ネイマン・ピアソン決定則、</a:t>
+            </a:r>
+            <a:r>
+              <a:rPr lang="en-US" altLang="ja-JP" sz="2000" dirty="0" smtClean="0">
+                <a:solidFill>
+                  <a:schemeClr val="tx1"/>
+                </a:solidFill>
+              </a:rPr>
+              <a:t>Poisson</a:t>
+            </a:r>
+            <a:r>
+              <a:rPr lang="ja-JP" altLang="en-US" sz="2000" dirty="0" smtClean="0">
+                <a:solidFill>
+                  <a:schemeClr val="tx1"/>
+                </a:solidFill>
+              </a:rPr>
+              <a:t>分布</a:t>
+            </a:r>
+            <a:r>
+              <a:rPr kumimoji="1" lang="ja-JP" altLang="en-US" sz="2000" dirty="0" smtClean="0">
+                <a:solidFill>
+                  <a:schemeClr val="tx1"/>
+                </a:solidFill>
+              </a:rPr>
+              <a:t>）</a:t>
+            </a:r>
+            <a:endParaRPr kumimoji="1" lang="ja-JP" altLang="en-US" sz="2000" dirty="0">
+              <a:solidFill>
+                <a:schemeClr val="tx1"/>
+              </a:solidFill>
+            </a:endParaRPr>
+          </a:p>
+        </p:txBody>
+      </p:sp>
+      <p:cxnSp>
+        <p:nvCxnSpPr>
+          <p:cNvPr id="8" name="直線矢印コネクタ 7"/>
+          <p:cNvCxnSpPr>
+            <a:stCxn id="5" idx="2"/>
+            <a:endCxn id="6" idx="0"/>
+          </p:cNvCxnSpPr>
+          <p:nvPr/>
+        </p:nvCxnSpPr>
+        <p:spPr>
+          <a:xfrm>
+            <a:off x="4793384" y="2198256"/>
+            <a:ext cx="0" cy="511741"/>
+          </a:xfrm>
+          <a:prstGeom prst="straightConnector1">
+            <a:avLst/>
+          </a:prstGeom>
+          <a:ln>
+            <a:solidFill>
+              <a:srgbClr val="0070C0"/>
+            </a:solidFill>
+            <a:tailEnd type="triangle"/>
+          </a:ln>
+        </p:spPr>
+        <p:style>
+          <a:lnRef idx="2">
+            <a:schemeClr val="accent1"/>
+          </a:lnRef>
+          <a:fillRef idx="0">
+            <a:schemeClr val="accent1"/>
+          </a:fillRef>
+          <a:effectRef idx="1">
+            <a:schemeClr val="accent1"/>
+          </a:effectRef>
+          <a:fontRef idx="minor">
+            <a:schemeClr val="tx1"/>
+          </a:fontRef>
+        </p:style>
+      </p:cxnSp>
+      <p:grpSp>
+        <p:nvGrpSpPr>
+          <p:cNvPr id="40" name="グループ化 39"/>
+          <p:cNvGrpSpPr/>
+          <p:nvPr/>
+        </p:nvGrpSpPr>
+        <p:grpSpPr>
+          <a:xfrm>
+            <a:off x="2456873" y="3097925"/>
+            <a:ext cx="4756727" cy="966075"/>
+            <a:chOff x="2456873" y="3097925"/>
+            <a:chExt cx="4756727" cy="966075"/>
+          </a:xfrm>
+        </p:grpSpPr>
+        <p:cxnSp>
+          <p:nvCxnSpPr>
+            <p:cNvPr id="32" name="直線コネクタ 31"/>
+            <p:cNvCxnSpPr>
+              <a:stCxn id="6" idx="2"/>
+            </p:cNvCxnSpPr>
+            <p:nvPr/>
+          </p:nvCxnSpPr>
+          <p:spPr>
+            <a:xfrm>
+              <a:off x="4793384" y="3097925"/>
+              <a:ext cx="0" cy="458075"/>
+            </a:xfrm>
+            <a:prstGeom prst="line">
+              <a:avLst/>
+            </a:prstGeom>
+            <a:ln>
+              <a:solidFill>
+                <a:srgbClr val="FF0000"/>
+              </a:solidFill>
+            </a:ln>
+          </p:spPr>
+          <p:style>
+            <a:lnRef idx="2">
+              <a:schemeClr val="accent1"/>
+            </a:lnRef>
+            <a:fillRef idx="0">
+              <a:schemeClr val="accent1"/>
+            </a:fillRef>
+            <a:effectRef idx="1">
+              <a:schemeClr val="accent1"/>
+            </a:effectRef>
+            <a:fontRef idx="minor">
+              <a:schemeClr val="tx1"/>
+            </a:fontRef>
+          </p:style>
+        </p:cxnSp>
+        <p:cxnSp>
+          <p:nvCxnSpPr>
+            <p:cNvPr id="36" name="直線コネクタ 35"/>
+            <p:cNvCxnSpPr/>
+            <p:nvPr/>
+          </p:nvCxnSpPr>
+          <p:spPr>
+            <a:xfrm>
+              <a:off x="2456873" y="3556000"/>
+              <a:ext cx="4756727" cy="0"/>
+            </a:xfrm>
+            <a:prstGeom prst="line">
+              <a:avLst/>
+            </a:prstGeom>
+            <a:ln>
+              <a:solidFill>
+                <a:srgbClr val="FF0000"/>
+              </a:solidFill>
+            </a:ln>
+          </p:spPr>
+          <p:style>
+            <a:lnRef idx="2">
+              <a:schemeClr val="accent1"/>
+            </a:lnRef>
+            <a:fillRef idx="0">
+              <a:schemeClr val="accent1"/>
+            </a:fillRef>
+            <a:effectRef idx="1">
+              <a:schemeClr val="accent1"/>
+            </a:effectRef>
+            <a:fontRef idx="minor">
+              <a:schemeClr val="tx1"/>
+            </a:fontRef>
+          </p:style>
+        </p:cxnSp>
+        <p:cxnSp>
+          <p:nvCxnSpPr>
+            <p:cNvPr id="38" name="直線矢印コネクタ 37"/>
+            <p:cNvCxnSpPr/>
+            <p:nvPr/>
+          </p:nvCxnSpPr>
+          <p:spPr>
+            <a:xfrm>
+              <a:off x="2456873" y="3556000"/>
+              <a:ext cx="0" cy="508000"/>
+            </a:xfrm>
+            <a:prstGeom prst="straightConnector1">
+              <a:avLst/>
+            </a:prstGeom>
+            <a:ln>
+              <a:solidFill>
+                <a:srgbClr val="FF0000"/>
+              </a:solidFill>
+              <a:tailEnd type="triangle"/>
+            </a:ln>
+          </p:spPr>
+          <p:style>
+            <a:lnRef idx="2">
+              <a:schemeClr val="accent1"/>
+            </a:lnRef>
+            <a:fillRef idx="0">
+              <a:schemeClr val="accent1"/>
+            </a:fillRef>
+            <a:effectRef idx="1">
+              <a:schemeClr val="accent1"/>
+            </a:effectRef>
+            <a:fontRef idx="minor">
+              <a:schemeClr val="tx1"/>
+            </a:fontRef>
+          </p:style>
+        </p:cxnSp>
+        <p:cxnSp>
+          <p:nvCxnSpPr>
+            <p:cNvPr id="39" name="直線矢印コネクタ 38"/>
+            <p:cNvCxnSpPr/>
+            <p:nvPr/>
+          </p:nvCxnSpPr>
+          <p:spPr>
+            <a:xfrm>
+              <a:off x="7213600" y="3556000"/>
+              <a:ext cx="0" cy="508000"/>
+            </a:xfrm>
+            <a:prstGeom prst="straightConnector1">
+              <a:avLst/>
+            </a:prstGeom>
+            <a:ln>
+              <a:solidFill>
+                <a:srgbClr val="FF0000"/>
+              </a:solidFill>
+              <a:tailEnd type="triangle"/>
+            </a:ln>
+          </p:spPr>
+          <p:style>
+            <a:lnRef idx="2">
+              <a:schemeClr val="accent1"/>
+            </a:lnRef>
+            <a:fillRef idx="0">
+              <a:schemeClr val="accent1"/>
+            </a:fillRef>
+            <a:effectRef idx="1">
+              <a:schemeClr val="accent1"/>
+            </a:effectRef>
+            <a:fontRef idx="minor">
+              <a:schemeClr val="tx1"/>
+            </a:fontRef>
+          </p:style>
+        </p:cxnSp>
+      </p:grpSp>
+      <p:sp>
+        <p:nvSpPr>
+          <p:cNvPr id="41" name="正方形/長方形 40"/>
+          <p:cNvSpPr/>
+          <p:nvPr/>
+        </p:nvSpPr>
+        <p:spPr>
+          <a:xfrm>
+            <a:off x="835891" y="4080591"/>
+            <a:ext cx="3241964" cy="2033882"/>
+          </a:xfrm>
+          <a:prstGeom prst="rect">
+            <a:avLst/>
+          </a:prstGeom>
+          <a:noFill/>
+          <a:ln w="38100">
+            <a:solidFill>
+              <a:srgbClr val="FF0000"/>
+            </a:solidFill>
+          </a:ln>
+          <a:effectLst/>
+        </p:spPr>
+        <p:style>
+          <a:lnRef idx="1">
+            <a:schemeClr val="accent1"/>
+          </a:lnRef>
+          <a:fillRef idx="3">
+            <a:schemeClr val="accent1"/>
+          </a:fillRef>
+          <a:effectRef idx="2">
+            <a:schemeClr val="accent1"/>
+          </a:effectRef>
+          <a:fontRef idx="minor">
+            <a:schemeClr val="lt1"/>
+          </a:fontRef>
+        </p:style>
+        <p:txBody>
+          <a:bodyPr rtlCol="0" anchor="ctr"/>
+          <a:lstStyle/>
+          <a:p>
+            <a:pPr algn="ctr"/>
+            <a:r>
+              <a:rPr kumimoji="1" lang="ja-JP" altLang="en-US" sz="2000" dirty="0" smtClean="0">
+                <a:ln w="0"/>
+                <a:solidFill>
+                  <a:schemeClr val="tx1"/>
+                </a:solidFill>
+              </a:rPr>
+              <a:t>コミュニティ構造に着目した特徴量作成による異常検知</a:t>
+            </a:r>
+            <a:endParaRPr kumimoji="1" lang="en-US" altLang="ja-JP" sz="2000" dirty="0" smtClean="0">
+              <a:ln w="0"/>
+              <a:solidFill>
+                <a:schemeClr val="tx1"/>
+              </a:solidFill>
+            </a:endParaRPr>
+          </a:p>
+          <a:p>
+            <a:pPr algn="ctr"/>
+            <a:r>
+              <a:rPr lang="ja-JP" altLang="en-US" sz="2000" dirty="0" smtClean="0">
+                <a:ln w="0"/>
+                <a:solidFill>
+                  <a:schemeClr val="tx1"/>
+                </a:solidFill>
+              </a:rPr>
+              <a:t>（コミュニティ</a:t>
+            </a:r>
+            <a:r>
+              <a:rPr lang="ja-JP" altLang="en-US" sz="2000" dirty="0">
+                <a:ln w="0"/>
+                <a:solidFill>
+                  <a:schemeClr val="tx1"/>
+                </a:solidFill>
+              </a:rPr>
+              <a:t>の</a:t>
+            </a:r>
+            <a:r>
+              <a:rPr lang="ja-JP" altLang="en-US" sz="2000" dirty="0" smtClean="0">
+                <a:ln w="0"/>
+                <a:solidFill>
+                  <a:schemeClr val="tx1"/>
+                </a:solidFill>
+              </a:rPr>
+              <a:t>孤立度</a:t>
+            </a:r>
+            <a:endParaRPr lang="en-US" altLang="ja-JP" sz="2000" dirty="0" smtClean="0">
+              <a:ln w="0"/>
+              <a:solidFill>
+                <a:schemeClr val="tx1"/>
+              </a:solidFill>
+            </a:endParaRPr>
+          </a:p>
+          <a:p>
+            <a:pPr algn="ctr"/>
+            <a:r>
+              <a:rPr lang="ja-JP" altLang="en-US" sz="2000" dirty="0" smtClean="0">
+                <a:ln w="0"/>
+                <a:solidFill>
+                  <a:schemeClr val="tx1"/>
+                </a:solidFill>
+              </a:rPr>
+              <a:t>コミュニティ内密度）</a:t>
+            </a:r>
+            <a:endParaRPr kumimoji="1" lang="ja-JP" altLang="en-US" sz="2000" dirty="0">
+              <a:ln w="0"/>
+              <a:solidFill>
+                <a:schemeClr val="tx1"/>
+              </a:solidFill>
+            </a:endParaRPr>
+          </a:p>
+        </p:txBody>
+      </p:sp>
+      <p:sp>
+        <p:nvSpPr>
+          <p:cNvPr id="42" name="正方形/長方形 41"/>
+          <p:cNvSpPr/>
+          <p:nvPr/>
+        </p:nvSpPr>
+        <p:spPr>
+          <a:xfrm>
+            <a:off x="5592618" y="4092564"/>
+            <a:ext cx="3241964" cy="2033882"/>
+          </a:xfrm>
+          <a:prstGeom prst="rect">
+            <a:avLst/>
+          </a:prstGeom>
+          <a:noFill/>
+          <a:ln w="38100">
+            <a:solidFill>
+              <a:srgbClr val="FF0000"/>
+            </a:solidFill>
+          </a:ln>
+          <a:effectLst/>
+        </p:spPr>
+        <p:style>
+          <a:lnRef idx="1">
+            <a:schemeClr val="accent1"/>
+          </a:lnRef>
+          <a:fillRef idx="3">
+            <a:schemeClr val="accent1"/>
+          </a:fillRef>
+          <a:effectRef idx="2">
+            <a:schemeClr val="accent1"/>
+          </a:effectRef>
+          <a:fontRef idx="minor">
+            <a:schemeClr val="lt1"/>
+          </a:fontRef>
+        </p:style>
+        <p:txBody>
+          <a:bodyPr rtlCol="0" anchor="ctr"/>
+          <a:lstStyle/>
+          <a:p>
+            <a:pPr algn="ctr"/>
+            <a:r>
+              <a:rPr lang="ja-JP" altLang="en-US" sz="2000" dirty="0" smtClean="0">
+                <a:ln w="0"/>
+                <a:solidFill>
+                  <a:schemeClr val="tx1"/>
+                </a:solidFill>
+              </a:rPr>
+              <a:t>クラスタリングによる行動の</a:t>
+            </a:r>
+            <a:endParaRPr lang="en-US" altLang="ja-JP" sz="2000" dirty="0" smtClean="0">
+              <a:ln w="0"/>
+              <a:solidFill>
+                <a:schemeClr val="tx1"/>
+              </a:solidFill>
+            </a:endParaRPr>
+          </a:p>
+          <a:p>
+            <a:pPr algn="ctr"/>
+            <a:r>
+              <a:rPr lang="en-US" altLang="ja-JP" sz="2000" dirty="0" smtClean="0">
+                <a:ln w="0"/>
+                <a:solidFill>
+                  <a:schemeClr val="tx1"/>
+                </a:solidFill>
+              </a:rPr>
+              <a:t>3</a:t>
+            </a:r>
+            <a:r>
+              <a:rPr lang="ja-JP" altLang="en-US" sz="2000" dirty="0" smtClean="0">
+                <a:ln w="0"/>
+                <a:solidFill>
+                  <a:schemeClr val="tx1"/>
+                </a:solidFill>
+              </a:rPr>
+              <a:t>値分類による</a:t>
+            </a:r>
+            <a:endParaRPr lang="en-US" altLang="ja-JP" sz="2000" dirty="0" smtClean="0">
+              <a:ln w="0"/>
+              <a:solidFill>
+                <a:schemeClr val="tx1"/>
+              </a:solidFill>
+            </a:endParaRPr>
+          </a:p>
+          <a:p>
+            <a:pPr algn="ctr"/>
+            <a:r>
+              <a:rPr lang="ja-JP" altLang="en-US" sz="2000" dirty="0" smtClean="0">
+                <a:ln w="0"/>
+                <a:solidFill>
+                  <a:schemeClr val="tx1"/>
+                </a:solidFill>
+              </a:rPr>
+              <a:t>インタラクション推定</a:t>
+            </a:r>
+            <a:endParaRPr kumimoji="1" lang="en-US" altLang="ja-JP" sz="2000" dirty="0" smtClean="0">
+              <a:ln w="0"/>
+              <a:solidFill>
+                <a:schemeClr val="tx1"/>
+              </a:solidFill>
+            </a:endParaRPr>
+          </a:p>
+          <a:p>
+            <a:pPr algn="ctr"/>
+            <a:r>
+              <a:rPr kumimoji="1" lang="en-US" altLang="ja-JP" sz="2000" dirty="0" smtClean="0">
+                <a:ln w="0"/>
+                <a:solidFill>
+                  <a:schemeClr val="tx1"/>
+                </a:solidFill>
+              </a:rPr>
+              <a:t>(Gaussian</a:t>
+            </a:r>
+            <a:r>
+              <a:rPr lang="en-US" altLang="ja-JP" sz="2000" dirty="0" smtClean="0">
+                <a:ln w="0"/>
+                <a:solidFill>
+                  <a:schemeClr val="tx1"/>
+                </a:solidFill>
+              </a:rPr>
+              <a:t>-</a:t>
+            </a:r>
+            <a:r>
+              <a:rPr kumimoji="1" lang="en-US" altLang="ja-JP" sz="2000" dirty="0" smtClean="0">
+                <a:ln w="0"/>
+                <a:solidFill>
+                  <a:schemeClr val="tx1"/>
+                </a:solidFill>
+              </a:rPr>
+              <a:t>LDA)</a:t>
+            </a:r>
+            <a:endParaRPr kumimoji="1" lang="ja-JP" altLang="en-US" sz="2000" dirty="0">
+              <a:ln w="0"/>
+              <a:solidFill>
+                <a:schemeClr val="tx1"/>
+              </a:solidFill>
+            </a:endParaRPr>
+          </a:p>
+        </p:txBody>
+      </p:sp>
+    </p:spTree>
+    <p:extLst>
+      <p:ext uri="{BB962C8B-B14F-4D97-AF65-F5344CB8AC3E}">
+        <p14:creationId xmlns:p14="http://schemas.microsoft.com/office/powerpoint/2010/main" val="1696161748"/>
+      </p:ext>
+    </p:extLst>
+  </p:cSld>
+  <p:clrMapOvr>
+    <a:masterClrMapping/>
+  </p:clrMapOvr>
+  <p:timing>
+    <p:tnLst>
+      <p:par>
+        <p:cTn id="1" dur="indefinite" restart="never" nodeType="tmRoot"/>
+      </p:par>
+    </p:tnLst>
+  </p:timing>
+</p:sld>
+</file>
+
+<file path=ppt/slides/slide23.xml><?xml version="1.0" encoding="utf-8"?>
+<p:sld xmlns:a="http://schemas.openxmlformats.org/drawingml/2006/main" xmlns:r="http://schemas.openxmlformats.org/officeDocument/2006/relationships" xmlns:p="http://schemas.openxmlformats.org/presentationml/2006/main">
+  <p:cSld>
+    <p:spTree>
+      <p:nvGrpSpPr>
+        <p:cNvPr id="1" name=""/>
+        <p:cNvGrpSpPr/>
+        <p:nvPr/>
+      </p:nvGrpSpPr>
+      <p:grpSpPr>
+        <a:xfrm>
+          <a:off x="0" y="0"/>
+          <a:ext cx="0" cy="0"/>
+          <a:chOff x="0" y="0"/>
+          <a:chExt cx="0" cy="0"/>
+        </a:xfrm>
+      </p:grpSpPr>
+      <p:sp>
+        <p:nvSpPr>
+          <p:cNvPr id="2" name="タイトル 1"/>
+          <p:cNvSpPr>
+            <a:spLocks noGrp="1"/>
+          </p:cNvSpPr>
+          <p:nvPr>
+            <p:ph type="title"/>
+          </p:nvPr>
+        </p:nvSpPr>
+        <p:spPr/>
+        <p:txBody>
+          <a:bodyPr/>
+          <a:lstStyle/>
+          <a:p>
+            <a:r>
+              <a:rPr lang="ja-JP" altLang="en-US" dirty="0" smtClean="0"/>
+              <a:t>コミュニティの孤立度と密度</a:t>
+            </a:r>
+            <a:endParaRPr kumimoji="1" lang="ja-JP" altLang="en-US" dirty="0"/>
+          </a:p>
+        </p:txBody>
+      </p:sp>
+      <mc:AlternateContent xmlns:mc="http://schemas.openxmlformats.org/markup-compatibility/2006">
+        <mc:Choice xmlns:a14="http://schemas.microsoft.com/office/drawing/2010/main" Requires="a14">
+          <p:sp>
+            <p:nvSpPr>
+              <p:cNvPr id="3" name="コンテンツ プレースホルダー 2"/>
+              <p:cNvSpPr>
+                <a:spLocks noGrp="1"/>
+              </p:cNvSpPr>
+              <p:nvPr>
+                <p:ph idx="1"/>
+              </p:nvPr>
+            </p:nvSpPr>
+            <p:spPr>
+              <a:xfrm>
+                <a:off x="865682" y="1311564"/>
+                <a:ext cx="7216136" cy="5044785"/>
+              </a:xfrm>
+            </p:spPr>
+            <p:txBody>
+              <a:bodyPr/>
+              <a:lstStyle/>
+              <a:p>
+                <a:r>
+                  <a:rPr kumimoji="1" lang="ja-JP" altLang="en-US" dirty="0" smtClean="0"/>
+                  <a:t>孤立度</a:t>
+                </a:r>
+                <a:endParaRPr kumimoji="1" lang="en-US" altLang="ja-JP" dirty="0" smtClean="0"/>
+              </a:p>
+              <a:p>
+                <a:pPr lvl="1"/>
+                <a:r>
+                  <a:rPr kumimoji="1" lang="ja-JP" altLang="en-US" dirty="0" smtClean="0"/>
+                  <a:t>あるコミュニティ</a:t>
+                </a:r>
+                <a14:m>
+                  <m:oMath xmlns:m="http://schemas.openxmlformats.org/officeDocument/2006/math">
+                    <m:r>
+                      <a:rPr kumimoji="1" lang="en-US" altLang="ja-JP" b="0" i="1" smtClean="0">
+                        <a:latin typeface="Cambria Math" panose="02040503050406030204" pitchFamily="18" charset="0"/>
+                      </a:rPr>
+                      <m:t>𝐶</m:t>
+                    </m:r>
+                  </m:oMath>
+                </a14:m>
+                <a:r>
+                  <a:rPr kumimoji="1" lang="ja-JP" altLang="en-US" dirty="0" smtClean="0"/>
+                  <a:t>に対して，</a:t>
+                </a:r>
+                <a:endParaRPr kumimoji="1" lang="en-US" altLang="ja-JP" dirty="0" smtClean="0"/>
+              </a:p>
+              <a:p>
+                <a:pPr marL="300038" lvl="1" indent="0">
+                  <a:buNone/>
+                </a:pPr>
+                <a14:m>
+                  <m:oMathPara xmlns:m="http://schemas.openxmlformats.org/officeDocument/2006/math">
+                    <m:oMathParaPr>
+                      <m:jc m:val="centerGroup"/>
+                    </m:oMathParaPr>
+                    <m:oMath xmlns:m="http://schemas.openxmlformats.org/officeDocument/2006/math">
+                      <m:r>
+                        <a:rPr lang="ja-JP" altLang="en-US" i="1" dirty="0">
+                          <a:latin typeface="Cambria Math" panose="02040503050406030204" pitchFamily="18" charset="0"/>
+                        </a:rPr>
+                        <m:t>孤立度</m:t>
+                      </m:r>
+                      <m:r>
+                        <a:rPr lang="en-US" altLang="ja-JP" b="0" i="0" dirty="0" smtClean="0">
+                          <a:latin typeface="Cambria Math" panose="02040503050406030204" pitchFamily="18" charset="0"/>
+                        </a:rPr>
+                        <m:t> </m:t>
+                      </m:r>
+                      <m:sSub>
+                        <m:sSubPr>
+                          <m:ctrlPr>
+                            <a:rPr lang="en-US" altLang="ja-JP" b="0" i="1" dirty="0" smtClean="0">
+                              <a:latin typeface="Cambria Math" panose="02040503050406030204" pitchFamily="18" charset="0"/>
+                            </a:rPr>
+                          </m:ctrlPr>
+                        </m:sSubPr>
+                        <m:e>
+                          <m:r>
+                            <a:rPr lang="en-US" altLang="ja-JP" b="0" i="1" dirty="0" smtClean="0">
+                              <a:latin typeface="Cambria Math" panose="02040503050406030204" pitchFamily="18" charset="0"/>
+                            </a:rPr>
+                            <m:t>𝐼</m:t>
+                          </m:r>
+                        </m:e>
+                        <m:sub>
+                          <m:r>
+                            <a:rPr lang="en-US" altLang="ja-JP" b="0" i="1" dirty="0" smtClean="0">
+                              <a:latin typeface="Cambria Math" panose="02040503050406030204" pitchFamily="18" charset="0"/>
+                            </a:rPr>
+                            <m:t>𝑐</m:t>
+                          </m:r>
+                        </m:sub>
+                      </m:sSub>
+                      <m:r>
+                        <a:rPr lang="en-US" altLang="ja-JP" b="0" i="1" dirty="0" smtClean="0">
+                          <a:latin typeface="Cambria Math" panose="02040503050406030204" pitchFamily="18" charset="0"/>
+                        </a:rPr>
+                        <m:t>=</m:t>
+                      </m:r>
+                      <m:f>
+                        <m:fPr>
+                          <m:ctrlPr>
+                            <a:rPr lang="en-US" altLang="ja-JP" b="0" i="1" dirty="0" smtClean="0">
+                              <a:latin typeface="Cambria Math" panose="02040503050406030204" pitchFamily="18" charset="0"/>
+                            </a:rPr>
+                          </m:ctrlPr>
+                        </m:fPr>
+                        <m:num>
+                          <m:sSub>
+                            <m:sSubPr>
+                              <m:ctrlPr>
+                                <a:rPr lang="en-US" altLang="ja-JP" b="0" i="1" dirty="0" smtClean="0">
+                                  <a:latin typeface="Cambria Math" panose="02040503050406030204" pitchFamily="18" charset="0"/>
+                                </a:rPr>
+                              </m:ctrlPr>
+                            </m:sSubPr>
+                            <m:e>
+                              <m:r>
+                                <m:rPr>
+                                  <m:sty m:val="p"/>
+                                </m:rPr>
+                                <a:rPr lang="el-GR" altLang="ja-JP" b="0" i="1" dirty="0" smtClean="0">
+                                  <a:latin typeface="Cambria Math" panose="02040503050406030204" pitchFamily="18" charset="0"/>
+                                  <a:ea typeface="Cambria Math" panose="02040503050406030204" pitchFamily="18" charset="0"/>
+                                </a:rPr>
+                                <m:t>Σ</m:t>
+                              </m:r>
+                            </m:e>
+                            <m:sub>
+                              <m:r>
+                                <a:rPr lang="en-US" altLang="ja-JP" b="0" i="1" dirty="0" smtClean="0">
+                                  <a:latin typeface="Cambria Math" panose="02040503050406030204" pitchFamily="18" charset="0"/>
+                                </a:rPr>
+                                <m:t>𝑡𝑖𝑛</m:t>
+                              </m:r>
+                            </m:sub>
+                          </m:sSub>
+                        </m:num>
+                        <m:den>
+                          <m:sSub>
+                            <m:sSubPr>
+                              <m:ctrlPr>
+                                <a:rPr lang="en-US" altLang="ja-JP" i="1" dirty="0">
+                                  <a:latin typeface="Cambria Math" panose="02040503050406030204" pitchFamily="18" charset="0"/>
+                                </a:rPr>
+                              </m:ctrlPr>
+                            </m:sSubPr>
+                            <m:e>
+                              <m:r>
+                                <m:rPr>
+                                  <m:sty m:val="p"/>
+                                </m:rPr>
+                                <a:rPr lang="el-GR" altLang="ja-JP" i="1" dirty="0">
+                                  <a:latin typeface="Cambria Math" panose="02040503050406030204" pitchFamily="18" charset="0"/>
+                                  <a:ea typeface="Cambria Math" panose="02040503050406030204" pitchFamily="18" charset="0"/>
+                                </a:rPr>
+                                <m:t>Σ</m:t>
+                              </m:r>
+                            </m:e>
+                            <m:sub>
+                              <m:r>
+                                <a:rPr lang="en-US" altLang="ja-JP" i="1" dirty="0">
+                                  <a:latin typeface="Cambria Math" panose="02040503050406030204" pitchFamily="18" charset="0"/>
+                                </a:rPr>
+                                <m:t>𝑡</m:t>
+                              </m:r>
+                              <m:r>
+                                <a:rPr lang="en-US" altLang="ja-JP" b="0" i="1" dirty="0" smtClean="0">
+                                  <a:latin typeface="Cambria Math" panose="02040503050406030204" pitchFamily="18" charset="0"/>
+                                </a:rPr>
+                                <m:t>𝑜𝑡</m:t>
+                              </m:r>
+                            </m:sub>
+                          </m:sSub>
+                        </m:den>
+                      </m:f>
+                      <m:r>
+                        <a:rPr lang="en-US" altLang="ja-JP" b="0" i="1" dirty="0" smtClean="0">
+                          <a:latin typeface="Cambria Math" panose="02040503050406030204" pitchFamily="18" charset="0"/>
+                        </a:rPr>
+                        <m:t>, </m:t>
+                      </m:r>
+                    </m:oMath>
+                  </m:oMathPara>
+                </a14:m>
+                <a:endParaRPr lang="en-US" altLang="ja-JP" b="0" dirty="0" smtClean="0"/>
+              </a:p>
+              <a:p>
+                <a:pPr marL="300038" lvl="1" indent="0">
+                  <a:buNone/>
+                </a:pPr>
+                <a14:m>
+                  <m:oMath xmlns:m="http://schemas.openxmlformats.org/officeDocument/2006/math">
+                    <m:sSub>
+                      <m:sSubPr>
+                        <m:ctrlPr>
+                          <a:rPr lang="en-US" altLang="ja-JP" i="1" dirty="0">
+                            <a:latin typeface="Cambria Math" panose="02040503050406030204" pitchFamily="18" charset="0"/>
+                          </a:rPr>
+                        </m:ctrlPr>
+                      </m:sSubPr>
+                      <m:e>
+                        <m:r>
+                          <m:rPr>
+                            <m:sty m:val="p"/>
+                          </m:rPr>
+                          <a:rPr lang="el-GR" altLang="ja-JP" i="1" dirty="0">
+                            <a:latin typeface="Cambria Math" panose="02040503050406030204" pitchFamily="18" charset="0"/>
+                            <a:ea typeface="Cambria Math" panose="02040503050406030204" pitchFamily="18" charset="0"/>
+                          </a:rPr>
+                          <m:t>Σ</m:t>
+                        </m:r>
+                      </m:e>
+                      <m:sub>
+                        <m:r>
+                          <a:rPr lang="en-US" altLang="ja-JP" i="1" dirty="0">
+                            <a:latin typeface="Cambria Math" panose="02040503050406030204" pitchFamily="18" charset="0"/>
+                          </a:rPr>
+                          <m:t>𝑡𝑖𝑛</m:t>
+                        </m:r>
+                      </m:sub>
+                    </m:sSub>
+                    <m:r>
+                      <a:rPr lang="en-US" altLang="ja-JP" b="0" i="1" dirty="0" smtClean="0">
+                        <a:latin typeface="Cambria Math" panose="02040503050406030204" pitchFamily="18" charset="0"/>
+                      </a:rPr>
+                      <m:t>:</m:t>
+                    </m:r>
+                    <m:r>
+                      <a:rPr lang="en-US" altLang="ja-JP" i="1" dirty="0">
+                        <a:latin typeface="Cambria Math" panose="02040503050406030204" pitchFamily="18" charset="0"/>
+                      </a:rPr>
+                      <m:t>𝐶</m:t>
+                    </m:r>
+                  </m:oMath>
+                </a14:m>
+                <a:r>
+                  <a:rPr kumimoji="1" lang="ja-JP" altLang="en-US" dirty="0" smtClean="0"/>
+                  <a:t>のインナーエッジの重みの総和</a:t>
+                </a:r>
+                <a:r>
+                  <a:rPr kumimoji="1" lang="en-US" altLang="ja-JP" dirty="0" smtClean="0"/>
+                  <a:t>, </a:t>
+                </a:r>
+              </a:p>
+              <a:p>
+                <a:pPr marL="300038" lvl="1" indent="0">
+                  <a:buNone/>
+                </a:pPr>
+                <a14:m>
+                  <m:oMath xmlns:m="http://schemas.openxmlformats.org/officeDocument/2006/math">
+                    <m:sSub>
+                      <m:sSubPr>
+                        <m:ctrlPr>
+                          <a:rPr lang="en-US" altLang="ja-JP" i="1" dirty="0">
+                            <a:latin typeface="Cambria Math" panose="02040503050406030204" pitchFamily="18" charset="0"/>
+                          </a:rPr>
+                        </m:ctrlPr>
+                      </m:sSubPr>
+                      <m:e>
+                        <m:r>
+                          <m:rPr>
+                            <m:sty m:val="p"/>
+                          </m:rPr>
+                          <a:rPr lang="el-GR" altLang="ja-JP" i="1" dirty="0">
+                            <a:latin typeface="Cambria Math" panose="02040503050406030204" pitchFamily="18" charset="0"/>
+                            <a:ea typeface="Cambria Math" panose="02040503050406030204" pitchFamily="18" charset="0"/>
+                          </a:rPr>
+                          <m:t>Σ</m:t>
+                        </m:r>
+                      </m:e>
+                      <m:sub>
+                        <m:r>
+                          <a:rPr lang="en-US" altLang="ja-JP" i="1" dirty="0">
+                            <a:latin typeface="Cambria Math" panose="02040503050406030204" pitchFamily="18" charset="0"/>
+                          </a:rPr>
+                          <m:t>𝑡</m:t>
+                        </m:r>
+                        <m:r>
+                          <a:rPr lang="en-US" altLang="ja-JP" b="0" i="1" dirty="0" smtClean="0">
+                            <a:latin typeface="Cambria Math" panose="02040503050406030204" pitchFamily="18" charset="0"/>
+                          </a:rPr>
+                          <m:t>𝑜𝑡</m:t>
+                        </m:r>
+                      </m:sub>
+                    </m:sSub>
+                    <m:r>
+                      <a:rPr lang="en-US" altLang="ja-JP" b="0" i="1" dirty="0" smtClean="0">
+                        <a:latin typeface="Cambria Math" panose="02040503050406030204" pitchFamily="18" charset="0"/>
+                      </a:rPr>
+                      <m:t>:</m:t>
+                    </m:r>
+                    <m:r>
+                      <a:rPr lang="en-US" altLang="ja-JP" b="0" i="1" dirty="0" smtClean="0">
+                        <a:latin typeface="Cambria Math" panose="02040503050406030204" pitchFamily="18" charset="0"/>
+                      </a:rPr>
+                      <m:t>𝐶</m:t>
+                    </m:r>
+                  </m:oMath>
+                </a14:m>
+                <a:r>
+                  <a:rPr kumimoji="1" lang="ja-JP" altLang="en-US" dirty="0" smtClean="0"/>
+                  <a:t>に含まれるノード</a:t>
+                </a:r>
+                <a:r>
+                  <a:rPr lang="ja-JP" altLang="en-US" dirty="0" smtClean="0"/>
+                  <a:t>に接続した重みの総和</a:t>
+                </a:r>
+                <a:r>
+                  <a:rPr lang="en-US" altLang="ja-JP" dirty="0" smtClean="0"/>
+                  <a:t>. </a:t>
+                </a:r>
+              </a:p>
+              <a:p>
+                <a:pPr marL="342900" indent="-342900"/>
+                <a:endParaRPr lang="en-US" altLang="ja-JP" dirty="0" smtClean="0"/>
+              </a:p>
+              <a:p>
+                <a:pPr marL="342900" indent="-342900"/>
+                <a:r>
+                  <a:rPr lang="ja-JP" altLang="en-US" dirty="0" smtClean="0"/>
+                  <a:t>密度</a:t>
+                </a:r>
+                <a:endParaRPr kumimoji="1" lang="en-US" altLang="ja-JP" dirty="0"/>
+              </a:p>
+              <a:p>
+                <a:pPr marL="642938" lvl="1" indent="-342900"/>
+                <a:r>
+                  <a:rPr lang="ja-JP" altLang="en-US" dirty="0"/>
+                  <a:t>あるコミュニティ</a:t>
+                </a:r>
+                <a14:m>
+                  <m:oMath xmlns:m="http://schemas.openxmlformats.org/officeDocument/2006/math">
+                    <m:r>
+                      <a:rPr lang="en-US" altLang="ja-JP" i="1">
+                        <a:latin typeface="Cambria Math" panose="02040503050406030204" pitchFamily="18" charset="0"/>
+                      </a:rPr>
+                      <m:t>𝐶</m:t>
+                    </m:r>
+                  </m:oMath>
+                </a14:m>
+                <a:r>
+                  <a:rPr lang="ja-JP" altLang="en-US" dirty="0"/>
+                  <a:t>に対して，</a:t>
+                </a:r>
+                <a:endParaRPr lang="en-US" altLang="ja-JP" dirty="0"/>
+              </a:p>
+              <a:p>
+                <a:pPr marL="300038" lvl="1" indent="0">
+                  <a:buNone/>
+                </a:pPr>
+                <a14:m>
+                  <m:oMathPara xmlns:m="http://schemas.openxmlformats.org/officeDocument/2006/math">
+                    <m:oMathParaPr>
+                      <m:jc m:val="centerGroup"/>
+                    </m:oMathParaPr>
+                    <m:oMath xmlns:m="http://schemas.openxmlformats.org/officeDocument/2006/math">
+                      <m:r>
+                        <a:rPr kumimoji="1" lang="ja-JP" altLang="en-US" i="1" dirty="0" smtClean="0">
+                          <a:latin typeface="Cambria Math" panose="02040503050406030204" pitchFamily="18" charset="0"/>
+                        </a:rPr>
+                        <m:t>密度</m:t>
+                      </m:r>
+                      <m:r>
+                        <a:rPr kumimoji="1" lang="en-US" altLang="ja-JP" b="0" i="1" dirty="0" smtClean="0">
+                          <a:latin typeface="Cambria Math" panose="02040503050406030204" pitchFamily="18" charset="0"/>
+                        </a:rPr>
+                        <m:t> </m:t>
+                      </m:r>
+                      <m:sSub>
+                        <m:sSubPr>
+                          <m:ctrlPr>
+                            <a:rPr kumimoji="1" lang="en-US" altLang="ja-JP" b="0" i="1" dirty="0" smtClean="0">
+                              <a:latin typeface="Cambria Math" panose="02040503050406030204" pitchFamily="18" charset="0"/>
+                            </a:rPr>
+                          </m:ctrlPr>
+                        </m:sSubPr>
+                        <m:e>
+                          <m:r>
+                            <a:rPr kumimoji="1" lang="en-US" altLang="ja-JP" b="0" i="1" dirty="0" smtClean="0">
+                              <a:latin typeface="Cambria Math" panose="02040503050406030204" pitchFamily="18" charset="0"/>
+                            </a:rPr>
+                            <m:t>𝐷</m:t>
+                          </m:r>
+                        </m:e>
+                        <m:sub>
+                          <m:r>
+                            <a:rPr kumimoji="1" lang="en-US" altLang="ja-JP" b="0" i="1" dirty="0" smtClean="0">
+                              <a:latin typeface="Cambria Math" panose="02040503050406030204" pitchFamily="18" charset="0"/>
+                            </a:rPr>
+                            <m:t>𝐶</m:t>
+                          </m:r>
+                        </m:sub>
+                      </m:sSub>
+                      <m:r>
+                        <a:rPr kumimoji="1" lang="en-US" altLang="ja-JP" b="0" i="1" dirty="0" smtClean="0">
+                          <a:latin typeface="Cambria Math" panose="02040503050406030204" pitchFamily="18" charset="0"/>
+                        </a:rPr>
+                        <m:t>=</m:t>
+                      </m:r>
+                      <m:f>
+                        <m:fPr>
+                          <m:ctrlPr>
+                            <a:rPr kumimoji="1" lang="en-US" altLang="ja-JP" b="0" i="1" dirty="0" smtClean="0">
+                              <a:latin typeface="Cambria Math" panose="02040503050406030204" pitchFamily="18" charset="0"/>
+                            </a:rPr>
+                          </m:ctrlPr>
+                        </m:fPr>
+                        <m:num>
+                          <m:r>
+                            <a:rPr kumimoji="1" lang="en-US" altLang="ja-JP" b="0" i="1" dirty="0" smtClean="0">
+                              <a:latin typeface="Cambria Math" panose="02040503050406030204" pitchFamily="18" charset="0"/>
+                            </a:rPr>
+                            <m:t>2</m:t>
+                          </m:r>
+                          <m:r>
+                            <a:rPr kumimoji="1" lang="en-US" altLang="ja-JP" b="0" i="1" dirty="0" smtClean="0">
+                              <a:latin typeface="Cambria Math" panose="02040503050406030204" pitchFamily="18" charset="0"/>
+                            </a:rPr>
+                            <m:t>𝑚</m:t>
+                          </m:r>
+                        </m:num>
+                        <m:den>
+                          <m:r>
+                            <a:rPr kumimoji="1" lang="en-US" altLang="ja-JP" b="0" i="1" dirty="0" smtClean="0">
+                              <a:latin typeface="Cambria Math" panose="02040503050406030204" pitchFamily="18" charset="0"/>
+                            </a:rPr>
+                            <m:t>𝑛</m:t>
+                          </m:r>
+                          <m:r>
+                            <a:rPr kumimoji="1" lang="en-US" altLang="ja-JP" b="0" i="1" dirty="0" smtClean="0">
+                              <a:latin typeface="Cambria Math" panose="02040503050406030204" pitchFamily="18" charset="0"/>
+                            </a:rPr>
+                            <m:t>(</m:t>
+                          </m:r>
+                          <m:r>
+                            <a:rPr kumimoji="1" lang="en-US" altLang="ja-JP" b="0" i="1" dirty="0" smtClean="0">
+                              <a:latin typeface="Cambria Math" panose="02040503050406030204" pitchFamily="18" charset="0"/>
+                            </a:rPr>
+                            <m:t>𝑛</m:t>
+                          </m:r>
+                          <m:r>
+                            <a:rPr kumimoji="1" lang="en-US" altLang="ja-JP" b="0" i="1" dirty="0" smtClean="0">
+                              <a:latin typeface="Cambria Math" panose="02040503050406030204" pitchFamily="18" charset="0"/>
+                            </a:rPr>
+                            <m:t>−1)</m:t>
+                          </m:r>
+                        </m:den>
+                      </m:f>
+                    </m:oMath>
+                  </m:oMathPara>
+                </a14:m>
+                <a:endParaRPr kumimoji="1" lang="en-US" altLang="ja-JP" dirty="0" smtClean="0"/>
+              </a:p>
+              <a:p>
+                <a:pPr marL="300038" lvl="1" indent="0">
+                  <a:buNone/>
+                </a:pPr>
+                <a14:m>
+                  <m:oMath xmlns:m="http://schemas.openxmlformats.org/officeDocument/2006/math">
+                    <m:r>
+                      <a:rPr lang="en-US" altLang="ja-JP" b="0" i="1" smtClean="0">
+                        <a:latin typeface="Cambria Math" panose="02040503050406030204" pitchFamily="18" charset="0"/>
+                      </a:rPr>
+                      <m:t>𝑛</m:t>
+                    </m:r>
+                    <m:r>
+                      <a:rPr lang="en-US" altLang="ja-JP" b="0" i="1" smtClean="0">
+                        <a:latin typeface="Cambria Math" panose="02040503050406030204" pitchFamily="18" charset="0"/>
+                      </a:rPr>
+                      <m:t>:</m:t>
+                    </m:r>
+                    <m:r>
+                      <m:rPr>
+                        <m:nor/>
+                      </m:rPr>
+                      <a:rPr lang="ja-JP" altLang="en-US" dirty="0"/>
+                      <m:t>コミュニティ</m:t>
+                    </m:r>
+                    <m:r>
+                      <a:rPr lang="en-US" altLang="ja-JP" i="1">
+                        <a:latin typeface="Cambria Math" panose="02040503050406030204" pitchFamily="18" charset="0"/>
+                      </a:rPr>
+                      <m:t>𝐶</m:t>
+                    </m:r>
+                  </m:oMath>
+                </a14:m>
+                <a:r>
+                  <a:rPr lang="ja-JP" altLang="en-US" dirty="0" smtClean="0"/>
+                  <a:t>のノード数</a:t>
+                </a:r>
+                <a:endParaRPr lang="en-US" altLang="ja-JP" dirty="0" smtClean="0"/>
+              </a:p>
+              <a:p>
+                <a:pPr marL="300038" lvl="1" indent="0">
+                  <a:buNone/>
+                </a:pPr>
+                <a14:m>
+                  <m:oMath xmlns:m="http://schemas.openxmlformats.org/officeDocument/2006/math">
+                    <m:r>
+                      <a:rPr lang="en-US" altLang="ja-JP" b="0" i="1" dirty="0" smtClean="0">
+                        <a:latin typeface="Cambria Math" panose="02040503050406030204" pitchFamily="18" charset="0"/>
+                      </a:rPr>
+                      <m:t>𝑚</m:t>
+                    </m:r>
+                    <m:r>
+                      <a:rPr lang="en-US" altLang="ja-JP" b="0" i="1" dirty="0" smtClean="0">
+                        <a:latin typeface="Cambria Math" panose="02040503050406030204" pitchFamily="18" charset="0"/>
+                      </a:rPr>
+                      <m:t>: </m:t>
+                    </m:r>
+                  </m:oMath>
+                </a14:m>
+                <a:r>
+                  <a:rPr kumimoji="1" lang="ja-JP" altLang="en-US" dirty="0" smtClean="0"/>
+                  <a:t>実際のエッジ数（重みがあるエッジを</a:t>
+                </a:r>
+                <a:r>
+                  <a:rPr kumimoji="1" lang="en-US" altLang="ja-JP" dirty="0" smtClean="0"/>
+                  <a:t>1</a:t>
+                </a:r>
+                <a:r>
+                  <a:rPr kumimoji="1" lang="ja-JP" altLang="en-US" dirty="0" smtClean="0"/>
+                  <a:t>とカウントする）</a:t>
+                </a:r>
+                <a:endParaRPr kumimoji="1" lang="ja-JP" altLang="en-US" dirty="0"/>
+              </a:p>
+            </p:txBody>
+          </p:sp>
+        </mc:Choice>
+        <mc:Fallback>
+          <p:sp>
+            <p:nvSpPr>
+              <p:cNvPr id="3" name="コンテンツ プレースホルダー 2"/>
+              <p:cNvSpPr>
+                <a:spLocks noGrp="1" noRot="1" noChangeAspect="1" noMove="1" noResize="1" noEditPoints="1" noAdjustHandles="1" noChangeArrowheads="1" noChangeShapeType="1" noTextEdit="1"/>
+              </p:cNvSpPr>
+              <p:nvPr>
+                <p:ph idx="1"/>
+              </p:nvPr>
+            </p:nvSpPr>
+            <p:spPr>
+              <a:xfrm>
+                <a:off x="865682" y="1311564"/>
+                <a:ext cx="7216136" cy="5044785"/>
+              </a:xfrm>
+              <a:blipFill>
+                <a:blip r:embed="rId2"/>
+                <a:stretch>
+                  <a:fillRect l="-1098" t="-1449" b="-604"/>
+                </a:stretch>
+              </a:blipFill>
+            </p:spPr>
+            <p:txBody>
+              <a:bodyPr/>
+              <a:lstStyle/>
+              <a:p>
+                <a:r>
+                  <a:rPr lang="ja-JP" altLang="en-US">
+                    <a:noFill/>
+                  </a:rPr>
+                  <a:t> </a:t>
+                </a:r>
+              </a:p>
+            </p:txBody>
+          </p:sp>
+        </mc:Fallback>
+      </mc:AlternateContent>
+      <p:sp>
+        <p:nvSpPr>
+          <p:cNvPr id="4" name="スライド番号プレースホルダー 3"/>
+          <p:cNvSpPr>
+            <a:spLocks noGrp="1"/>
+          </p:cNvSpPr>
+          <p:nvPr>
+            <p:ph type="sldNum" sz="quarter" idx="10"/>
+          </p:nvPr>
+        </p:nvSpPr>
+        <p:spPr/>
+        <p:txBody>
+          <a:bodyPr/>
+          <a:lstStyle/>
+          <a:p>
+            <a:fld id="{B5523FDF-1079-0C47-BA65-E35310DA8E0F}" type="slidenum">
+              <a:rPr kumimoji="1" lang="ja-JP" altLang="en-US" smtClean="0"/>
+              <a:t>23</a:t>
+            </a:fld>
+            <a:endParaRPr kumimoji="1" lang="ja-JP" altLang="en-US"/>
+          </a:p>
+        </p:txBody>
+      </p:sp>
+      <p:grpSp>
+        <p:nvGrpSpPr>
+          <p:cNvPr id="9" name="グループ化 8"/>
+          <p:cNvGrpSpPr/>
+          <p:nvPr/>
+        </p:nvGrpSpPr>
+        <p:grpSpPr>
+          <a:xfrm>
+            <a:off x="6780501" y="1522568"/>
+            <a:ext cx="1906298" cy="2683399"/>
+            <a:chOff x="7003688" y="1334191"/>
+            <a:chExt cx="1906298" cy="2683399"/>
+          </a:xfrm>
+        </p:grpSpPr>
+        <p:pic>
+          <p:nvPicPr>
+            <p:cNvPr id="5" name="図 4"/>
+            <p:cNvPicPr>
+              <a:picLocks noChangeAspect="1"/>
+            </p:cNvPicPr>
+            <p:nvPr/>
+          </p:nvPicPr>
+          <p:blipFill>
+            <a:blip r:embed="rId3">
+              <a:extLst>
+                <a:ext uri="{28A0092B-C50C-407E-A947-70E740481C1C}">
+                  <a14:useLocalDpi xmlns:a14="http://schemas.microsoft.com/office/drawing/2010/main" val="0"/>
+                </a:ext>
+              </a:extLst>
+            </a:blip>
+            <a:stretch>
+              <a:fillRect/>
+            </a:stretch>
+          </p:blipFill>
+          <p:spPr>
+            <a:xfrm>
+              <a:off x="7003688" y="2677619"/>
+              <a:ext cx="1906298" cy="1339971"/>
+            </a:xfrm>
+            <a:prstGeom prst="rect">
+              <a:avLst/>
+            </a:prstGeom>
+          </p:spPr>
+        </p:pic>
+        <p:pic>
+          <p:nvPicPr>
+            <p:cNvPr id="6" name="図 5"/>
+            <p:cNvPicPr>
+              <a:picLocks noChangeAspect="1"/>
+            </p:cNvPicPr>
+            <p:nvPr/>
+          </p:nvPicPr>
+          <p:blipFill>
+            <a:blip r:embed="rId4">
+              <a:extLst>
+                <a:ext uri="{28A0092B-C50C-407E-A947-70E740481C1C}">
+                  <a14:useLocalDpi xmlns:a14="http://schemas.microsoft.com/office/drawing/2010/main" val="0"/>
+                </a:ext>
+              </a:extLst>
+            </a:blip>
+            <a:stretch>
+              <a:fillRect/>
+            </a:stretch>
+          </p:blipFill>
+          <p:spPr>
+            <a:xfrm>
+              <a:off x="7003688" y="1334191"/>
+              <a:ext cx="1893455" cy="1343428"/>
+            </a:xfrm>
+            <a:prstGeom prst="rect">
+              <a:avLst/>
+            </a:prstGeom>
+          </p:spPr>
+        </p:pic>
+        <p:sp>
+          <p:nvSpPr>
+            <p:cNvPr id="7" name="正方形/長方形 6"/>
+            <p:cNvSpPr/>
+            <p:nvPr/>
+          </p:nvSpPr>
+          <p:spPr>
+            <a:xfrm>
+              <a:off x="7003688" y="2272145"/>
+              <a:ext cx="985767" cy="405474"/>
+            </a:xfrm>
+            <a:prstGeom prst="rect">
+              <a:avLst/>
+            </a:prstGeom>
+            <a:solidFill>
+              <a:schemeClr val="bg1"/>
+            </a:solidFill>
+            <a:ln>
+              <a:noFill/>
+            </a:ln>
+            <a:effectLst/>
+          </p:spPr>
+          <p:style>
+            <a:lnRef idx="1">
+              <a:schemeClr val="accent1"/>
+            </a:lnRef>
+            <a:fillRef idx="3">
+              <a:schemeClr val="accent1"/>
+            </a:fillRef>
+            <a:effectRef idx="2">
+              <a:schemeClr val="accent1"/>
+            </a:effectRef>
+            <a:fontRef idx="minor">
+              <a:schemeClr val="lt1"/>
+            </a:fontRef>
+          </p:style>
+          <p:txBody>
+            <a:bodyPr rtlCol="0" anchor="ctr"/>
+            <a:lstStyle/>
+            <a:p>
+              <a:pPr algn="ctr"/>
+              <a:endParaRPr kumimoji="1" lang="ja-JP" altLang="en-US"/>
+            </a:p>
+          </p:txBody>
+        </p:sp>
+        <p:sp>
+          <p:nvSpPr>
+            <p:cNvPr id="8" name="正方形/長方形 7"/>
+            <p:cNvSpPr/>
+            <p:nvPr/>
+          </p:nvSpPr>
+          <p:spPr>
+            <a:xfrm>
+              <a:off x="7017252" y="3609615"/>
+              <a:ext cx="985767" cy="405474"/>
+            </a:xfrm>
+            <a:prstGeom prst="rect">
+              <a:avLst/>
+            </a:prstGeom>
+            <a:solidFill>
+              <a:schemeClr val="bg1"/>
+            </a:solidFill>
+            <a:ln>
+              <a:noFill/>
+            </a:ln>
+            <a:effectLst/>
+          </p:spPr>
+          <p:style>
+            <a:lnRef idx="1">
+              <a:schemeClr val="accent1"/>
+            </a:lnRef>
+            <a:fillRef idx="3">
+              <a:schemeClr val="accent1"/>
+            </a:fillRef>
+            <a:effectRef idx="2">
+              <a:schemeClr val="accent1"/>
+            </a:effectRef>
+            <a:fontRef idx="minor">
+              <a:schemeClr val="lt1"/>
+            </a:fontRef>
+          </p:style>
+          <p:txBody>
+            <a:bodyPr rtlCol="0" anchor="ctr"/>
+            <a:lstStyle/>
+            <a:p>
+              <a:pPr algn="ctr"/>
+              <a:endParaRPr kumimoji="1" lang="ja-JP" altLang="en-US"/>
+            </a:p>
+          </p:txBody>
+        </p:sp>
+      </p:grpSp>
+    </p:spTree>
+    <p:extLst>
+      <p:ext uri="{BB962C8B-B14F-4D97-AF65-F5344CB8AC3E}">
+        <p14:creationId xmlns:p14="http://schemas.microsoft.com/office/powerpoint/2010/main" val="3954578852"/>
       </p:ext>
     </p:extLst>
   </p:cSld>

--- a/behavior_detection.pptx
+++ b/behavior_detection.pptx
@@ -5,7 +5,7 @@
     <p:sldMasterId id="2147483648" r:id="rId1"/>
   </p:sldMasterIdLst>
   <p:notesMasterIdLst>
-    <p:notesMasterId r:id="rId25"/>
+    <p:notesMasterId r:id="rId26"/>
   </p:notesMasterIdLst>
   <p:sldIdLst>
     <p:sldId id="256" r:id="rId2"/>
@@ -31,6 +31,7 @@
     <p:sldId id="293" r:id="rId22"/>
     <p:sldId id="294" r:id="rId23"/>
     <p:sldId id="295" r:id="rId24"/>
+    <p:sldId id="296" r:id="rId25"/>
   </p:sldIdLst>
   <p:sldSz cx="9144000" cy="6858000" type="screen4x3"/>
   <p:notesSz cx="6858000" cy="9144000"/>
@@ -28674,13 +28675,22 @@
           <a:p>
             <a:pPr algn="ctr"/>
             <a:r>
+              <a:rPr kumimoji="1" lang="ja-JP" altLang="en-US" sz="2000" smtClean="0">
+                <a:ln w="0"/>
+                <a:solidFill>
+                  <a:schemeClr val="tx1"/>
+                </a:solidFill>
+              </a:rPr>
+              <a:t>ネットワーク構造</a:t>
+            </a:r>
+            <a:r>
               <a:rPr kumimoji="1" lang="ja-JP" altLang="en-US" sz="2000" dirty="0" smtClean="0">
                 <a:ln w="0"/>
                 <a:solidFill>
                   <a:schemeClr val="tx1"/>
                 </a:solidFill>
               </a:rPr>
-              <a:t>コミュニティ構造に着目した特徴量作成による異常検知</a:t>
+              <a:t>に着目した特徴量作成による異常検知</a:t>
             </a:r>
             <a:endParaRPr kumimoji="1" lang="en-US" altLang="ja-JP" sz="2000" dirty="0" smtClean="0">
               <a:ln w="0"/>
@@ -28945,8 +28955,8 @@
           </a:p>
         </p:txBody>
       </p:sp>
-      <mc:AlternateContent xmlns:mc="http://schemas.openxmlformats.org/markup-compatibility/2006">
-        <mc:Choice xmlns:a14="http://schemas.microsoft.com/office/drawing/2010/main" Requires="a14">
+      <mc:AlternateContent xmlns:mc="http://schemas.openxmlformats.org/markup-compatibility/2006" xmlns:a14="http://schemas.microsoft.com/office/drawing/2010/main">
+        <mc:Choice Requires="a14">
           <p:sp>
             <p:nvSpPr>
               <p:cNvPr id="3" name="コンテンツ プレースホルダー 2"/>
@@ -29479,7 +29489,7 @@
             </p:txBody>
           </p:sp>
         </mc:Choice>
-        <mc:Fallback>
+        <mc:Fallback xmlns="">
           <p:sp>
             <p:nvSpPr>
               <p:cNvPr id="3" name="コンテンツ プレースホルダー 2"/>
@@ -29722,6 +29732,241 @@
       </p:par>
     </p:tnLst>
   </p:timing>
+</p:sld>
+</file>
+
+<file path=ppt/slides/slide24.xml><?xml version="1.0" encoding="utf-8"?>
+<p:sld xmlns:a="http://schemas.openxmlformats.org/drawingml/2006/main" xmlns:r="http://schemas.openxmlformats.org/officeDocument/2006/relationships" xmlns:p="http://schemas.openxmlformats.org/presentationml/2006/main">
+  <p:cSld>
+    <p:spTree>
+      <p:nvGrpSpPr>
+        <p:cNvPr id="1" name=""/>
+        <p:cNvGrpSpPr/>
+        <p:nvPr/>
+      </p:nvGrpSpPr>
+      <p:grpSpPr>
+        <a:xfrm>
+          <a:off x="0" y="0"/>
+          <a:ext cx="0" cy="0"/>
+          <a:chOff x="0" y="0"/>
+          <a:chExt cx="0" cy="0"/>
+        </a:xfrm>
+      </p:grpSpPr>
+      <p:sp>
+        <p:nvSpPr>
+          <p:cNvPr id="2" name="タイトル 1"/>
+          <p:cNvSpPr>
+            <a:spLocks noGrp="1"/>
+          </p:cNvSpPr>
+          <p:nvPr>
+            <p:ph type="title"/>
+          </p:nvPr>
+        </p:nvSpPr>
+        <p:spPr/>
+        <p:txBody>
+          <a:bodyPr/>
+          <a:lstStyle/>
+          <a:p>
+            <a:r>
+              <a:rPr kumimoji="1" lang="ja-JP" altLang="en-US" dirty="0" smtClean="0"/>
+              <a:t>エクセル表の見方</a:t>
+            </a:r>
+            <a:endParaRPr kumimoji="1" lang="ja-JP" altLang="en-US" dirty="0"/>
+          </a:p>
+        </p:txBody>
+      </p:sp>
+      <p:pic>
+        <p:nvPicPr>
+          <p:cNvPr id="5" name="コンテンツ プレースホルダー 4"/>
+          <p:cNvPicPr>
+            <a:picLocks noGrp="1" noChangeAspect="1"/>
+          </p:cNvPicPr>
+          <p:nvPr>
+            <p:ph idx="1"/>
+          </p:nvPr>
+        </p:nvPicPr>
+        <p:blipFill>
+          <a:blip r:embed="rId2">
+            <a:extLst>
+              <a:ext uri="{28A0092B-C50C-407E-A947-70E740481C1C}">
+                <a14:useLocalDpi xmlns:a14="http://schemas.microsoft.com/office/drawing/2010/main" val="0"/>
+              </a:ext>
+            </a:extLst>
+          </a:blip>
+          <a:stretch>
+            <a:fillRect/>
+          </a:stretch>
+        </p:blipFill>
+        <p:spPr>
+          <a:xfrm>
+            <a:off x="1083615" y="1522568"/>
+            <a:ext cx="7291257" cy="2596813"/>
+          </a:xfrm>
+        </p:spPr>
+      </p:pic>
+      <p:sp>
+        <p:nvSpPr>
+          <p:cNvPr id="4" name="スライド番号プレースホルダー 3"/>
+          <p:cNvSpPr>
+            <a:spLocks noGrp="1"/>
+          </p:cNvSpPr>
+          <p:nvPr>
+            <p:ph type="sldNum" sz="quarter" idx="10"/>
+          </p:nvPr>
+        </p:nvSpPr>
+        <p:spPr/>
+        <p:txBody>
+          <a:bodyPr/>
+          <a:lstStyle/>
+          <a:p>
+            <a:fld id="{B5523FDF-1079-0C47-BA65-E35310DA8E0F}" type="slidenum">
+              <a:rPr kumimoji="1" lang="ja-JP" altLang="en-US" smtClean="0"/>
+              <a:t>24</a:t>
+            </a:fld>
+            <a:endParaRPr kumimoji="1" lang="ja-JP" altLang="en-US"/>
+          </a:p>
+        </p:txBody>
+      </p:sp>
+      <p:sp>
+        <p:nvSpPr>
+          <p:cNvPr id="6" name="テキスト ボックス 5"/>
+          <p:cNvSpPr txBox="1"/>
+          <p:nvPr/>
+        </p:nvSpPr>
+        <p:spPr>
+          <a:xfrm>
+            <a:off x="607778" y="4499021"/>
+            <a:ext cx="8336924" cy="1938992"/>
+          </a:xfrm>
+          <a:prstGeom prst="rect">
+            <a:avLst/>
+          </a:prstGeom>
+          <a:noFill/>
+        </p:spPr>
+        <p:txBody>
+          <a:bodyPr wrap="square" rtlCol="0">
+            <a:spAutoFit/>
+          </a:bodyPr>
+          <a:lstStyle/>
+          <a:p>
+            <a:r>
+              <a:rPr kumimoji="1" lang="en-US" altLang="ja-JP" sz="2400" dirty="0" smtClean="0"/>
+              <a:t>A</a:t>
+            </a:r>
+            <a:r>
+              <a:rPr kumimoji="1" lang="ja-JP" altLang="en-US" sz="2400" dirty="0" smtClean="0"/>
+              <a:t>列</a:t>
+            </a:r>
+            <a:r>
+              <a:rPr kumimoji="1" lang="en-US" altLang="ja-JP" sz="2400" dirty="0" smtClean="0"/>
+              <a:t>: </a:t>
+            </a:r>
+            <a:r>
+              <a:rPr kumimoji="1" lang="ja-JP" altLang="en-US" sz="2400" dirty="0" smtClean="0"/>
+              <a:t>タイムスタンプ</a:t>
+            </a:r>
+            <a:endParaRPr kumimoji="1" lang="en-US" altLang="ja-JP" sz="2400" dirty="0" smtClean="0"/>
+          </a:p>
+          <a:p>
+            <a:r>
+              <a:rPr lang="en-US" altLang="ja-JP" sz="2400" dirty="0" smtClean="0"/>
+              <a:t>B</a:t>
+            </a:r>
+            <a:r>
+              <a:rPr lang="ja-JP" altLang="en-US" sz="2400" dirty="0" smtClean="0"/>
+              <a:t>列</a:t>
+            </a:r>
+            <a:r>
+              <a:rPr lang="en-US" altLang="ja-JP" sz="2400" dirty="0" smtClean="0"/>
+              <a:t>: </a:t>
+            </a:r>
+            <a:r>
+              <a:rPr lang="ja-JP" altLang="en-US" sz="2400" dirty="0" smtClean="0"/>
+              <a:t>セッション間の平均密度</a:t>
+            </a:r>
+            <a:endParaRPr lang="en-US" altLang="ja-JP" sz="2400" dirty="0" smtClean="0"/>
+          </a:p>
+          <a:p>
+            <a:r>
+              <a:rPr kumimoji="1" lang="en-US" altLang="ja-JP" sz="2400" dirty="0" smtClean="0"/>
+              <a:t>C</a:t>
+            </a:r>
+            <a:r>
+              <a:rPr kumimoji="1" lang="ja-JP" altLang="en-US" sz="2400" dirty="0" smtClean="0"/>
+              <a:t>列</a:t>
+            </a:r>
+            <a:r>
+              <a:rPr kumimoji="1" lang="en-US" altLang="ja-JP" sz="2400" dirty="0" smtClean="0"/>
+              <a:t>: </a:t>
+            </a:r>
+            <a:r>
+              <a:rPr kumimoji="1" lang="ja-JP" altLang="en-US" sz="2400" dirty="0" smtClean="0"/>
+              <a:t>セッション間の平均孤立度</a:t>
+            </a:r>
+            <a:endParaRPr kumimoji="1" lang="en-US" altLang="ja-JP" sz="2400" dirty="0" smtClean="0"/>
+          </a:p>
+          <a:p>
+            <a:r>
+              <a:rPr lang="en-US" altLang="ja-JP" sz="2400" dirty="0" smtClean="0"/>
+              <a:t>D</a:t>
+            </a:r>
+            <a:r>
+              <a:rPr lang="ja-JP" altLang="en-US" sz="2400" dirty="0" smtClean="0"/>
+              <a:t>列</a:t>
+            </a:r>
+            <a:r>
+              <a:rPr lang="en-US" altLang="ja-JP" sz="2400" dirty="0" smtClean="0"/>
+              <a:t>: </a:t>
+            </a:r>
+            <a:r>
+              <a:rPr lang="ja-JP" altLang="en-US" sz="2400" dirty="0" smtClean="0"/>
+              <a:t>行動クラスタリングで休息クラスタに属さなかった時間割合</a:t>
+            </a:r>
+            <a:endParaRPr lang="en-US" altLang="ja-JP" sz="2400" dirty="0" smtClean="0"/>
+          </a:p>
+          <a:p>
+            <a:r>
+              <a:rPr kumimoji="1" lang="en-US" altLang="ja-JP" sz="2400" dirty="0" smtClean="0"/>
+              <a:t>E</a:t>
+            </a:r>
+            <a:r>
+              <a:rPr kumimoji="1" lang="ja-JP" altLang="en-US" sz="2400" dirty="0" smtClean="0"/>
+              <a:t>列</a:t>
+            </a:r>
+            <a:r>
+              <a:rPr kumimoji="1" lang="en-US" altLang="ja-JP" sz="2400" dirty="0" smtClean="0"/>
+              <a:t>: </a:t>
+            </a:r>
+            <a:r>
+              <a:rPr kumimoji="1" lang="ja-JP" altLang="en-US" sz="2400" dirty="0" smtClean="0"/>
+              <a:t>セッションの間隔 </a:t>
+            </a:r>
+            <a:r>
+              <a:rPr kumimoji="1" lang="en-US" altLang="ja-JP" sz="2400" dirty="0" smtClean="0"/>
+              <a:t>[</a:t>
+            </a:r>
+            <a:r>
+              <a:rPr kumimoji="1" lang="ja-JP" altLang="en-US" sz="2400" dirty="0" smtClean="0"/>
+              <a:t>分</a:t>
+            </a:r>
+            <a:r>
+              <a:rPr kumimoji="1" lang="en-US" altLang="ja-JP" sz="2400" dirty="0" smtClean="0"/>
+              <a:t>]</a:t>
+            </a:r>
+            <a:endParaRPr kumimoji="1" lang="ja-JP" altLang="en-US" sz="2400" dirty="0"/>
+          </a:p>
+        </p:txBody>
+      </p:sp>
+    </p:spTree>
+    <p:extLst>
+      <p:ext uri="{BB962C8B-B14F-4D97-AF65-F5344CB8AC3E}">
+        <p14:creationId xmlns:p14="http://schemas.microsoft.com/office/powerpoint/2010/main" val="1843298435"/>
+      </p:ext>
+    </p:extLst>
+  </p:cSld>
+  <p:clrMapOvr>
+    <a:masterClrMapping/>
+  </p:clrMapOvr>
 </p:sld>
 </file>
 
